--- a/Reports/Presentation.pptx
+++ b/Reports/Presentation.pptx
@@ -8,15 +8,15 @@
     <p:notesMasterId r:id="rId13"/>
   </p:notesMasterIdLst>
   <p:sldIdLst>
-    <p:sldId id="256" r:id="rId2"/>
-    <p:sldId id="258" r:id="rId3"/>
-    <p:sldId id="259" r:id="rId4"/>
-    <p:sldId id="260" r:id="rId5"/>
-    <p:sldId id="261" r:id="rId6"/>
-    <p:sldId id="262" r:id="rId7"/>
-    <p:sldId id="263" r:id="rId8"/>
-    <p:sldId id="264" r:id="rId9"/>
-    <p:sldId id="265" r:id="rId10"/>
+    <p:sldId id="267" r:id="rId2"/>
+    <p:sldId id="256" r:id="rId3"/>
+    <p:sldId id="268" r:id="rId4"/>
+    <p:sldId id="259" r:id="rId5"/>
+    <p:sldId id="260" r:id="rId6"/>
+    <p:sldId id="269" r:id="rId7"/>
+    <p:sldId id="270" r:id="rId8"/>
+    <p:sldId id="263" r:id="rId9"/>
+    <p:sldId id="271" r:id="rId10"/>
     <p:sldId id="266" r:id="rId11"/>
     <p:sldId id="257" r:id="rId12"/>
   </p:sldIdLst>
@@ -117,6 +117,11 @@
       </a:defRPr>
     </a:lvl9pPr>
   </p:defaultTextStyle>
+  <p:extLst>
+    <p:ext uri="{EFAFB233-063F-42B5-8137-9DF3F51BA10A}">
+      <p15:sldGuideLst xmlns:p15="http://schemas.microsoft.com/office/powerpoint/2012/main"/>
+    </p:ext>
+  </p:extLst>
 </p:presentation>
 </file>
 
@@ -202,7 +207,7 @@
           <a:p>
             <a:fld id="{28AEDC5D-4CB2-4A60-AE7B-3B3F877059C7}" type="datetimeFigureOut">
               <a:rPr lang="en-US" smtClean="0"/>
-              <a:t>11/27/2023</a:t>
+              <a:t>11/28/2023</a:t>
             </a:fld>
             <a:endParaRPr lang="en-US"/>
           </a:p>
@@ -515,17 +520,14 @@
           <a:p>
             <a:r>
               <a:rPr lang="en-US" dirty="0"/>
-              <a:t>https://deohs.washington.edu/pnash/wildfiresmoke</a:t>
+              <a:t>https://www.nrybbs.top/products.aspx?cname=leavenworth+ks&amp;cid=95</a:t>
             </a:r>
           </a:p>
           <a:p>
             <a:r>
               <a:rPr lang="en-US" dirty="0"/>
-              <a:t>https://en.wikipedia.org/wiki/Leavenworth,_Kansas</a:t>
-            </a:r>
-          </a:p>
-          <a:p>
-            <a:endParaRPr lang="en-US" dirty="0"/>
+              <a:t>https://datausa.io/profile/geo/leavenworth-ks</a:t>
+            </a:r>
           </a:p>
         </p:txBody>
       </p:sp>
@@ -555,7 +557,7 @@
     </p:spTree>
     <p:extLst>
       <p:ext uri="{BB962C8B-B14F-4D97-AF65-F5344CB8AC3E}">
-        <p14:creationId xmlns:p14="http://schemas.microsoft.com/office/powerpoint/2010/main" val="1952146817"/>
+        <p14:creationId xmlns:p14="http://schemas.microsoft.com/office/powerpoint/2010/main" val="736890016"/>
       </p:ext>
     </p:extLst>
   </p:cSld>
@@ -611,19 +613,13 @@
           <a:p>
             <a:r>
               <a:rPr lang="en-US" dirty="0"/>
-              <a:t>https://www.health.state.mn.us/communities/environment/emergency/natural/wildfires.html </a:t>
+              <a:t>https://deohs.washington.edu/pnash/wildfiresmoke</a:t>
             </a:r>
           </a:p>
           <a:p>
             <a:r>
               <a:rPr lang="en-US" dirty="0"/>
-              <a:t>https://www.rigzone.com/news/wire/oil_extends_decline_amid_global_economy_concerns-21-oct-2019-160107-article/</a:t>
-            </a:r>
-          </a:p>
-          <a:p>
-            <a:r>
-              <a:rPr lang="en-US" dirty="0"/>
-              <a:t>https://www.health.harvard.edu/blog/is-our-healthcare-system-broken-202107132542</a:t>
+              <a:t>https://www.google.com/search?q=policy+&amp;tbm=isch&amp;ved=2ahUKEwiC-drX2ueCAxV4GzQIHfRiCJsQ2-cCegQIABAA&amp;oq=policy+&amp;gs_lcp=CgNpbWcQAzIECCMQJzIICAAQgAQQsQMyCggAEIAEEIoFEEMyCggAEIAEEIoFEEMyCggAEIAEEIoFEEMyCAgAEIAEELEDMgUIABCABDILCAAQgAQQsQMQgwEyBQgAEIAEMgUIABCABFDgBVjgBWCKB2gAcAB4AIABY4gBswGSAQEymAEAoAEBqgELZ3dzLXdpei1pbWfAAQE&amp;sclient=img&amp;ei=BWVmZcLiHPi20PEP9MWh2Ak&amp;bih=1035&amp;biw=2048&amp;rlz=1C1CHBF_enUS856US856#imgrc=65NcntW3Z1ME6M</a:t>
             </a:r>
           </a:p>
         </p:txBody>
@@ -654,7 +650,361 @@
     </p:spTree>
     <p:extLst>
       <p:ext uri="{BB962C8B-B14F-4D97-AF65-F5344CB8AC3E}">
-        <p14:creationId xmlns:p14="http://schemas.microsoft.com/office/powerpoint/2010/main" val="654575179"/>
+        <p14:creationId xmlns:p14="http://schemas.microsoft.com/office/powerpoint/2010/main" val="1952146817"/>
+      </p:ext>
+    </p:extLst>
+  </p:cSld>
+  <p:clrMapOvr>
+    <a:masterClrMapping/>
+  </p:clrMapOvr>
+</p:notes>
+</file>
+
+<file path=ppt/notesSlides/notesSlide3.xml><?xml version="1.0" encoding="utf-8"?>
+<p:notes xmlns:a="http://schemas.openxmlformats.org/drawingml/2006/main" xmlns:r="http://schemas.openxmlformats.org/officeDocument/2006/relationships" xmlns:p="http://schemas.openxmlformats.org/presentationml/2006/main">
+  <p:cSld>
+    <p:spTree>
+      <p:nvGrpSpPr>
+        <p:cNvPr id="1" name=""/>
+        <p:cNvGrpSpPr/>
+        <p:nvPr/>
+      </p:nvGrpSpPr>
+      <p:grpSpPr>
+        <a:xfrm>
+          <a:off x="0" y="0"/>
+          <a:ext cx="0" cy="0"/>
+          <a:chOff x="0" y="0"/>
+          <a:chExt cx="0" cy="0"/>
+        </a:xfrm>
+      </p:grpSpPr>
+      <p:sp>
+        <p:nvSpPr>
+          <p:cNvPr id="2" name="Slide Image Placeholder 1"/>
+          <p:cNvSpPr>
+            <a:spLocks noGrp="1" noRot="1" noChangeAspect="1"/>
+          </p:cNvSpPr>
+          <p:nvPr>
+            <p:ph type="sldImg"/>
+          </p:nvPr>
+        </p:nvSpPr>
+        <p:spPr/>
+      </p:sp>
+      <p:sp>
+        <p:nvSpPr>
+          <p:cNvPr id="3" name="Notes Placeholder 2"/>
+          <p:cNvSpPr>
+            <a:spLocks noGrp="1"/>
+          </p:cNvSpPr>
+          <p:nvPr>
+            <p:ph type="body" idx="1"/>
+          </p:nvPr>
+        </p:nvSpPr>
+        <p:spPr/>
+        <p:txBody>
+          <a:bodyPr/>
+          <a:lstStyle/>
+          <a:p>
+            <a:r>
+              <a:rPr lang="en-US" dirty="0"/>
+              <a:t>https://www.health.state.mn.us/communities/environment/emergency/natural/wildfires.html </a:t>
+            </a:r>
+          </a:p>
+          <a:p>
+            <a:r>
+              <a:rPr lang="en-US" dirty="0"/>
+              <a:t>https://www.rigzone.com/news/wire/oil_extends_decline_amid_global_economy_concerns-21-oct-2019-160107-article/</a:t>
+            </a:r>
+          </a:p>
+          <a:p>
+            <a:r>
+              <a:rPr lang="en-US" dirty="0"/>
+              <a:t>https://www.health.harvard.edu/blog/is-our-healthcare-system-broken-202107132542</a:t>
+            </a:r>
+          </a:p>
+          <a:p>
+            <a:endParaRPr lang="en-US" dirty="0"/>
+          </a:p>
+        </p:txBody>
+      </p:sp>
+      <p:sp>
+        <p:nvSpPr>
+          <p:cNvPr id="4" name="Slide Number Placeholder 3"/>
+          <p:cNvSpPr>
+            <a:spLocks noGrp="1"/>
+          </p:cNvSpPr>
+          <p:nvPr>
+            <p:ph type="sldNum" sz="quarter" idx="5"/>
+          </p:nvPr>
+        </p:nvSpPr>
+        <p:spPr/>
+        <p:txBody>
+          <a:bodyPr/>
+          <a:lstStyle/>
+          <a:p>
+            <a:fld id="{92009BDF-D776-4AC7-BA63-B4D027F18F26}" type="slidenum">
+              <a:rPr lang="en-US" smtClean="0"/>
+              <a:t>3</a:t>
+            </a:fld>
+            <a:endParaRPr lang="en-US"/>
+          </a:p>
+        </p:txBody>
+      </p:sp>
+    </p:spTree>
+    <p:extLst>
+      <p:ext uri="{BB962C8B-B14F-4D97-AF65-F5344CB8AC3E}">
+        <p14:creationId xmlns:p14="http://schemas.microsoft.com/office/powerpoint/2010/main" val="764636200"/>
+      </p:ext>
+    </p:extLst>
+  </p:cSld>
+  <p:clrMapOvr>
+    <a:masterClrMapping/>
+  </p:clrMapOvr>
+</p:notes>
+</file>
+
+<file path=ppt/notesSlides/notesSlide4.xml><?xml version="1.0" encoding="utf-8"?>
+<p:notes xmlns:a="http://schemas.openxmlformats.org/drawingml/2006/main" xmlns:r="http://schemas.openxmlformats.org/officeDocument/2006/relationships" xmlns:p="http://schemas.openxmlformats.org/presentationml/2006/main">
+  <p:cSld>
+    <p:spTree>
+      <p:nvGrpSpPr>
+        <p:cNvPr id="1" name=""/>
+        <p:cNvGrpSpPr/>
+        <p:nvPr/>
+      </p:nvGrpSpPr>
+      <p:grpSpPr>
+        <a:xfrm>
+          <a:off x="0" y="0"/>
+          <a:ext cx="0" cy="0"/>
+          <a:chOff x="0" y="0"/>
+          <a:chExt cx="0" cy="0"/>
+        </a:xfrm>
+      </p:grpSpPr>
+      <p:sp>
+        <p:nvSpPr>
+          <p:cNvPr id="2" name="Slide Image Placeholder 1"/>
+          <p:cNvSpPr>
+            <a:spLocks noGrp="1" noRot="1" noChangeAspect="1"/>
+          </p:cNvSpPr>
+          <p:nvPr>
+            <p:ph type="sldImg"/>
+          </p:nvPr>
+        </p:nvSpPr>
+        <p:spPr/>
+      </p:sp>
+      <p:sp>
+        <p:nvSpPr>
+          <p:cNvPr id="3" name="Notes Placeholder 2"/>
+          <p:cNvSpPr>
+            <a:spLocks noGrp="1"/>
+          </p:cNvSpPr>
+          <p:nvPr>
+            <p:ph type="body" idx="1"/>
+          </p:nvPr>
+        </p:nvSpPr>
+        <p:spPr/>
+        <p:txBody>
+          <a:bodyPr/>
+          <a:lstStyle/>
+          <a:p>
+            <a:endParaRPr lang="en-US" dirty="0"/>
+          </a:p>
+        </p:txBody>
+      </p:sp>
+      <p:sp>
+        <p:nvSpPr>
+          <p:cNvPr id="4" name="Slide Number Placeholder 3"/>
+          <p:cNvSpPr>
+            <a:spLocks noGrp="1"/>
+          </p:cNvSpPr>
+          <p:nvPr>
+            <p:ph type="sldNum" sz="quarter" idx="5"/>
+          </p:nvPr>
+        </p:nvSpPr>
+        <p:spPr/>
+        <p:txBody>
+          <a:bodyPr/>
+          <a:lstStyle/>
+          <a:p>
+            <a:fld id="{92009BDF-D776-4AC7-BA63-B4D027F18F26}" type="slidenum">
+              <a:rPr lang="en-US" smtClean="0"/>
+              <a:t>5</a:t>
+            </a:fld>
+            <a:endParaRPr lang="en-US"/>
+          </a:p>
+        </p:txBody>
+      </p:sp>
+    </p:spTree>
+    <p:extLst>
+      <p:ext uri="{BB962C8B-B14F-4D97-AF65-F5344CB8AC3E}">
+        <p14:creationId xmlns:p14="http://schemas.microsoft.com/office/powerpoint/2010/main" val="2323003644"/>
+      </p:ext>
+    </p:extLst>
+  </p:cSld>
+  <p:clrMapOvr>
+    <a:masterClrMapping/>
+  </p:clrMapOvr>
+</p:notes>
+</file>
+
+<file path=ppt/notesSlides/notesSlide5.xml><?xml version="1.0" encoding="utf-8"?>
+<p:notes xmlns:a="http://schemas.openxmlformats.org/drawingml/2006/main" xmlns:r="http://schemas.openxmlformats.org/officeDocument/2006/relationships" xmlns:p="http://schemas.openxmlformats.org/presentationml/2006/main">
+  <p:cSld>
+    <p:spTree>
+      <p:nvGrpSpPr>
+        <p:cNvPr id="1" name=""/>
+        <p:cNvGrpSpPr/>
+        <p:nvPr/>
+      </p:nvGrpSpPr>
+      <p:grpSpPr>
+        <a:xfrm>
+          <a:off x="0" y="0"/>
+          <a:ext cx="0" cy="0"/>
+          <a:chOff x="0" y="0"/>
+          <a:chExt cx="0" cy="0"/>
+        </a:xfrm>
+      </p:grpSpPr>
+      <p:sp>
+        <p:nvSpPr>
+          <p:cNvPr id="2" name="Slide Image Placeholder 1"/>
+          <p:cNvSpPr>
+            <a:spLocks noGrp="1" noRot="1" noChangeAspect="1"/>
+          </p:cNvSpPr>
+          <p:nvPr>
+            <p:ph type="sldImg"/>
+          </p:nvPr>
+        </p:nvSpPr>
+        <p:spPr/>
+      </p:sp>
+      <p:sp>
+        <p:nvSpPr>
+          <p:cNvPr id="3" name="Notes Placeholder 2"/>
+          <p:cNvSpPr>
+            <a:spLocks noGrp="1"/>
+          </p:cNvSpPr>
+          <p:nvPr>
+            <p:ph type="body" idx="1"/>
+          </p:nvPr>
+        </p:nvSpPr>
+        <p:spPr/>
+        <p:txBody>
+          <a:bodyPr/>
+          <a:lstStyle/>
+          <a:p>
+            <a:endParaRPr lang="en-US" dirty="0"/>
+          </a:p>
+        </p:txBody>
+      </p:sp>
+      <p:sp>
+        <p:nvSpPr>
+          <p:cNvPr id="4" name="Slide Number Placeholder 3"/>
+          <p:cNvSpPr>
+            <a:spLocks noGrp="1"/>
+          </p:cNvSpPr>
+          <p:nvPr>
+            <p:ph type="sldNum" sz="quarter" idx="5"/>
+          </p:nvPr>
+        </p:nvSpPr>
+        <p:spPr/>
+        <p:txBody>
+          <a:bodyPr/>
+          <a:lstStyle/>
+          <a:p>
+            <a:fld id="{92009BDF-D776-4AC7-BA63-B4D027F18F26}" type="slidenum">
+              <a:rPr lang="en-US" smtClean="0"/>
+              <a:t>6</a:t>
+            </a:fld>
+            <a:endParaRPr lang="en-US"/>
+          </a:p>
+        </p:txBody>
+      </p:sp>
+    </p:spTree>
+    <p:extLst>
+      <p:ext uri="{BB962C8B-B14F-4D97-AF65-F5344CB8AC3E}">
+        <p14:creationId xmlns:p14="http://schemas.microsoft.com/office/powerpoint/2010/main" val="3620603226"/>
+      </p:ext>
+    </p:extLst>
+  </p:cSld>
+  <p:clrMapOvr>
+    <a:masterClrMapping/>
+  </p:clrMapOvr>
+</p:notes>
+</file>
+
+<file path=ppt/notesSlides/notesSlide6.xml><?xml version="1.0" encoding="utf-8"?>
+<p:notes xmlns:a="http://schemas.openxmlformats.org/drawingml/2006/main" xmlns:r="http://schemas.openxmlformats.org/officeDocument/2006/relationships" xmlns:p="http://schemas.openxmlformats.org/presentationml/2006/main">
+  <p:cSld>
+    <p:spTree>
+      <p:nvGrpSpPr>
+        <p:cNvPr id="1" name=""/>
+        <p:cNvGrpSpPr/>
+        <p:nvPr/>
+      </p:nvGrpSpPr>
+      <p:grpSpPr>
+        <a:xfrm>
+          <a:off x="0" y="0"/>
+          <a:ext cx="0" cy="0"/>
+          <a:chOff x="0" y="0"/>
+          <a:chExt cx="0" cy="0"/>
+        </a:xfrm>
+      </p:grpSpPr>
+      <p:sp>
+        <p:nvSpPr>
+          <p:cNvPr id="2" name="Slide Image Placeholder 1"/>
+          <p:cNvSpPr>
+            <a:spLocks noGrp="1" noRot="1" noChangeAspect="1"/>
+          </p:cNvSpPr>
+          <p:nvPr>
+            <p:ph type="sldImg"/>
+          </p:nvPr>
+        </p:nvSpPr>
+        <p:spPr/>
+      </p:sp>
+      <p:sp>
+        <p:nvSpPr>
+          <p:cNvPr id="3" name="Notes Placeholder 2"/>
+          <p:cNvSpPr>
+            <a:spLocks noGrp="1"/>
+          </p:cNvSpPr>
+          <p:nvPr>
+            <p:ph type="body" idx="1"/>
+          </p:nvPr>
+        </p:nvSpPr>
+        <p:spPr/>
+        <p:txBody>
+          <a:bodyPr/>
+          <a:lstStyle/>
+          <a:p>
+            <a:endParaRPr lang="en-US" dirty="0"/>
+          </a:p>
+        </p:txBody>
+      </p:sp>
+      <p:sp>
+        <p:nvSpPr>
+          <p:cNvPr id="4" name="Slide Number Placeholder 3"/>
+          <p:cNvSpPr>
+            <a:spLocks noGrp="1"/>
+          </p:cNvSpPr>
+          <p:nvPr>
+            <p:ph type="sldNum" sz="quarter" idx="5"/>
+          </p:nvPr>
+        </p:nvSpPr>
+        <p:spPr/>
+        <p:txBody>
+          <a:bodyPr/>
+          <a:lstStyle/>
+          <a:p>
+            <a:fld id="{92009BDF-D776-4AC7-BA63-B4D027F18F26}" type="slidenum">
+              <a:rPr lang="en-US" smtClean="0"/>
+              <a:t>7</a:t>
+            </a:fld>
+            <a:endParaRPr lang="en-US"/>
+          </a:p>
+        </p:txBody>
+      </p:sp>
+    </p:spTree>
+    <p:extLst>
+      <p:ext uri="{BB962C8B-B14F-4D97-AF65-F5344CB8AC3E}">
+        <p14:creationId xmlns:p14="http://schemas.microsoft.com/office/powerpoint/2010/main" val="422049634"/>
       </p:ext>
     </p:extLst>
   </p:cSld>
@@ -811,7 +1161,7 @@
           <a:p>
             <a:fld id="{57508EDC-E3F7-49A8-9A12-DA9CCD59B667}" type="datetimeFigureOut">
               <a:rPr lang="en-US" smtClean="0"/>
-              <a:t>11/27/2023</a:t>
+              <a:t>11/28/2023</a:t>
             </a:fld>
             <a:endParaRPr lang="en-US"/>
           </a:p>
@@ -1009,7 +1359,7 @@
           <a:p>
             <a:fld id="{57508EDC-E3F7-49A8-9A12-DA9CCD59B667}" type="datetimeFigureOut">
               <a:rPr lang="en-US" smtClean="0"/>
-              <a:t>11/27/2023</a:t>
+              <a:t>11/28/2023</a:t>
             </a:fld>
             <a:endParaRPr lang="en-US"/>
           </a:p>
@@ -1217,7 +1567,7 @@
           <a:p>
             <a:fld id="{57508EDC-E3F7-49A8-9A12-DA9CCD59B667}" type="datetimeFigureOut">
               <a:rPr lang="en-US" smtClean="0"/>
-              <a:t>11/27/2023</a:t>
+              <a:t>11/28/2023</a:t>
             </a:fld>
             <a:endParaRPr lang="en-US"/>
           </a:p>
@@ -1415,7 +1765,7 @@
           <a:p>
             <a:fld id="{57508EDC-E3F7-49A8-9A12-DA9CCD59B667}" type="datetimeFigureOut">
               <a:rPr lang="en-US" smtClean="0"/>
-              <a:t>11/27/2023</a:t>
+              <a:t>11/28/2023</a:t>
             </a:fld>
             <a:endParaRPr lang="en-US"/>
           </a:p>
@@ -1690,7 +2040,7 @@
           <a:p>
             <a:fld id="{57508EDC-E3F7-49A8-9A12-DA9CCD59B667}" type="datetimeFigureOut">
               <a:rPr lang="en-US" smtClean="0"/>
-              <a:t>11/27/2023</a:t>
+              <a:t>11/28/2023</a:t>
             </a:fld>
             <a:endParaRPr lang="en-US"/>
           </a:p>
@@ -1955,7 +2305,7 @@
           <a:p>
             <a:fld id="{57508EDC-E3F7-49A8-9A12-DA9CCD59B667}" type="datetimeFigureOut">
               <a:rPr lang="en-US" smtClean="0"/>
-              <a:t>11/27/2023</a:t>
+              <a:t>11/28/2023</a:t>
             </a:fld>
             <a:endParaRPr lang="en-US"/>
           </a:p>
@@ -2367,7 +2717,7 @@
           <a:p>
             <a:fld id="{57508EDC-E3F7-49A8-9A12-DA9CCD59B667}" type="datetimeFigureOut">
               <a:rPr lang="en-US" smtClean="0"/>
-              <a:t>11/27/2023</a:t>
+              <a:t>11/28/2023</a:t>
             </a:fld>
             <a:endParaRPr lang="en-US"/>
           </a:p>
@@ -2508,7 +2858,7 @@
           <a:p>
             <a:fld id="{57508EDC-E3F7-49A8-9A12-DA9CCD59B667}" type="datetimeFigureOut">
               <a:rPr lang="en-US" smtClean="0"/>
-              <a:t>11/27/2023</a:t>
+              <a:t>11/28/2023</a:t>
             </a:fld>
             <a:endParaRPr lang="en-US"/>
           </a:p>
@@ -2621,7 +2971,7 @@
           <a:p>
             <a:fld id="{57508EDC-E3F7-49A8-9A12-DA9CCD59B667}" type="datetimeFigureOut">
               <a:rPr lang="en-US" smtClean="0"/>
-              <a:t>11/27/2023</a:t>
+              <a:t>11/28/2023</a:t>
             </a:fld>
             <a:endParaRPr lang="en-US"/>
           </a:p>
@@ -2932,7 +3282,7 @@
           <a:p>
             <a:fld id="{57508EDC-E3F7-49A8-9A12-DA9CCD59B667}" type="datetimeFigureOut">
               <a:rPr lang="en-US" smtClean="0"/>
-              <a:t>11/27/2023</a:t>
+              <a:t>11/28/2023</a:t>
             </a:fld>
             <a:endParaRPr lang="en-US"/>
           </a:p>
@@ -3220,7 +3570,7 @@
           <a:p>
             <a:fld id="{57508EDC-E3F7-49A8-9A12-DA9CCD59B667}" type="datetimeFigureOut">
               <a:rPr lang="en-US" smtClean="0"/>
-              <a:t>11/27/2023</a:t>
+              <a:t>11/28/2023</a:t>
             </a:fld>
             <a:endParaRPr lang="en-US"/>
           </a:p>
@@ -3461,7 +3811,7 @@
           <a:p>
             <a:fld id="{57508EDC-E3F7-49A8-9A12-DA9CCD59B667}" type="datetimeFigureOut">
               <a:rPr lang="en-US" smtClean="0"/>
-              <a:t>11/27/2023</a:t>
+              <a:t>11/28/2023</a:t>
             </a:fld>
             <a:endParaRPr lang="en-US"/>
           </a:p>
@@ -3880,10 +4230,63 @@
       </p:grpSpPr>
       <p:sp>
         <p:nvSpPr>
-          <p:cNvPr id="4" name="TextBox 3">
-            <a:extLst>
-              <a:ext uri="{FF2B5EF4-FFF2-40B4-BE49-F238E27FC236}">
-                <a16:creationId xmlns:a16="http://schemas.microsoft.com/office/drawing/2014/main" id="{FA0F972F-4C0A-2E05-03B0-EF5CAF18B9DD}"/>
+          <p:cNvPr id="4" name="Rectangle 3">
+            <a:extLst>
+              <a:ext uri="{FF2B5EF4-FFF2-40B4-BE49-F238E27FC236}">
+                <a16:creationId xmlns:a16="http://schemas.microsoft.com/office/drawing/2014/main" id="{115DC49A-47C8-7198-3467-3352DA4C7DEB}"/>
+              </a:ext>
+            </a:extLst>
+          </p:cNvPr>
+          <p:cNvSpPr/>
+          <p:nvPr/>
+        </p:nvSpPr>
+        <p:spPr>
+          <a:xfrm>
+            <a:off x="373380" y="354330"/>
+            <a:ext cx="11559540" cy="6149340"/>
+          </a:xfrm>
+          <a:prstGeom prst="rect">
+            <a:avLst/>
+          </a:prstGeom>
+          <a:solidFill>
+            <a:schemeClr val="bg1"/>
+          </a:solidFill>
+        </p:spPr>
+        <p:style>
+          <a:lnRef idx="2">
+            <a:schemeClr val="accent1">
+              <a:shade val="15000"/>
+            </a:schemeClr>
+          </a:lnRef>
+          <a:fillRef idx="1">
+            <a:schemeClr val="accent1"/>
+          </a:fillRef>
+          <a:effectRef idx="0">
+            <a:schemeClr val="accent1"/>
+          </a:effectRef>
+          <a:fontRef idx="minor">
+            <a:schemeClr val="lt1"/>
+          </a:fontRef>
+        </p:style>
+        <p:txBody>
+          <a:bodyPr rtlCol="0" anchor="ctr"/>
+          <a:lstStyle/>
+          <a:p>
+            <a:pPr algn="ctr"/>
+            <a:endParaRPr lang="en-US">
+              <a:solidFill>
+                <a:schemeClr val="bg1"/>
+              </a:solidFill>
+            </a:endParaRPr>
+          </a:p>
+        </p:txBody>
+      </p:sp>
+      <p:sp>
+        <p:nvSpPr>
+          <p:cNvPr id="2" name="TextBox 1">
+            <a:extLst>
+              <a:ext uri="{FF2B5EF4-FFF2-40B4-BE49-F238E27FC236}">
+                <a16:creationId xmlns:a16="http://schemas.microsoft.com/office/drawing/2014/main" id="{6169F169-3ECD-AC92-3A05-8C602AF6E64B}"/>
               </a:ext>
             </a:extLst>
           </p:cNvPr>
@@ -3892,8 +4295,60 @@
         </p:nvSpPr>
         <p:spPr>
           <a:xfrm>
-            <a:off x="4027251" y="116733"/>
-            <a:ext cx="4137498" cy="646331"/>
+            <a:off x="1127666" y="710613"/>
+            <a:ext cx="3825429" cy="4480726"/>
+          </a:xfrm>
+          <a:prstGeom prst="rect">
+            <a:avLst/>
+          </a:prstGeom>
+        </p:spPr>
+        <p:txBody>
+          <a:bodyPr vert="horz" lIns="91440" tIns="45720" rIns="91440" bIns="45720" rtlCol="0" anchor="ctr">
+            <a:normAutofit/>
+          </a:bodyPr>
+          <a:lstStyle/>
+          <a:p>
+            <a:pPr>
+              <a:lnSpc>
+                <a:spcPct val="90000"/>
+              </a:lnSpc>
+              <a:spcBef>
+                <a:spcPct val="0"/>
+              </a:spcBef>
+              <a:spcAft>
+                <a:spcPts val="600"/>
+              </a:spcAft>
+            </a:pPr>
+            <a:r>
+              <a:rPr lang="en-US" sz="4100" b="1" kern="1200" dirty="0">
+                <a:solidFill>
+                  <a:schemeClr val="tx1"/>
+                </a:solidFill>
+                <a:latin typeface="+mj-lt"/>
+                <a:ea typeface="+mj-ea"/>
+                <a:cs typeface="+mj-cs"/>
+              </a:rPr>
+              <a:t>Analysis of wildfire smoke impact on  healthcare in Leavenworth, Kansas</a:t>
+            </a:r>
+          </a:p>
+        </p:txBody>
+      </p:sp>
+      <p:sp>
+        <p:nvSpPr>
+          <p:cNvPr id="3" name="TextBox 2">
+            <a:extLst>
+              <a:ext uri="{FF2B5EF4-FFF2-40B4-BE49-F238E27FC236}">
+                <a16:creationId xmlns:a16="http://schemas.microsoft.com/office/drawing/2014/main" id="{DE3C319F-A12E-C5A3-C37F-940BE4C8A2BE}"/>
+              </a:ext>
+            </a:extLst>
+          </p:cNvPr>
+          <p:cNvSpPr txBox="1"/>
+          <p:nvPr/>
+        </p:nvSpPr>
+        <p:spPr>
+          <a:xfrm>
+            <a:off x="609601" y="5006673"/>
+            <a:ext cx="4080779" cy="369332"/>
           </a:xfrm>
           <a:prstGeom prst="rect">
             <a:avLst/>
@@ -3906,73 +4361,67 @@
           </a:bodyPr>
           <a:lstStyle/>
           <a:p>
-            <a:pPr algn="ctr"/>
-            <a:r>
-              <a:rPr lang="en-US" sz="3600" b="1" dirty="0"/>
-              <a:t>What is it?</a:t>
-            </a:r>
-          </a:p>
-        </p:txBody>
-      </p:sp>
-      <p:sp>
-        <p:nvSpPr>
-          <p:cNvPr id="5" name="TextBox 4">
-            <a:extLst>
-              <a:ext uri="{FF2B5EF4-FFF2-40B4-BE49-F238E27FC236}">
-                <a16:creationId xmlns:a16="http://schemas.microsoft.com/office/drawing/2014/main" id="{92E7BB50-C75F-0BED-7DB8-BAF2AAA89DEE}"/>
-              </a:ext>
-            </a:extLst>
-          </p:cNvPr>
-          <p:cNvSpPr txBox="1"/>
+            <a:pPr algn="ctr" defTabSz="466344">
+              <a:spcAft>
+                <a:spcPts val="600"/>
+              </a:spcAft>
+            </a:pPr>
+            <a:r>
+              <a:rPr lang="en-US" b="1" kern="1200" dirty="0">
+                <a:solidFill>
+                  <a:schemeClr val="tx1"/>
+                </a:solidFill>
+                <a:latin typeface="+mn-lt"/>
+                <a:ea typeface="+mn-ea"/>
+                <a:cs typeface="+mn-cs"/>
+              </a:rPr>
+              <a:t>Zachary Bowyer</a:t>
+            </a:r>
+            <a:endParaRPr lang="en-US" sz="3600" b="1" dirty="0"/>
+          </a:p>
+        </p:txBody>
+      </p:sp>
+      <p:pic>
+        <p:nvPicPr>
+          <p:cNvPr id="1026" name="Picture 2" descr="leavenworth ks for Sale,Up To OFF 64%">
+            <a:extLst>
+              <a:ext uri="{FF2B5EF4-FFF2-40B4-BE49-F238E27FC236}">
+                <a16:creationId xmlns:a16="http://schemas.microsoft.com/office/drawing/2014/main" id="{21E482DB-9703-10D9-F778-95FAC83B9684}"/>
+              </a:ext>
+            </a:extLst>
+          </p:cNvPr>
+          <p:cNvPicPr>
+            <a:picLocks noChangeAspect="1" noChangeArrowheads="1"/>
+          </p:cNvPicPr>
           <p:nvPr/>
-        </p:nvSpPr>
-        <p:spPr>
-          <a:xfrm>
-            <a:off x="7144867" y="1352943"/>
-            <a:ext cx="4137498" cy="646331"/>
+        </p:nvPicPr>
+        <p:blipFill>
+          <a:blip r:embed="rId3">
+            <a:extLst>
+              <a:ext uri="{28A0092B-C50C-407E-A947-70E740481C1C}">
+                <a14:useLocalDpi xmlns:a14="http://schemas.microsoft.com/office/drawing/2010/main" val="0"/>
+              </a:ext>
+            </a:extLst>
+          </a:blip>
+          <a:srcRect/>
+          <a:stretch>
+            <a:fillRect/>
+          </a:stretch>
+        </p:blipFill>
+        <p:spPr bwMode="auto">
+          <a:xfrm>
+            <a:off x="5471160" y="1005358"/>
+            <a:ext cx="5813889" cy="4844907"/>
           </a:xfrm>
           <a:prstGeom prst="rect">
             <a:avLst/>
           </a:prstGeom>
           <a:noFill/>
-        </p:spPr>
-        <p:txBody>
-          <a:bodyPr wrap="square" rtlCol="0">
-            <a:spAutoFit/>
-          </a:bodyPr>
-          <a:lstStyle/>
-          <a:p>
-            <a:pPr algn="ctr"/>
-            <a:r>
-              <a:rPr lang="en-US" b="1" dirty="0"/>
-              <a:t>Use data analysis to form a policy recommendation for the city.</a:t>
-            </a:r>
-          </a:p>
-        </p:txBody>
-      </p:sp>
-      <p:sp>
-        <p:nvSpPr>
-          <p:cNvPr id="6" name="AutoShape 4" descr="Leavenworth, Kansas - Wikipedia">
-            <a:extLst>
-              <a:ext uri="{FF2B5EF4-FFF2-40B4-BE49-F238E27FC236}">
-                <a16:creationId xmlns:a16="http://schemas.microsoft.com/office/drawing/2014/main" id="{A45D1F95-CFBD-5D84-3E1A-3212C068CEB1}"/>
-              </a:ext>
-            </a:extLst>
-          </p:cNvPr>
-          <p:cNvSpPr>
-            <a:spLocks noChangeAspect="1" noChangeArrowheads="1"/>
-          </p:cNvSpPr>
-          <p:nvPr/>
-        </p:nvSpPr>
-        <p:spPr bwMode="auto">
-          <a:xfrm>
-            <a:off x="6914375" y="609635"/>
-            <a:ext cx="92377" cy="92377"/>
-          </a:xfrm>
-          <a:prstGeom prst="rect">
-            <a:avLst/>
-          </a:prstGeom>
-          <a:noFill/>
+          <a:ln>
+            <a:solidFill>
+              <a:schemeClr val="tx1"/>
+            </a:solidFill>
+          </a:ln>
           <a:extLst>
             <a:ext uri="{909E8E84-426E-40DD-AFC4-6F175D3DCCD1}">
               <a14:hiddenFill xmlns:a14="http://schemas.microsoft.com/office/drawing/2010/main">
@@ -3983,86 +4432,28 @@
             </a:ext>
           </a:extLst>
         </p:spPr>
-        <p:txBody>
-          <a:bodyPr vert="horz" wrap="square" lIns="91440" tIns="45720" rIns="91440" bIns="45720" numCol="1" anchor="t" anchorCtr="0" compatLnSpc="1">
-            <a:prstTxWarp prst="textNoShape">
-              <a:avLst/>
-            </a:prstTxWarp>
-          </a:bodyPr>
-          <a:lstStyle/>
-          <a:p>
-            <a:endParaRPr lang="en-US"/>
-          </a:p>
-        </p:txBody>
-      </p:sp>
-      <p:pic>
-        <p:nvPicPr>
-          <p:cNvPr id="1030" name="Picture 6" descr="Leavenworth, Kansas - Wikipedia">
-            <a:extLst>
-              <a:ext uri="{FF2B5EF4-FFF2-40B4-BE49-F238E27FC236}">
-                <a16:creationId xmlns:a16="http://schemas.microsoft.com/office/drawing/2014/main" id="{46AD5D9F-B406-01B3-949B-1BF19434149B}"/>
-              </a:ext>
-            </a:extLst>
-          </p:cNvPr>
-          <p:cNvPicPr>
-            <a:picLocks noChangeAspect="1" noChangeArrowheads="1"/>
-          </p:cNvPicPr>
+      </p:pic>
+      <p:sp>
+        <p:nvSpPr>
+          <p:cNvPr id="6" name="TextBox 5">
+            <a:extLst>
+              <a:ext uri="{FF2B5EF4-FFF2-40B4-BE49-F238E27FC236}">
+                <a16:creationId xmlns:a16="http://schemas.microsoft.com/office/drawing/2014/main" id="{9A1018B4-6902-31BA-DC67-A3019B54E66C}"/>
+              </a:ext>
+            </a:extLst>
+          </p:cNvPr>
+          <p:cNvSpPr txBox="1"/>
           <p:nvPr/>
-        </p:nvPicPr>
-        <p:blipFill>
-          <a:blip r:embed="rId3">
-            <a:extLst>
-              <a:ext uri="{28A0092B-C50C-407E-A947-70E740481C1C}">
-                <a14:useLocalDpi xmlns:a14="http://schemas.microsoft.com/office/drawing/2010/main" val="0"/>
-              </a:ext>
-            </a:extLst>
-          </a:blip>
-          <a:srcRect/>
-          <a:stretch>
-            <a:fillRect/>
-          </a:stretch>
-        </p:blipFill>
-        <p:spPr bwMode="auto">
-          <a:xfrm>
-            <a:off x="7320200" y="2283980"/>
-            <a:ext cx="4383895" cy="2911812"/>
+        </p:nvSpPr>
+        <p:spPr>
+          <a:xfrm>
+            <a:off x="5410200" y="424667"/>
+            <a:ext cx="5912987" cy="1367426"/>
           </a:xfrm>
           <a:prstGeom prst="rect">
             <a:avLst/>
           </a:prstGeom>
           <a:noFill/>
-          <a:extLst>
-            <a:ext uri="{909E8E84-426E-40DD-AFC4-6F175D3DCCD1}">
-              <a14:hiddenFill xmlns:a14="http://schemas.microsoft.com/office/drawing/2010/main">
-                <a:solidFill>
-                  <a:srgbClr val="FFFFFF"/>
-                </a:solidFill>
-              </a14:hiddenFill>
-            </a:ext>
-          </a:extLst>
-        </p:spPr>
-      </p:pic>
-      <p:sp>
-        <p:nvSpPr>
-          <p:cNvPr id="7" name="TextBox 6">
-            <a:extLst>
-              <a:ext uri="{FF2B5EF4-FFF2-40B4-BE49-F238E27FC236}">
-                <a16:creationId xmlns:a16="http://schemas.microsoft.com/office/drawing/2014/main" id="{C5FE812B-6A86-5E0C-A152-B4F75021109B}"/>
-              </a:ext>
-            </a:extLst>
-          </p:cNvPr>
-          <p:cNvSpPr txBox="1"/>
-          <p:nvPr/>
-        </p:nvSpPr>
-        <p:spPr>
-          <a:xfrm>
-            <a:off x="487905" y="1360650"/>
-            <a:ext cx="4137498" cy="923330"/>
-          </a:xfrm>
-          <a:prstGeom prst="rect">
-            <a:avLst/>
-          </a:prstGeom>
-          <a:noFill/>
         </p:spPr>
         <p:txBody>
           <a:bodyPr wrap="square" rtlCol="0">
@@ -4070,65 +4461,85 @@
           </a:bodyPr>
           <a:lstStyle/>
           <a:p>
-            <a:pPr algn="ctr"/>
-            <a:r>
-              <a:rPr lang="en-US" b="1" dirty="0"/>
-              <a:t>Exploration of Healthcare impacts on Leavenworth, Kansas from wildfire smoke. </a:t>
-            </a:r>
-          </a:p>
-        </p:txBody>
-      </p:sp>
-      <p:pic>
-        <p:nvPicPr>
-          <p:cNvPr id="1032" name="Picture 8" descr="Wildfire Smoke Safety | Pacific Northwest Agricultural Safety and Health  Center">
-            <a:extLst>
-              <a:ext uri="{FF2B5EF4-FFF2-40B4-BE49-F238E27FC236}">
-                <a16:creationId xmlns:a16="http://schemas.microsoft.com/office/drawing/2014/main" id="{CBAA2BD3-6859-2884-775F-2FE708F4DA58}"/>
-              </a:ext>
-            </a:extLst>
-          </p:cNvPr>
-          <p:cNvPicPr>
-            <a:picLocks noChangeAspect="1" noChangeArrowheads="1"/>
-          </p:cNvPicPr>
-          <p:nvPr/>
-        </p:nvPicPr>
-        <p:blipFill>
-          <a:blip r:embed="rId4">
-            <a:extLst>
-              <a:ext uri="{28A0092B-C50C-407E-A947-70E740481C1C}">
-                <a14:useLocalDpi xmlns:a14="http://schemas.microsoft.com/office/drawing/2010/main" val="0"/>
-              </a:ext>
-            </a:extLst>
-          </a:blip>
-          <a:srcRect/>
-          <a:stretch>
-            <a:fillRect/>
-          </a:stretch>
-        </p:blipFill>
-        <p:spPr bwMode="auto">
-          <a:xfrm>
-            <a:off x="565384" y="2557074"/>
-            <a:ext cx="4474115" cy="2365624"/>
-          </a:xfrm>
-          <a:prstGeom prst="rect">
-            <a:avLst/>
-          </a:prstGeom>
-          <a:noFill/>
-          <a:extLst>
-            <a:ext uri="{909E8E84-426E-40DD-AFC4-6F175D3DCCD1}">
-              <a14:hiddenFill xmlns:a14="http://schemas.microsoft.com/office/drawing/2010/main">
+            <a:pPr algn="ctr" defTabSz="466344">
+              <a:spcAft>
+                <a:spcPts val="600"/>
+              </a:spcAft>
+            </a:pPr>
+            <a:r>
+              <a:rPr lang="en-US" sz="1600" b="1" u="sng" kern="1200" dirty="0">
                 <a:solidFill>
-                  <a:srgbClr val="FFFFFF"/>
+                  <a:schemeClr val="tx1"/>
                 </a:solidFill>
-              </a14:hiddenFill>
-            </a:ext>
-          </a:extLst>
-        </p:spPr>
-      </p:pic>
+                <a:latin typeface="+mn-lt"/>
+                <a:ea typeface="+mn-ea"/>
+                <a:cs typeface="+mn-cs"/>
+              </a:rPr>
+              <a:t>Quick facts:</a:t>
+            </a:r>
+          </a:p>
+          <a:p>
+            <a:pPr algn="ctr" defTabSz="466344">
+              <a:spcAft>
+                <a:spcPts val="600"/>
+              </a:spcAft>
+            </a:pPr>
+            <a:r>
+              <a:rPr lang="en-US" sz="1050" kern="1200" dirty="0">
+                <a:solidFill>
+                  <a:schemeClr val="tx1"/>
+                </a:solidFill>
+                <a:latin typeface="+mn-lt"/>
+                <a:ea typeface="+mn-ea"/>
+                <a:cs typeface="+mn-cs"/>
+              </a:rPr>
+              <a:t>Founded – 1854    |   Population (2022) – 38171   |   Area – 24.31 sq miles   |   Median age (2021) - 36.9</a:t>
+            </a:r>
+          </a:p>
+          <a:p>
+            <a:pPr defTabSz="466344">
+              <a:spcAft>
+                <a:spcPts val="600"/>
+              </a:spcAft>
+            </a:pPr>
+            <a:endParaRPr lang="en-US" sz="918" kern="1200" dirty="0">
+              <a:solidFill>
+                <a:schemeClr val="tx1"/>
+              </a:solidFill>
+              <a:latin typeface="+mn-lt"/>
+              <a:ea typeface="+mn-ea"/>
+              <a:cs typeface="+mn-cs"/>
+            </a:endParaRPr>
+          </a:p>
+          <a:p>
+            <a:pPr defTabSz="466344">
+              <a:spcAft>
+                <a:spcPts val="600"/>
+              </a:spcAft>
+            </a:pPr>
+            <a:endParaRPr lang="en-US" sz="918" kern="1200" dirty="0">
+              <a:solidFill>
+                <a:schemeClr val="tx1"/>
+              </a:solidFill>
+              <a:latin typeface="+mn-lt"/>
+              <a:ea typeface="+mn-ea"/>
+              <a:cs typeface="+mn-cs"/>
+            </a:endParaRPr>
+          </a:p>
+          <a:p>
+            <a:pPr>
+              <a:spcAft>
+                <a:spcPts val="600"/>
+              </a:spcAft>
+            </a:pPr>
+            <a:endParaRPr lang="en-US" dirty="0"/>
+          </a:p>
+        </p:txBody>
+      </p:sp>
     </p:spTree>
     <p:extLst>
       <p:ext uri="{BB962C8B-B14F-4D97-AF65-F5344CB8AC3E}">
-        <p14:creationId xmlns:p14="http://schemas.microsoft.com/office/powerpoint/2010/main" val="3732162706"/>
+        <p14:creationId xmlns:p14="http://schemas.microsoft.com/office/powerpoint/2010/main" val="1809840163"/>
       </p:ext>
     </p:extLst>
   </p:cSld>
@@ -4141,6 +4552,14 @@
 <file path=ppt/slides/slide10.xml><?xml version="1.0" encoding="utf-8"?>
 <p:sld xmlns:a="http://schemas.openxmlformats.org/drawingml/2006/main" xmlns:r="http://schemas.openxmlformats.org/officeDocument/2006/relationships" xmlns:p="http://schemas.openxmlformats.org/presentationml/2006/main">
   <p:cSld>
+    <p:bg>
+      <p:bgPr>
+        <a:solidFill>
+          <a:schemeClr val="bg1"/>
+        </a:solidFill>
+        <a:effectLst/>
+      </p:bgPr>
+    </p:bg>
     <p:spTree>
       <p:nvGrpSpPr>
         <p:cNvPr id="1" name=""/>
@@ -4155,6 +4574,595 @@
           <a:chExt cx="0" cy="0"/>
         </a:xfrm>
       </p:grpSpPr>
+      <p:sp useBgFill="1">
+        <p:nvSpPr>
+          <p:cNvPr id="10" name="Slide Background">
+            <a:extLst>
+              <a:ext uri="{FF2B5EF4-FFF2-40B4-BE49-F238E27FC236}">
+                <a16:creationId xmlns:a16="http://schemas.microsoft.com/office/drawing/2014/main" id="{AF6CB648-9554-488A-B457-99CAAD1DA528}"/>
+              </a:ext>
+              <a:ext uri="{C183D7F6-B498-43B3-948B-1728B52AA6E4}">
+                <adec:decorative xmlns:adec="http://schemas.microsoft.com/office/drawing/2017/decorative" val="1"/>
+              </a:ext>
+            </a:extLst>
+          </p:cNvPr>
+          <p:cNvSpPr>
+            <a:spLocks noGrp="1" noRot="1" noChangeAspect="1" noMove="1" noResize="1" noEditPoints="1" noAdjustHandles="1" noChangeArrowheads="1" noChangeShapeType="1" noTextEdit="1"/>
+          </p:cNvSpPr>
+          <p:nvPr>
+            <p:extLst>
+              <p:ext uri="{386F3935-93C4-4BCD-93E2-E3B085C9AB24}">
+                <p16:designElem xmlns:p16="http://schemas.microsoft.com/office/powerpoint/2015/main" val="1"/>
+              </p:ext>
+            </p:extLst>
+          </p:nvPr>
+        </p:nvSpPr>
+        <p:spPr>
+          <a:xfrm>
+            <a:off x="0" y="0"/>
+            <a:ext cx="12192000" cy="6858000"/>
+          </a:xfrm>
+          <a:prstGeom prst="rect">
+            <a:avLst/>
+          </a:prstGeom>
+          <a:ln>
+            <a:noFill/>
+          </a:ln>
+        </p:spPr>
+        <p:style>
+          <a:lnRef idx="2">
+            <a:schemeClr val="accent1">
+              <a:shade val="50000"/>
+            </a:schemeClr>
+          </a:lnRef>
+          <a:fillRef idx="1">
+            <a:schemeClr val="accent1"/>
+          </a:fillRef>
+          <a:effectRef idx="0">
+            <a:schemeClr val="accent1"/>
+          </a:effectRef>
+          <a:fontRef idx="minor">
+            <a:schemeClr val="lt1"/>
+          </a:fontRef>
+        </p:style>
+        <p:txBody>
+          <a:bodyPr rtlCol="0" anchor="ctr"/>
+          <a:lstStyle/>
+          <a:p>
+            <a:pPr algn="ctr"/>
+            <a:endParaRPr lang="en-US"/>
+          </a:p>
+        </p:txBody>
+      </p:sp>
+      <p:sp useBgFill="1">
+        <p:nvSpPr>
+          <p:cNvPr id="12" name="Rectangle 11">
+            <a:extLst>
+              <a:ext uri="{FF2B5EF4-FFF2-40B4-BE49-F238E27FC236}">
+                <a16:creationId xmlns:a16="http://schemas.microsoft.com/office/drawing/2014/main" id="{E3ADCBE7-9330-1CDA-00EB-CDD12DB722FF}"/>
+              </a:ext>
+              <a:ext uri="{C183D7F6-B498-43B3-948B-1728B52AA6E4}">
+                <adec:decorative xmlns:adec="http://schemas.microsoft.com/office/drawing/2017/decorative" val="1"/>
+              </a:ext>
+            </a:extLst>
+          </p:cNvPr>
+          <p:cNvSpPr>
+            <a:spLocks noGrp="1" noRot="1" noChangeAspect="1" noMove="1" noResize="1" noEditPoints="1" noAdjustHandles="1" noChangeArrowheads="1" noChangeShapeType="1" noTextEdit="1"/>
+          </p:cNvSpPr>
+          <p:nvPr>
+            <p:extLst>
+              <p:ext uri="{386F3935-93C4-4BCD-93E2-E3B085C9AB24}">
+                <p16:designElem xmlns:p16="http://schemas.microsoft.com/office/powerpoint/2015/main" val="1"/>
+              </p:ext>
+            </p:extLst>
+          </p:nvPr>
+        </p:nvSpPr>
+        <p:spPr>
+          <a:xfrm>
+            <a:off x="-1" y="-4290"/>
+            <a:ext cx="12192000" cy="1733407"/>
+          </a:xfrm>
+          <a:prstGeom prst="rect">
+            <a:avLst/>
+          </a:prstGeom>
+          <a:ln>
+            <a:noFill/>
+          </a:ln>
+          <a:effectLst>
+            <a:outerShdw blurRad="254000" dist="38100" dir="5460000" sx="94000" sy="94000" algn="t" rotWithShape="0">
+              <a:srgbClr val="000000">
+                <a:alpha val="30000"/>
+              </a:srgbClr>
+            </a:outerShdw>
+          </a:effectLst>
+        </p:spPr>
+        <p:style>
+          <a:lnRef idx="2">
+            <a:schemeClr val="accent1">
+              <a:shade val="50000"/>
+            </a:schemeClr>
+          </a:lnRef>
+          <a:fillRef idx="1">
+            <a:schemeClr val="accent1"/>
+          </a:fillRef>
+          <a:effectRef idx="0">
+            <a:schemeClr val="accent1"/>
+          </a:effectRef>
+          <a:fontRef idx="minor">
+            <a:schemeClr val="lt1"/>
+          </a:fontRef>
+        </p:style>
+        <p:txBody>
+          <a:bodyPr rtlCol="0" anchor="ctr"/>
+          <a:lstStyle/>
+          <a:p>
+            <a:pPr algn="ctr"/>
+            <a:endParaRPr lang="en-US"/>
+          </a:p>
+        </p:txBody>
+      </p:sp>
+      <p:sp>
+        <p:nvSpPr>
+          <p:cNvPr id="2" name="Title 1">
+            <a:extLst>
+              <a:ext uri="{FF2B5EF4-FFF2-40B4-BE49-F238E27FC236}">
+                <a16:creationId xmlns:a16="http://schemas.microsoft.com/office/drawing/2014/main" id="{53C6C896-CBDD-6684-C4B2-C074906BCEF2}"/>
+              </a:ext>
+            </a:extLst>
+          </p:cNvPr>
+          <p:cNvSpPr txBox="1">
+            <a:spLocks/>
+          </p:cNvSpPr>
+          <p:nvPr/>
+        </p:nvSpPr>
+        <p:spPr>
+          <a:xfrm>
+            <a:off x="761802" y="240241"/>
+            <a:ext cx="10760054" cy="1228299"/>
+          </a:xfrm>
+          <a:prstGeom prst="rect">
+            <a:avLst/>
+          </a:prstGeom>
+        </p:spPr>
+        <p:txBody>
+          <a:bodyPr vert="horz" lIns="91440" tIns="45720" rIns="91440" bIns="45720" rtlCol="0" anchor="ctr">
+            <a:normAutofit/>
+          </a:bodyPr>
+          <a:lstStyle>
+            <a:lvl1pPr algn="ctr" defTabSz="914400" rtl="0" eaLnBrk="1" latinLnBrk="0" hangingPunct="1">
+              <a:lnSpc>
+                <a:spcPct val="90000"/>
+              </a:lnSpc>
+              <a:spcBef>
+                <a:spcPct val="0"/>
+              </a:spcBef>
+              <a:buNone/>
+              <a:defRPr sz="6000" kern="1200">
+                <a:solidFill>
+                  <a:schemeClr val="tx1"/>
+                </a:solidFill>
+                <a:latin typeface="+mj-lt"/>
+                <a:ea typeface="+mj-ea"/>
+                <a:cs typeface="+mj-cs"/>
+              </a:defRPr>
+            </a:lvl1pPr>
+          </a:lstStyle>
+          <a:p>
+            <a:pPr algn="l">
+              <a:spcAft>
+                <a:spcPts val="600"/>
+              </a:spcAft>
+            </a:pPr>
+            <a:r>
+              <a:rPr lang="en-US" sz="4000" kern="1200">
+                <a:solidFill>
+                  <a:schemeClr val="tx1"/>
+                </a:solidFill>
+                <a:latin typeface="+mj-lt"/>
+                <a:ea typeface="+mj-ea"/>
+                <a:cs typeface="+mj-cs"/>
+              </a:rPr>
+              <a:t>Next steps</a:t>
+            </a:r>
+            <a:endParaRPr lang="en-US" sz="4000" kern="1200" dirty="0">
+              <a:solidFill>
+                <a:schemeClr val="tx1"/>
+              </a:solidFill>
+              <a:latin typeface="+mj-lt"/>
+              <a:ea typeface="+mj-ea"/>
+              <a:cs typeface="+mj-cs"/>
+            </a:endParaRPr>
+          </a:p>
+        </p:txBody>
+      </p:sp>
+      <p:sp>
+        <p:nvSpPr>
+          <p:cNvPr id="3" name="TextBox 2">
+            <a:extLst>
+              <a:ext uri="{FF2B5EF4-FFF2-40B4-BE49-F238E27FC236}">
+                <a16:creationId xmlns:a16="http://schemas.microsoft.com/office/drawing/2014/main" id="{882257F5-5E37-49FD-C02E-B06AF279D967}"/>
+              </a:ext>
+            </a:extLst>
+          </p:cNvPr>
+          <p:cNvSpPr txBox="1"/>
+          <p:nvPr/>
+        </p:nvSpPr>
+        <p:spPr>
+          <a:xfrm>
+            <a:off x="343242" y="1775731"/>
+            <a:ext cx="5156129" cy="2081596"/>
+          </a:xfrm>
+          <a:prstGeom prst="rect">
+            <a:avLst/>
+          </a:prstGeom>
+        </p:spPr>
+        <p:txBody>
+          <a:bodyPr vert="horz" lIns="91440" tIns="45720" rIns="91440" bIns="45720" rtlCol="0" anchor="ctr">
+            <a:normAutofit/>
+          </a:bodyPr>
+          <a:lstStyle/>
+          <a:p>
+            <a:pPr marL="342900" indent="-228600">
+              <a:lnSpc>
+                <a:spcPct val="90000"/>
+              </a:lnSpc>
+              <a:spcAft>
+                <a:spcPts val="600"/>
+              </a:spcAft>
+              <a:buFont typeface="Arial" panose="020B0604020202020204" pitchFamily="34" charset="0"/>
+              <a:buChar char="•"/>
+            </a:pPr>
+            <a:r>
+              <a:rPr lang="en-US" sz="2000" dirty="0"/>
+              <a:t>Adjust for age ranges</a:t>
+            </a:r>
+          </a:p>
+          <a:p>
+            <a:pPr marL="800100" lvl="1" indent="-228600">
+              <a:lnSpc>
+                <a:spcPct val="90000"/>
+              </a:lnSpc>
+              <a:spcAft>
+                <a:spcPts val="600"/>
+              </a:spcAft>
+              <a:buFont typeface="Arial" panose="020B0604020202020204" pitchFamily="34" charset="0"/>
+              <a:buChar char="•"/>
+            </a:pPr>
+            <a:r>
+              <a:rPr lang="en-US" sz="2000" dirty="0"/>
+              <a:t>Elderly populations more susceptible to specific health conditions</a:t>
+            </a:r>
+          </a:p>
+          <a:p>
+            <a:pPr marL="800100" lvl="1" indent="-228600">
+              <a:lnSpc>
+                <a:spcPct val="90000"/>
+              </a:lnSpc>
+              <a:spcAft>
+                <a:spcPts val="600"/>
+              </a:spcAft>
+              <a:buFont typeface="Arial" panose="020B0604020202020204" pitchFamily="34" charset="0"/>
+              <a:buChar char="•"/>
+            </a:pPr>
+            <a:r>
+              <a:rPr lang="en-US" sz="2000" dirty="0"/>
+              <a:t>Generational differences in health </a:t>
+            </a:r>
+          </a:p>
+        </p:txBody>
+      </p:sp>
+      <p:sp>
+        <p:nvSpPr>
+          <p:cNvPr id="8" name="TextBox 7">
+            <a:extLst>
+              <a:ext uri="{FF2B5EF4-FFF2-40B4-BE49-F238E27FC236}">
+                <a16:creationId xmlns:a16="http://schemas.microsoft.com/office/drawing/2014/main" id="{B89BDA56-7698-5CF9-5651-A39F90907A1D}"/>
+              </a:ext>
+            </a:extLst>
+          </p:cNvPr>
+          <p:cNvSpPr txBox="1"/>
+          <p:nvPr/>
+        </p:nvSpPr>
+        <p:spPr>
+          <a:xfrm>
+            <a:off x="6438233" y="1468540"/>
+            <a:ext cx="4719050" cy="2726015"/>
+          </a:xfrm>
+          <a:prstGeom prst="rect">
+            <a:avLst/>
+          </a:prstGeom>
+        </p:spPr>
+        <p:txBody>
+          <a:bodyPr vert="horz" lIns="91440" tIns="45720" rIns="91440" bIns="45720" rtlCol="0" anchor="ctr">
+            <a:normAutofit/>
+          </a:bodyPr>
+          <a:lstStyle/>
+          <a:p>
+            <a:pPr marL="342900" indent="-228600">
+              <a:lnSpc>
+                <a:spcPct val="90000"/>
+              </a:lnSpc>
+              <a:spcAft>
+                <a:spcPts val="600"/>
+              </a:spcAft>
+              <a:buFont typeface="Arial" panose="020B0604020202020204" pitchFamily="34" charset="0"/>
+              <a:buChar char="•"/>
+            </a:pPr>
+            <a:r>
+              <a:rPr lang="en-US" sz="2000" dirty="0"/>
+              <a:t>Incorporate other details into estimates</a:t>
+            </a:r>
+          </a:p>
+          <a:p>
+            <a:pPr marL="800100" lvl="1" indent="-228600">
+              <a:lnSpc>
+                <a:spcPct val="90000"/>
+              </a:lnSpc>
+              <a:spcAft>
+                <a:spcPts val="600"/>
+              </a:spcAft>
+              <a:buFont typeface="Arial" panose="020B0604020202020204" pitchFamily="34" charset="0"/>
+              <a:buChar char="•"/>
+            </a:pPr>
+            <a:r>
+              <a:rPr lang="en-US" sz="2000" dirty="0"/>
+              <a:t>Include more medical issues like Headaches, Bronchitis, etc.</a:t>
+            </a:r>
+          </a:p>
+          <a:p>
+            <a:pPr marL="800100" lvl="1" indent="-228600">
+              <a:lnSpc>
+                <a:spcPct val="90000"/>
+              </a:lnSpc>
+              <a:spcAft>
+                <a:spcPts val="600"/>
+              </a:spcAft>
+              <a:buFont typeface="Arial" panose="020B0604020202020204" pitchFamily="34" charset="0"/>
+              <a:buChar char="•"/>
+            </a:pPr>
+            <a:r>
+              <a:rPr lang="en-US" sz="2000" dirty="0"/>
+              <a:t>Medications ordered could be considered in the Economic impacts</a:t>
+            </a:r>
+          </a:p>
+        </p:txBody>
+      </p:sp>
+      <p:sp>
+        <p:nvSpPr>
+          <p:cNvPr id="9" name="TextBox 8">
+            <a:extLst>
+              <a:ext uri="{FF2B5EF4-FFF2-40B4-BE49-F238E27FC236}">
+                <a16:creationId xmlns:a16="http://schemas.microsoft.com/office/drawing/2014/main" id="{6B53BF98-2297-227C-1B03-D9C9AC19CEB7}"/>
+              </a:ext>
+            </a:extLst>
+          </p:cNvPr>
+          <p:cNvSpPr txBox="1"/>
+          <p:nvPr/>
+        </p:nvSpPr>
+        <p:spPr>
+          <a:xfrm>
+            <a:off x="216746" y="4217962"/>
+            <a:ext cx="5959309" cy="2640038"/>
+          </a:xfrm>
+          <a:prstGeom prst="rect">
+            <a:avLst/>
+          </a:prstGeom>
+        </p:spPr>
+        <p:txBody>
+          <a:bodyPr vert="horz" lIns="91440" tIns="45720" rIns="91440" bIns="45720" rtlCol="0" anchor="ctr">
+            <a:normAutofit/>
+          </a:bodyPr>
+          <a:lstStyle/>
+          <a:p>
+            <a:pPr marL="342900" indent="-228600">
+              <a:lnSpc>
+                <a:spcPct val="90000"/>
+              </a:lnSpc>
+              <a:spcAft>
+                <a:spcPts val="600"/>
+              </a:spcAft>
+              <a:buFont typeface="Arial" panose="020B0604020202020204" pitchFamily="34" charset="0"/>
+              <a:buChar char="•"/>
+            </a:pPr>
+            <a:r>
+              <a:rPr lang="en-US" sz="2000" dirty="0"/>
+              <a:t>Improve smoke estimate accuracy</a:t>
+            </a:r>
+          </a:p>
+          <a:p>
+            <a:pPr marL="800100" lvl="1" indent="-228600">
+              <a:lnSpc>
+                <a:spcPct val="90000"/>
+              </a:lnSpc>
+              <a:spcAft>
+                <a:spcPts val="600"/>
+              </a:spcAft>
+              <a:buFont typeface="Arial" panose="020B0604020202020204" pitchFamily="34" charset="0"/>
+              <a:buChar char="•"/>
+            </a:pPr>
+            <a:r>
+              <a:rPr lang="en-US" sz="2000" dirty="0"/>
+              <a:t>Rough estimate using wildfire distances and areas</a:t>
+            </a:r>
+          </a:p>
+          <a:p>
+            <a:pPr marL="800100" lvl="1" indent="-228600">
+              <a:lnSpc>
+                <a:spcPct val="90000"/>
+              </a:lnSpc>
+              <a:spcAft>
+                <a:spcPts val="600"/>
+              </a:spcAft>
+              <a:buFont typeface="Arial" panose="020B0604020202020204" pitchFamily="34" charset="0"/>
+              <a:buChar char="•"/>
+            </a:pPr>
+            <a:r>
+              <a:rPr lang="en-US" sz="2000" dirty="0"/>
+              <a:t>Incorporation of more advanced tools like atmospheric transport models would give a more accurate estimate</a:t>
+            </a:r>
+          </a:p>
+          <a:p>
+            <a:pPr marL="342900" indent="-228600">
+              <a:lnSpc>
+                <a:spcPct val="90000"/>
+              </a:lnSpc>
+              <a:spcAft>
+                <a:spcPts val="600"/>
+              </a:spcAft>
+              <a:buFont typeface="Arial" panose="020B0604020202020204" pitchFamily="34" charset="0"/>
+              <a:buChar char="•"/>
+            </a:pPr>
+            <a:endParaRPr lang="en-US" sz="2000" dirty="0"/>
+          </a:p>
+        </p:txBody>
+      </p:sp>
+      <p:sp>
+        <p:nvSpPr>
+          <p:cNvPr id="11" name="TextBox 10">
+            <a:extLst>
+              <a:ext uri="{FF2B5EF4-FFF2-40B4-BE49-F238E27FC236}">
+                <a16:creationId xmlns:a16="http://schemas.microsoft.com/office/drawing/2014/main" id="{A19399CE-EC62-3599-31E6-8C620FF118E5}"/>
+              </a:ext>
+            </a:extLst>
+          </p:cNvPr>
+          <p:cNvSpPr txBox="1"/>
+          <p:nvPr/>
+        </p:nvSpPr>
+        <p:spPr>
+          <a:xfrm>
+            <a:off x="6438233" y="4339350"/>
+            <a:ext cx="4719050" cy="2397261"/>
+          </a:xfrm>
+          <a:prstGeom prst="rect">
+            <a:avLst/>
+          </a:prstGeom>
+        </p:spPr>
+        <p:txBody>
+          <a:bodyPr vert="horz" lIns="91440" tIns="45720" rIns="91440" bIns="45720" rtlCol="0" anchor="ctr">
+            <a:normAutofit/>
+          </a:bodyPr>
+          <a:lstStyle/>
+          <a:p>
+            <a:pPr marL="342900" indent="-228600">
+              <a:lnSpc>
+                <a:spcPct val="90000"/>
+              </a:lnSpc>
+              <a:spcAft>
+                <a:spcPts val="600"/>
+              </a:spcAft>
+              <a:buFont typeface="Arial" panose="020B0604020202020204" pitchFamily="34" charset="0"/>
+              <a:buChar char="•"/>
+            </a:pPr>
+            <a:r>
+              <a:rPr lang="en-US" sz="2000" dirty="0"/>
+              <a:t>Explore relationships between age dependency ratio and healthcare industry </a:t>
+            </a:r>
+          </a:p>
+          <a:p>
+            <a:pPr marL="800100" lvl="1" indent="-228600">
+              <a:lnSpc>
+                <a:spcPct val="90000"/>
+              </a:lnSpc>
+              <a:spcAft>
+                <a:spcPts val="600"/>
+              </a:spcAft>
+              <a:buFont typeface="Arial" panose="020B0604020202020204" pitchFamily="34" charset="0"/>
+              <a:buChar char="•"/>
+            </a:pPr>
+            <a:r>
+              <a:rPr lang="en-US" sz="2000" dirty="0"/>
+              <a:t>How does a high old-age or general-age dependency ratio reflect on the workloads of average healthcare workers</a:t>
+            </a:r>
+          </a:p>
+          <a:p>
+            <a:pPr marL="800100" lvl="1" indent="-228600">
+              <a:lnSpc>
+                <a:spcPct val="90000"/>
+              </a:lnSpc>
+              <a:spcAft>
+                <a:spcPts val="600"/>
+              </a:spcAft>
+              <a:buFont typeface="Arial" panose="020B0604020202020204" pitchFamily="34" charset="0"/>
+              <a:buChar char="•"/>
+            </a:pPr>
+            <a:endParaRPr lang="en-US" sz="2000" dirty="0"/>
+          </a:p>
+        </p:txBody>
+      </p:sp>
+      <p:cxnSp>
+        <p:nvCxnSpPr>
+          <p:cNvPr id="16" name="Straight Connector 15">
+            <a:extLst>
+              <a:ext uri="{FF2B5EF4-FFF2-40B4-BE49-F238E27FC236}">
+                <a16:creationId xmlns:a16="http://schemas.microsoft.com/office/drawing/2014/main" id="{5971D194-137B-EACF-76FD-3E9DEE36CAEC}"/>
+              </a:ext>
+            </a:extLst>
+          </p:cNvPr>
+          <p:cNvCxnSpPr/>
+          <p:nvPr/>
+        </p:nvCxnSpPr>
+        <p:spPr>
+          <a:xfrm>
+            <a:off x="6096000" y="1874177"/>
+            <a:ext cx="0" cy="4745305"/>
+          </a:xfrm>
+          <a:prstGeom prst="line">
+            <a:avLst/>
+          </a:prstGeom>
+        </p:spPr>
+        <p:style>
+          <a:lnRef idx="1">
+            <a:schemeClr val="accent1"/>
+          </a:lnRef>
+          <a:fillRef idx="0">
+            <a:schemeClr val="accent1"/>
+          </a:fillRef>
+          <a:effectRef idx="0">
+            <a:schemeClr val="accent1"/>
+          </a:effectRef>
+          <a:fontRef idx="minor">
+            <a:schemeClr val="tx1"/>
+          </a:fontRef>
+        </p:style>
+      </p:cxnSp>
+      <p:cxnSp>
+        <p:nvCxnSpPr>
+          <p:cNvPr id="17" name="Straight Connector 16">
+            <a:extLst>
+              <a:ext uri="{FF2B5EF4-FFF2-40B4-BE49-F238E27FC236}">
+                <a16:creationId xmlns:a16="http://schemas.microsoft.com/office/drawing/2014/main" id="{F8D0E80A-A258-AE68-7ADF-EC94BB3710EE}"/>
+              </a:ext>
+            </a:extLst>
+          </p:cNvPr>
+          <p:cNvCxnSpPr>
+            <a:cxnSpLocks/>
+          </p:cNvCxnSpPr>
+          <p:nvPr/>
+        </p:nvCxnSpPr>
+        <p:spPr>
+          <a:xfrm>
+            <a:off x="326993" y="4066020"/>
+            <a:ext cx="11631543" cy="0"/>
+          </a:xfrm>
+          <a:prstGeom prst="line">
+            <a:avLst/>
+          </a:prstGeom>
+        </p:spPr>
+        <p:style>
+          <a:lnRef idx="1">
+            <a:schemeClr val="accent1"/>
+          </a:lnRef>
+          <a:fillRef idx="0">
+            <a:schemeClr val="accent1"/>
+          </a:fillRef>
+          <a:effectRef idx="0">
+            <a:schemeClr val="accent1"/>
+          </a:effectRef>
+          <a:fontRef idx="minor">
+            <a:schemeClr val="tx1"/>
+          </a:fontRef>
+        </p:style>
+      </p:cxnSp>
     </p:spTree>
     <p:extLst>
       <p:ext uri="{BB962C8B-B14F-4D97-AF65-F5344CB8AC3E}">
@@ -4171,6 +5179,14 @@
 <file path=ppt/slides/slide11.xml><?xml version="1.0" encoding="utf-8"?>
 <p:sld xmlns:a="http://schemas.openxmlformats.org/drawingml/2006/main" xmlns:r="http://schemas.openxmlformats.org/officeDocument/2006/relationships" xmlns:p="http://schemas.openxmlformats.org/presentationml/2006/main">
   <p:cSld>
+    <p:bg>
+      <p:bgPr>
+        <a:solidFill>
+          <a:schemeClr val="bg1"/>
+        </a:solidFill>
+        <a:effectLst/>
+      </p:bgPr>
+    </p:bg>
     <p:spTree>
       <p:nvGrpSpPr>
         <p:cNvPr id="1" name=""/>
@@ -4185,6 +5201,401 @@
           <a:chExt cx="0" cy="0"/>
         </a:xfrm>
       </p:grpSpPr>
+      <p:sp useBgFill="1">
+        <p:nvSpPr>
+          <p:cNvPr id="22" name="Rectangle 21">
+            <a:extLst>
+              <a:ext uri="{FF2B5EF4-FFF2-40B4-BE49-F238E27FC236}">
+                <a16:creationId xmlns:a16="http://schemas.microsoft.com/office/drawing/2014/main" id="{7517A47C-B2E5-4B79-8061-D74B1311AF6E}"/>
+              </a:ext>
+              <a:ext uri="{C183D7F6-B498-43B3-948B-1728B52AA6E4}">
+                <adec:decorative xmlns:adec="http://schemas.microsoft.com/office/drawing/2017/decorative" val="1"/>
+              </a:ext>
+            </a:extLst>
+          </p:cNvPr>
+          <p:cNvSpPr>
+            <a:spLocks noGrp="1" noRot="1" noChangeAspect="1" noMove="1" noResize="1" noEditPoints="1" noAdjustHandles="1" noChangeArrowheads="1" noChangeShapeType="1" noTextEdit="1"/>
+          </p:cNvSpPr>
+          <p:nvPr>
+            <p:extLst>
+              <p:ext uri="{386F3935-93C4-4BCD-93E2-E3B085C9AB24}">
+                <p16:designElem xmlns:p16="http://schemas.microsoft.com/office/powerpoint/2015/main" val="1"/>
+              </p:ext>
+            </p:extLst>
+          </p:nvPr>
+        </p:nvSpPr>
+        <p:spPr>
+          <a:xfrm>
+            <a:off x="0" y="0"/>
+            <a:ext cx="12192000" cy="6858000"/>
+          </a:xfrm>
+          <a:prstGeom prst="rect">
+            <a:avLst/>
+          </a:prstGeom>
+          <a:ln>
+            <a:noFill/>
+          </a:ln>
+        </p:spPr>
+        <p:style>
+          <a:lnRef idx="2">
+            <a:schemeClr val="accent1">
+              <a:shade val="50000"/>
+            </a:schemeClr>
+          </a:lnRef>
+          <a:fillRef idx="1">
+            <a:schemeClr val="accent1"/>
+          </a:fillRef>
+          <a:effectRef idx="0">
+            <a:schemeClr val="accent1"/>
+          </a:effectRef>
+          <a:fontRef idx="minor">
+            <a:schemeClr val="lt1"/>
+          </a:fontRef>
+        </p:style>
+        <p:txBody>
+          <a:bodyPr rtlCol="0" anchor="ctr"/>
+          <a:lstStyle/>
+          <a:p>
+            <a:pPr algn="ctr"/>
+            <a:endParaRPr lang="en-US"/>
+          </a:p>
+        </p:txBody>
+      </p:sp>
+      <p:sp useBgFill="1">
+        <p:nvSpPr>
+          <p:cNvPr id="24" name="Freeform: Shape 23">
+            <a:extLst>
+              <a:ext uri="{FF2B5EF4-FFF2-40B4-BE49-F238E27FC236}">
+                <a16:creationId xmlns:a16="http://schemas.microsoft.com/office/drawing/2014/main" id="{C505E780-2083-4CB5-A42A-5E0E2908ECC3}"/>
+              </a:ext>
+              <a:ext uri="{C183D7F6-B498-43B3-948B-1728B52AA6E4}">
+                <adec:decorative xmlns:adec="http://schemas.microsoft.com/office/drawing/2017/decorative" val="1"/>
+              </a:ext>
+            </a:extLst>
+          </p:cNvPr>
+          <p:cNvSpPr>
+            <a:spLocks noGrp="1" noRot="1" noChangeAspect="1" noMove="1" noResize="1" noEditPoints="1" noAdjustHandles="1" noChangeArrowheads="1" noChangeShapeType="1" noTextEdit="1"/>
+          </p:cNvSpPr>
+          <p:nvPr>
+            <p:extLst>
+              <p:ext uri="{386F3935-93C4-4BCD-93E2-E3B085C9AB24}">
+                <p16:designElem xmlns:p16="http://schemas.microsoft.com/office/powerpoint/2015/main" val="1"/>
+              </p:ext>
+            </p:extLst>
+          </p:nvPr>
+        </p:nvSpPr>
+        <p:spPr>
+          <a:xfrm>
+            <a:off x="-1" y="0"/>
+            <a:ext cx="4818889" cy="6858000"/>
+          </a:xfrm>
+          <a:custGeom>
+            <a:avLst/>
+            <a:gdLst>
+              <a:gd name="connsiteX0" fmla="*/ 0 w 4818889"/>
+              <a:gd name="connsiteY0" fmla="*/ 0 h 6858000"/>
+              <a:gd name="connsiteX1" fmla="*/ 3605911 w 4818889"/>
+              <a:gd name="connsiteY1" fmla="*/ 0 h 6858000"/>
+              <a:gd name="connsiteX2" fmla="*/ 3668894 w 4818889"/>
+              <a:gd name="connsiteY2" fmla="*/ 69271 h 6858000"/>
+              <a:gd name="connsiteX3" fmla="*/ 4818889 w 4818889"/>
+              <a:gd name="connsiteY3" fmla="*/ 3429000 h 6858000"/>
+              <a:gd name="connsiteX4" fmla="*/ 3668894 w 4818889"/>
+              <a:gd name="connsiteY4" fmla="*/ 6788730 h 6858000"/>
+              <a:gd name="connsiteX5" fmla="*/ 3605911 w 4818889"/>
+              <a:gd name="connsiteY5" fmla="*/ 6858000 h 6858000"/>
+              <a:gd name="connsiteX6" fmla="*/ 0 w 4818889"/>
+              <a:gd name="connsiteY6" fmla="*/ 6858000 h 6858000"/>
+            </a:gdLst>
+            <a:ahLst/>
+            <a:cxnLst>
+              <a:cxn ang="0">
+                <a:pos x="connsiteX0" y="connsiteY0"/>
+              </a:cxn>
+              <a:cxn ang="0">
+                <a:pos x="connsiteX1" y="connsiteY1"/>
+              </a:cxn>
+              <a:cxn ang="0">
+                <a:pos x="connsiteX2" y="connsiteY2"/>
+              </a:cxn>
+              <a:cxn ang="0">
+                <a:pos x="connsiteX3" y="connsiteY3"/>
+              </a:cxn>
+              <a:cxn ang="0">
+                <a:pos x="connsiteX4" y="connsiteY4"/>
+              </a:cxn>
+              <a:cxn ang="0">
+                <a:pos x="connsiteX5" y="connsiteY5"/>
+              </a:cxn>
+              <a:cxn ang="0">
+                <a:pos x="connsiteX6" y="connsiteY6"/>
+              </a:cxn>
+            </a:cxnLst>
+            <a:rect l="l" t="t" r="r" b="b"/>
+            <a:pathLst>
+              <a:path w="4818889" h="6858000">
+                <a:moveTo>
+                  <a:pt x="0" y="0"/>
+                </a:moveTo>
+                <a:lnTo>
+                  <a:pt x="3605911" y="0"/>
+                </a:lnTo>
+                <a:lnTo>
+                  <a:pt x="3668894" y="69271"/>
+                </a:lnTo>
+                <a:cubicBezTo>
+                  <a:pt x="4379420" y="929100"/>
+                  <a:pt x="4818889" y="2116944"/>
+                  <a:pt x="4818889" y="3429000"/>
+                </a:cubicBezTo>
+                <a:cubicBezTo>
+                  <a:pt x="4818889" y="4741056"/>
+                  <a:pt x="4379420" y="5928900"/>
+                  <a:pt x="3668894" y="6788730"/>
+                </a:cubicBezTo>
+                <a:lnTo>
+                  <a:pt x="3605911" y="6858000"/>
+                </a:lnTo>
+                <a:lnTo>
+                  <a:pt x="0" y="6858000"/>
+                </a:lnTo>
+                <a:close/>
+              </a:path>
+            </a:pathLst>
+          </a:custGeom>
+          <a:ln w="9525">
+            <a:solidFill>
+              <a:srgbClr val="EFEFEF"/>
+            </a:solidFill>
+          </a:ln>
+          <a:effectLst>
+            <a:outerShdw blurRad="88900" dist="38100" algn="l" rotWithShape="0">
+              <a:schemeClr val="bg1">
+                <a:lumMod val="85000"/>
+                <a:alpha val="50000"/>
+              </a:schemeClr>
+            </a:outerShdw>
+          </a:effectLst>
+        </p:spPr>
+        <p:style>
+          <a:lnRef idx="2">
+            <a:schemeClr val="accent1">
+              <a:shade val="50000"/>
+            </a:schemeClr>
+          </a:lnRef>
+          <a:fillRef idx="1">
+            <a:schemeClr val="accent1"/>
+          </a:fillRef>
+          <a:effectRef idx="0">
+            <a:schemeClr val="accent1"/>
+          </a:effectRef>
+          <a:fontRef idx="minor">
+            <a:schemeClr val="lt1"/>
+          </a:fontRef>
+        </p:style>
+        <p:txBody>
+          <a:bodyPr wrap="square" rtlCol="0" anchor="ctr">
+            <a:noAutofit/>
+          </a:bodyPr>
+          <a:lstStyle/>
+          <a:p>
+            <a:pPr marL="0" marR="0" lvl="0" indent="0" algn="ctr" defTabSz="914400" rtl="0" eaLnBrk="1" fontAlgn="auto" latinLnBrk="0" hangingPunct="1">
+              <a:lnSpc>
+                <a:spcPct val="100000"/>
+              </a:lnSpc>
+              <a:spcBef>
+                <a:spcPts val="0"/>
+              </a:spcBef>
+              <a:spcAft>
+                <a:spcPts val="0"/>
+              </a:spcAft>
+              <a:buClrTx/>
+              <a:buSzTx/>
+              <a:buFontTx/>
+              <a:buNone/>
+              <a:tabLst/>
+              <a:defRPr/>
+            </a:pPr>
+            <a:endParaRPr kumimoji="0" lang="en-US" sz="1800" b="0" i="0" u="none" strike="noStrike" kern="1200" cap="none" spc="0" normalizeH="0" baseline="0" noProof="0">
+              <a:ln>
+                <a:noFill/>
+              </a:ln>
+              <a:solidFill>
+                <a:prstClr val="white"/>
+              </a:solidFill>
+              <a:effectLst/>
+              <a:uLnTx/>
+              <a:uFillTx/>
+              <a:latin typeface="Calibri" panose="020F0502020204030204"/>
+              <a:ea typeface="+mn-ea"/>
+              <a:cs typeface="+mn-cs"/>
+            </a:endParaRPr>
+          </a:p>
+        </p:txBody>
+      </p:sp>
+      <p:sp useBgFill="1">
+        <p:nvSpPr>
+          <p:cNvPr id="26" name="Freeform: Shape 25">
+            <a:extLst>
+              <a:ext uri="{FF2B5EF4-FFF2-40B4-BE49-F238E27FC236}">
+                <a16:creationId xmlns:a16="http://schemas.microsoft.com/office/drawing/2014/main" id="{D2C0AE1C-0118-41AE-8A10-7CDCBF10E96F}"/>
+              </a:ext>
+              <a:ext uri="{C183D7F6-B498-43B3-948B-1728B52AA6E4}">
+                <adec:decorative xmlns:adec="http://schemas.microsoft.com/office/drawing/2017/decorative" val="1"/>
+              </a:ext>
+            </a:extLst>
+          </p:cNvPr>
+          <p:cNvSpPr>
+            <a:spLocks noGrp="1" noRot="1" noChangeAspect="1" noMove="1" noResize="1" noEditPoints="1" noAdjustHandles="1" noChangeArrowheads="1" noChangeShapeType="1" noTextEdit="1"/>
+          </p:cNvSpPr>
+          <p:nvPr>
+            <p:extLst>
+              <p:ext uri="{386F3935-93C4-4BCD-93E2-E3B085C9AB24}">
+                <p16:designElem xmlns:p16="http://schemas.microsoft.com/office/powerpoint/2015/main" val="1"/>
+              </p:ext>
+            </p:extLst>
+          </p:nvPr>
+        </p:nvSpPr>
+        <p:spPr>
+          <a:xfrm>
+            <a:off x="1" y="0"/>
+            <a:ext cx="4811477" cy="6858000"/>
+          </a:xfrm>
+          <a:custGeom>
+            <a:avLst/>
+            <a:gdLst>
+              <a:gd name="connsiteX0" fmla="*/ 0 w 4811477"/>
+              <a:gd name="connsiteY0" fmla="*/ 0 h 6858000"/>
+              <a:gd name="connsiteX1" fmla="*/ 3598499 w 4811477"/>
+              <a:gd name="connsiteY1" fmla="*/ 0 h 6858000"/>
+              <a:gd name="connsiteX2" fmla="*/ 3661482 w 4811477"/>
+              <a:gd name="connsiteY2" fmla="*/ 69271 h 6858000"/>
+              <a:gd name="connsiteX3" fmla="*/ 4811477 w 4811477"/>
+              <a:gd name="connsiteY3" fmla="*/ 3429000 h 6858000"/>
+              <a:gd name="connsiteX4" fmla="*/ 3661482 w 4811477"/>
+              <a:gd name="connsiteY4" fmla="*/ 6788730 h 6858000"/>
+              <a:gd name="connsiteX5" fmla="*/ 3598499 w 4811477"/>
+              <a:gd name="connsiteY5" fmla="*/ 6858000 h 6858000"/>
+              <a:gd name="connsiteX6" fmla="*/ 0 w 4811477"/>
+              <a:gd name="connsiteY6" fmla="*/ 6858000 h 6858000"/>
+            </a:gdLst>
+            <a:ahLst/>
+            <a:cxnLst>
+              <a:cxn ang="0">
+                <a:pos x="connsiteX0" y="connsiteY0"/>
+              </a:cxn>
+              <a:cxn ang="0">
+                <a:pos x="connsiteX1" y="connsiteY1"/>
+              </a:cxn>
+              <a:cxn ang="0">
+                <a:pos x="connsiteX2" y="connsiteY2"/>
+              </a:cxn>
+              <a:cxn ang="0">
+                <a:pos x="connsiteX3" y="connsiteY3"/>
+              </a:cxn>
+              <a:cxn ang="0">
+                <a:pos x="connsiteX4" y="connsiteY4"/>
+              </a:cxn>
+              <a:cxn ang="0">
+                <a:pos x="connsiteX5" y="connsiteY5"/>
+              </a:cxn>
+              <a:cxn ang="0">
+                <a:pos x="connsiteX6" y="connsiteY6"/>
+              </a:cxn>
+            </a:cxnLst>
+            <a:rect l="l" t="t" r="r" b="b"/>
+            <a:pathLst>
+              <a:path w="4811477" h="6858000">
+                <a:moveTo>
+                  <a:pt x="0" y="0"/>
+                </a:moveTo>
+                <a:lnTo>
+                  <a:pt x="3598499" y="0"/>
+                </a:lnTo>
+                <a:lnTo>
+                  <a:pt x="3661482" y="69271"/>
+                </a:lnTo>
+                <a:cubicBezTo>
+                  <a:pt x="4372008" y="929100"/>
+                  <a:pt x="4811477" y="2116944"/>
+                  <a:pt x="4811477" y="3429000"/>
+                </a:cubicBezTo>
+                <a:cubicBezTo>
+                  <a:pt x="4811477" y="4741056"/>
+                  <a:pt x="4372008" y="5928900"/>
+                  <a:pt x="3661482" y="6788730"/>
+                </a:cubicBezTo>
+                <a:lnTo>
+                  <a:pt x="3598499" y="6858000"/>
+                </a:lnTo>
+                <a:lnTo>
+                  <a:pt x="0" y="6858000"/>
+                </a:lnTo>
+                <a:close/>
+              </a:path>
+            </a:pathLst>
+          </a:custGeom>
+          <a:ln w="9525">
+            <a:noFill/>
+          </a:ln>
+          <a:effectLst/>
+        </p:spPr>
+        <p:style>
+          <a:lnRef idx="2">
+            <a:schemeClr val="accent1">
+              <a:shade val="50000"/>
+            </a:schemeClr>
+          </a:lnRef>
+          <a:fillRef idx="1">
+            <a:schemeClr val="accent1"/>
+          </a:fillRef>
+          <a:effectRef idx="0">
+            <a:schemeClr val="accent1"/>
+          </a:effectRef>
+          <a:fontRef idx="minor">
+            <a:schemeClr val="lt1"/>
+          </a:fontRef>
+        </p:style>
+        <p:txBody>
+          <a:bodyPr wrap="square" rtlCol="0" anchor="ctr">
+            <a:noAutofit/>
+          </a:bodyPr>
+          <a:lstStyle/>
+          <a:p>
+            <a:pPr marL="0" marR="0" lvl="0" indent="0" algn="ctr" defTabSz="914400" rtl="0" eaLnBrk="1" fontAlgn="auto" latinLnBrk="0" hangingPunct="1">
+              <a:lnSpc>
+                <a:spcPct val="100000"/>
+              </a:lnSpc>
+              <a:spcBef>
+                <a:spcPts val="0"/>
+              </a:spcBef>
+              <a:spcAft>
+                <a:spcPts val="0"/>
+              </a:spcAft>
+              <a:buClrTx/>
+              <a:buSzTx/>
+              <a:buFontTx/>
+              <a:buNone/>
+              <a:tabLst/>
+              <a:defRPr/>
+            </a:pPr>
+            <a:endParaRPr kumimoji="0" lang="en-US" sz="1800" b="0" i="0" u="none" strike="noStrike" kern="1200" cap="none" spc="0" normalizeH="0" baseline="0" noProof="0">
+              <a:ln>
+                <a:noFill/>
+              </a:ln>
+              <a:solidFill>
+                <a:prstClr val="white"/>
+              </a:solidFill>
+              <a:effectLst/>
+              <a:uLnTx/>
+              <a:uFillTx/>
+              <a:latin typeface="Calibri" panose="020F0502020204030204"/>
+              <a:ea typeface="+mn-ea"/>
+              <a:cs typeface="+mn-cs"/>
+            </a:endParaRPr>
+          </a:p>
+        </p:txBody>
+      </p:sp>
       <p:sp>
         <p:nvSpPr>
           <p:cNvPr id="2" name="Title 1">
@@ -4201,37 +5612,478 @@
             <p:ph type="title"/>
           </p:nvPr>
         </p:nvSpPr>
-        <p:spPr/>
-        <p:txBody>
-          <a:bodyPr/>
-          <a:lstStyle/>
-          <a:p>
+        <p:spPr>
+          <a:xfrm>
+            <a:off x="621792" y="1161288"/>
+            <a:ext cx="3602736" cy="4526280"/>
+          </a:xfrm>
+        </p:spPr>
+        <p:txBody>
+          <a:bodyPr>
+            <a:normAutofit/>
+          </a:bodyPr>
+          <a:lstStyle/>
+          <a:p>
+            <a:r>
+              <a:rPr lang="en-US" sz="3700" u="sng" dirty="0"/>
+              <a:t>Summary/review statement</a:t>
+            </a:r>
+          </a:p>
+        </p:txBody>
+      </p:sp>
+      <p:sp>
+        <p:nvSpPr>
+          <p:cNvPr id="28" name="Rectangle 27">
+            <a:extLst>
+              <a:ext uri="{FF2B5EF4-FFF2-40B4-BE49-F238E27FC236}">
+                <a16:creationId xmlns:a16="http://schemas.microsoft.com/office/drawing/2014/main" id="{463EEC44-1BA3-44ED-81FC-A644B04B2A44}"/>
+              </a:ext>
+              <a:ext uri="{C183D7F6-B498-43B3-948B-1728B52AA6E4}">
+                <adec:decorative xmlns:adec="http://schemas.microsoft.com/office/drawing/2017/decorative" val="1"/>
+              </a:ext>
+            </a:extLst>
+          </p:cNvPr>
+          <p:cNvSpPr>
+            <a:spLocks noGrp="1" noRot="1" noChangeAspect="1" noMove="1" noResize="1" noEditPoints="1" noAdjustHandles="1" noChangeArrowheads="1" noChangeShapeType="1" noTextEdit="1"/>
+          </p:cNvSpPr>
+          <p:nvPr>
+            <p:extLst>
+              <p:ext uri="{386F3935-93C4-4BCD-93E2-E3B085C9AB24}">
+                <p16:designElem xmlns:p16="http://schemas.microsoft.com/office/powerpoint/2015/main" val="1"/>
+              </p:ext>
+            </p:extLst>
+          </p:nvPr>
+        </p:nvSpPr>
+        <p:spPr>
+          <a:xfrm>
+            <a:off x="0" y="3081528"/>
+            <a:ext cx="128016" cy="704088"/>
+          </a:xfrm>
+          <a:prstGeom prst="rect">
+            <a:avLst/>
+          </a:prstGeom>
+          <a:solidFill>
+            <a:schemeClr val="accent2"/>
+          </a:solidFill>
+          <a:ln>
+            <a:noFill/>
+          </a:ln>
+        </p:spPr>
+        <p:style>
+          <a:lnRef idx="2">
+            <a:schemeClr val="accent1">
+              <a:shade val="50000"/>
+            </a:schemeClr>
+          </a:lnRef>
+          <a:fillRef idx="1">
+            <a:schemeClr val="accent1"/>
+          </a:fillRef>
+          <a:effectRef idx="0">
+            <a:schemeClr val="accent1"/>
+          </a:effectRef>
+          <a:fontRef idx="minor">
+            <a:schemeClr val="lt1"/>
+          </a:fontRef>
+        </p:style>
+        <p:txBody>
+          <a:bodyPr rtlCol="0" anchor="ctr"/>
+          <a:lstStyle/>
+          <a:p>
+            <a:pPr algn="ctr"/>
+            <a:endParaRPr lang="en-US">
+              <a:solidFill>
+                <a:prstClr val="white"/>
+              </a:solidFill>
+              <a:latin typeface="Calibri" panose="020F0502020204030204"/>
+            </a:endParaRPr>
+          </a:p>
+        </p:txBody>
+      </p:sp>
+      <p:cxnSp>
+        <p:nvCxnSpPr>
+          <p:cNvPr id="17" name="Straight Connector 16">
+            <a:extLst>
+              <a:ext uri="{FF2B5EF4-FFF2-40B4-BE49-F238E27FC236}">
+                <a16:creationId xmlns:a16="http://schemas.microsoft.com/office/drawing/2014/main" id="{D2C4353C-C927-1758-0BEF-21E9E0D81614}"/>
+              </a:ext>
+              <a:ext uri="{C183D7F6-B498-43B3-948B-1728B52AA6E4}">
+                <adec:decorative xmlns:adec="http://schemas.microsoft.com/office/drawing/2017/decorative" val="1"/>
+              </a:ext>
+            </a:extLst>
+          </p:cNvPr>
+          <p:cNvCxnSpPr>
+            <a:cxnSpLocks noGrp="1" noRot="1" noChangeAspect="1" noMove="1" noResize="1" noEditPoints="1" noAdjustHandles="1" noChangeArrowheads="1" noChangeShapeType="1"/>
+          </p:cNvCxnSpPr>
+          <p:nvPr>
+            <p:extLst>
+              <p:ext uri="{386F3935-93C4-4BCD-93E2-E3B085C9AB24}">
+                <p16:designElem xmlns:p16="http://schemas.microsoft.com/office/powerpoint/2015/main" val="1"/>
+              </p:ext>
+            </p:extLst>
+          </p:nvPr>
+        </p:nvCxnSpPr>
+        <p:spPr>
+          <a:xfrm>
+            <a:off x="5420728" y="730342"/>
+            <a:ext cx="837436" cy="0"/>
+          </a:xfrm>
+          <a:prstGeom prst="line">
+            <a:avLst/>
+          </a:prstGeom>
+          <a:ln w="57150">
+            <a:solidFill>
+              <a:schemeClr val="accent4"/>
+            </a:solidFill>
+          </a:ln>
+        </p:spPr>
+        <p:style>
+          <a:lnRef idx="1">
+            <a:schemeClr val="accent1"/>
+          </a:lnRef>
+          <a:fillRef idx="0">
+            <a:schemeClr val="accent1"/>
+          </a:fillRef>
+          <a:effectRef idx="0">
+            <a:schemeClr val="accent1"/>
+          </a:effectRef>
+          <a:fontRef idx="minor">
+            <a:schemeClr val="tx1"/>
+          </a:fontRef>
+        </p:style>
+      </p:cxnSp>
+      <p:sp>
+        <p:nvSpPr>
+          <p:cNvPr id="6" name="TextBox 5">
+            <a:extLst>
+              <a:ext uri="{FF2B5EF4-FFF2-40B4-BE49-F238E27FC236}">
+                <a16:creationId xmlns:a16="http://schemas.microsoft.com/office/drawing/2014/main" id="{DBBF5534-C406-F54A-F8DB-7ECC671071B8}"/>
+              </a:ext>
+            </a:extLst>
+          </p:cNvPr>
+          <p:cNvSpPr txBox="1"/>
+          <p:nvPr/>
+        </p:nvSpPr>
+        <p:spPr>
+          <a:xfrm>
+            <a:off x="5303520" y="888125"/>
+            <a:ext cx="6364222" cy="375616"/>
+          </a:xfrm>
+          <a:prstGeom prst="rect">
+            <a:avLst/>
+          </a:prstGeom>
+          <a:noFill/>
+        </p:spPr>
+        <p:txBody>
+          <a:bodyPr wrap="square" rtlCol="0">
+            <a:spAutoFit/>
+          </a:bodyPr>
+          <a:lstStyle/>
+          <a:p>
+            <a:pPr defTabSz="888614">
+              <a:spcAft>
+                <a:spcPts val="678"/>
+              </a:spcAft>
+            </a:pPr>
+            <a:r>
+              <a:rPr lang="en-US" sz="1749" kern="1200" dirty="0">
+                <a:solidFill>
+                  <a:schemeClr val="tx1"/>
+                </a:solidFill>
+                <a:latin typeface="+mn-lt"/>
+                <a:ea typeface="+mn-ea"/>
+                <a:cs typeface="+mn-cs"/>
+              </a:rPr>
+              <a:t>Wildfire smoke will be a minor issue for Leavenworth in the future</a:t>
+            </a:r>
+            <a:endParaRPr lang="en-US" dirty="0"/>
+          </a:p>
+        </p:txBody>
+      </p:sp>
+      <p:sp>
+        <p:nvSpPr>
+          <p:cNvPr id="7" name="TextBox 6">
+            <a:extLst>
+              <a:ext uri="{FF2B5EF4-FFF2-40B4-BE49-F238E27FC236}">
+                <a16:creationId xmlns:a16="http://schemas.microsoft.com/office/drawing/2014/main" id="{6DE3D3B1-692D-7CE2-E59B-2E635E09F7FC}"/>
+              </a:ext>
+            </a:extLst>
+          </p:cNvPr>
+          <p:cNvSpPr txBox="1"/>
+          <p:nvPr/>
+        </p:nvSpPr>
+        <p:spPr>
+          <a:xfrm>
+            <a:off x="5303520" y="1624974"/>
+            <a:ext cx="5246009" cy="375616"/>
+          </a:xfrm>
+          <a:prstGeom prst="rect">
+            <a:avLst/>
+          </a:prstGeom>
+          <a:noFill/>
+        </p:spPr>
+        <p:txBody>
+          <a:bodyPr wrap="square" rtlCol="0">
+            <a:spAutoFit/>
+          </a:bodyPr>
+          <a:lstStyle/>
+          <a:p>
+            <a:pPr defTabSz="888614">
+              <a:spcAft>
+                <a:spcPts val="678"/>
+              </a:spcAft>
+            </a:pPr>
+            <a:r>
+              <a:rPr lang="en-US" sz="1749" kern="1200" dirty="0">
+                <a:solidFill>
+                  <a:schemeClr val="tx1"/>
+                </a:solidFill>
+                <a:latin typeface="+mn-lt"/>
+                <a:ea typeface="+mn-ea"/>
+                <a:cs typeface="+mn-cs"/>
+              </a:rPr>
+              <a:t>Wildfire smoke causes health issues</a:t>
+            </a:r>
+            <a:endParaRPr lang="en-US" dirty="0"/>
+          </a:p>
+        </p:txBody>
+      </p:sp>
+      <p:sp>
+        <p:nvSpPr>
+          <p:cNvPr id="8" name="TextBox 7">
+            <a:extLst>
+              <a:ext uri="{FF2B5EF4-FFF2-40B4-BE49-F238E27FC236}">
+                <a16:creationId xmlns:a16="http://schemas.microsoft.com/office/drawing/2014/main" id="{2308D9BE-ED55-4BE3-5B3E-19F71B59DF05}"/>
+              </a:ext>
+            </a:extLst>
+          </p:cNvPr>
+          <p:cNvSpPr txBox="1"/>
+          <p:nvPr/>
+        </p:nvSpPr>
+        <p:spPr>
+          <a:xfrm>
+            <a:off x="5303521" y="2353378"/>
+            <a:ext cx="5246009" cy="375616"/>
+          </a:xfrm>
+          <a:prstGeom prst="rect">
+            <a:avLst/>
+          </a:prstGeom>
+          <a:noFill/>
+        </p:spPr>
+        <p:txBody>
+          <a:bodyPr wrap="square" rtlCol="0">
+            <a:spAutoFit/>
+          </a:bodyPr>
+          <a:lstStyle/>
+          <a:p>
+            <a:pPr defTabSz="888614">
+              <a:spcAft>
+                <a:spcPts val="678"/>
+              </a:spcAft>
+            </a:pPr>
+            <a:r>
+              <a:rPr lang="en-US" sz="1749" kern="1200">
+                <a:solidFill>
+                  <a:schemeClr val="tx1"/>
+                </a:solidFill>
+                <a:latin typeface="+mn-lt"/>
+                <a:ea typeface="+mn-ea"/>
+                <a:cs typeface="+mn-cs"/>
+              </a:rPr>
+              <a:t>Health issues cost money to deal with</a:t>
+            </a:r>
             <a:endParaRPr lang="en-US"/>
           </a:p>
         </p:txBody>
       </p:sp>
       <p:sp>
         <p:nvSpPr>
-          <p:cNvPr id="3" name="Content Placeholder 2">
-            <a:extLst>
-              <a:ext uri="{FF2B5EF4-FFF2-40B4-BE49-F238E27FC236}">
-                <a16:creationId xmlns:a16="http://schemas.microsoft.com/office/drawing/2014/main" id="{FDCA58C3-4CD4-CD7B-AAFC-3C7889BDCC23}"/>
-              </a:ext>
-            </a:extLst>
-          </p:cNvPr>
-          <p:cNvSpPr>
-            <a:spLocks noGrp="1"/>
-          </p:cNvSpPr>
-          <p:nvPr>
-            <p:ph idx="1"/>
-          </p:nvPr>
-        </p:nvSpPr>
-        <p:spPr/>
-        <p:txBody>
-          <a:bodyPr/>
-          <a:lstStyle/>
-          <a:p>
+          <p:cNvPr id="9" name="TextBox 8">
+            <a:extLst>
+              <a:ext uri="{FF2B5EF4-FFF2-40B4-BE49-F238E27FC236}">
+                <a16:creationId xmlns:a16="http://schemas.microsoft.com/office/drawing/2014/main" id="{628207D4-64F5-A752-9583-2F6851A72E14}"/>
+              </a:ext>
+            </a:extLst>
+          </p:cNvPr>
+          <p:cNvSpPr txBox="1"/>
+          <p:nvPr/>
+        </p:nvSpPr>
+        <p:spPr>
+          <a:xfrm>
+            <a:off x="5312664" y="3025944"/>
+            <a:ext cx="5667738" cy="375616"/>
+          </a:xfrm>
+          <a:prstGeom prst="rect">
+            <a:avLst/>
+          </a:prstGeom>
+          <a:noFill/>
+        </p:spPr>
+        <p:txBody>
+          <a:bodyPr wrap="square" rtlCol="0">
+            <a:spAutoFit/>
+          </a:bodyPr>
+          <a:lstStyle/>
+          <a:p>
+            <a:pPr defTabSz="888614">
+              <a:spcAft>
+                <a:spcPts val="678"/>
+              </a:spcAft>
+            </a:pPr>
+            <a:r>
+              <a:rPr lang="en-US" sz="1749" kern="1200" dirty="0">
+                <a:solidFill>
+                  <a:schemeClr val="tx1"/>
+                </a:solidFill>
+                <a:latin typeface="+mn-lt"/>
+                <a:ea typeface="+mn-ea"/>
+                <a:cs typeface="+mn-cs"/>
+              </a:rPr>
+              <a:t>Wildfire smoke increases burden on healthcare industry</a:t>
+            </a:r>
+            <a:endParaRPr lang="en-US" dirty="0"/>
+          </a:p>
+        </p:txBody>
+      </p:sp>
+      <p:sp>
+        <p:nvSpPr>
+          <p:cNvPr id="10" name="TextBox 9">
+            <a:extLst>
+              <a:ext uri="{FF2B5EF4-FFF2-40B4-BE49-F238E27FC236}">
+                <a16:creationId xmlns:a16="http://schemas.microsoft.com/office/drawing/2014/main" id="{B900F920-6FE3-1A6A-5994-64A5D593AE51}"/>
+              </a:ext>
+            </a:extLst>
+          </p:cNvPr>
+          <p:cNvSpPr txBox="1"/>
+          <p:nvPr/>
+        </p:nvSpPr>
+        <p:spPr>
+          <a:xfrm>
+            <a:off x="5303521" y="3787398"/>
+            <a:ext cx="5667738" cy="375616"/>
+          </a:xfrm>
+          <a:prstGeom prst="rect">
+            <a:avLst/>
+          </a:prstGeom>
+          <a:noFill/>
+        </p:spPr>
+        <p:txBody>
+          <a:bodyPr wrap="square" rtlCol="0">
+            <a:spAutoFit/>
+          </a:bodyPr>
+          <a:lstStyle/>
+          <a:p>
+            <a:pPr defTabSz="888614">
+              <a:spcAft>
+                <a:spcPts val="678"/>
+              </a:spcAft>
+            </a:pPr>
+            <a:r>
+              <a:rPr lang="en-US" sz="1749" kern="1200">
+                <a:solidFill>
+                  <a:schemeClr val="tx1"/>
+                </a:solidFill>
+                <a:latin typeface="+mn-lt"/>
+                <a:ea typeface="+mn-ea"/>
+                <a:cs typeface="+mn-cs"/>
+              </a:rPr>
+              <a:t>The number of healthcare workers is declining</a:t>
+            </a:r>
             <a:endParaRPr lang="en-US"/>
+          </a:p>
+        </p:txBody>
+      </p:sp>
+      <p:sp>
+        <p:nvSpPr>
+          <p:cNvPr id="11" name="TextBox 10">
+            <a:extLst>
+              <a:ext uri="{FF2B5EF4-FFF2-40B4-BE49-F238E27FC236}">
+                <a16:creationId xmlns:a16="http://schemas.microsoft.com/office/drawing/2014/main" id="{CCF3AED4-6EC7-098B-C4C6-4E7A253879A7}"/>
+              </a:ext>
+            </a:extLst>
+          </p:cNvPr>
+          <p:cNvSpPr txBox="1"/>
+          <p:nvPr/>
+        </p:nvSpPr>
+        <p:spPr>
+          <a:xfrm>
+            <a:off x="5303521" y="4524247"/>
+            <a:ext cx="5667738" cy="375616"/>
+          </a:xfrm>
+          <a:prstGeom prst="rect">
+            <a:avLst/>
+          </a:prstGeom>
+          <a:noFill/>
+        </p:spPr>
+        <p:txBody>
+          <a:bodyPr wrap="square" rtlCol="0">
+            <a:spAutoFit/>
+          </a:bodyPr>
+          <a:lstStyle/>
+          <a:p>
+            <a:pPr defTabSz="888614">
+              <a:spcAft>
+                <a:spcPts val="678"/>
+              </a:spcAft>
+            </a:pPr>
+            <a:r>
+              <a:rPr lang="en-US" sz="1749" kern="1200" dirty="0">
+                <a:solidFill>
+                  <a:schemeClr val="tx1"/>
+                </a:solidFill>
+                <a:latin typeface="+mn-lt"/>
+                <a:ea typeface="+mn-ea"/>
+                <a:cs typeface="+mn-cs"/>
+              </a:rPr>
+              <a:t>Health insurance coverage rates are declining</a:t>
+            </a:r>
+            <a:endParaRPr lang="en-US" dirty="0"/>
+          </a:p>
+        </p:txBody>
+      </p:sp>
+      <p:sp>
+        <p:nvSpPr>
+          <p:cNvPr id="12" name="TextBox 11">
+            <a:extLst>
+              <a:ext uri="{FF2B5EF4-FFF2-40B4-BE49-F238E27FC236}">
+                <a16:creationId xmlns:a16="http://schemas.microsoft.com/office/drawing/2014/main" id="{B476F39E-BA47-FE36-ED20-479E0FA8EB6E}"/>
+              </a:ext>
+            </a:extLst>
+          </p:cNvPr>
+          <p:cNvSpPr txBox="1"/>
+          <p:nvPr/>
+        </p:nvSpPr>
+        <p:spPr>
+          <a:xfrm>
+            <a:off x="5303521" y="5257061"/>
+            <a:ext cx="5667738" cy="909758"/>
+          </a:xfrm>
+          <a:prstGeom prst="rect">
+            <a:avLst/>
+          </a:prstGeom>
+          <a:noFill/>
+        </p:spPr>
+        <p:txBody>
+          <a:bodyPr wrap="square" rtlCol="0">
+            <a:spAutoFit/>
+          </a:bodyPr>
+          <a:lstStyle/>
+          <a:p>
+            <a:pPr defTabSz="888614">
+              <a:spcAft>
+                <a:spcPts val="678"/>
+              </a:spcAft>
+            </a:pPr>
+            <a:r>
+              <a:rPr lang="en-US" sz="1749" kern="1200" dirty="0">
+                <a:solidFill>
+                  <a:schemeClr val="tx1"/>
+                </a:solidFill>
+                <a:latin typeface="+mn-lt"/>
+                <a:ea typeface="+mn-ea"/>
+                <a:cs typeface="+mn-cs"/>
+              </a:rPr>
+              <a:t>These issues can likely be mitigated through educating the public and subsidizing the health care industry to raise the number of healthcare employees</a:t>
+            </a:r>
+            <a:endParaRPr lang="en-US" dirty="0"/>
           </a:p>
         </p:txBody>
       </p:sp>
@@ -4251,6 +6103,14 @@
 <file path=ppt/slides/slide2.xml><?xml version="1.0" encoding="utf-8"?>
 <p:sld xmlns:a="http://schemas.openxmlformats.org/drawingml/2006/main" xmlns:r="http://schemas.openxmlformats.org/officeDocument/2006/relationships" xmlns:p="http://schemas.openxmlformats.org/presentationml/2006/main">
   <p:cSld>
+    <p:bg>
+      <p:bgPr>
+        <a:solidFill>
+          <a:schemeClr val="bg1"/>
+        </a:solidFill>
+        <a:effectLst/>
+      </p:bgPr>
+    </p:bg>
     <p:spTree>
       <p:nvGrpSpPr>
         <p:cNvPr id="1" name=""/>
@@ -4265,39 +6125,63 @@
           <a:chExt cx="0" cy="0"/>
         </a:xfrm>
       </p:grpSpPr>
-      <p:sp>
-        <p:nvSpPr>
-          <p:cNvPr id="3" name="TextBox 2">
-            <a:extLst>
-              <a:ext uri="{FF2B5EF4-FFF2-40B4-BE49-F238E27FC236}">
-                <a16:creationId xmlns:a16="http://schemas.microsoft.com/office/drawing/2014/main" id="{E7A3BF46-89B9-F484-7587-A05C920410C2}"/>
-              </a:ext>
-            </a:extLst>
-          </p:cNvPr>
-          <p:cNvSpPr txBox="1"/>
-          <p:nvPr/>
-        </p:nvSpPr>
-        <p:spPr>
-          <a:xfrm>
-            <a:off x="3917004" y="149158"/>
-            <a:ext cx="4357992" cy="646331"/>
+      <p:sp useBgFill="1">
+        <p:nvSpPr>
+          <p:cNvPr id="1043" name="Rectangle 1042">
+            <a:extLst>
+              <a:ext uri="{FF2B5EF4-FFF2-40B4-BE49-F238E27FC236}">
+                <a16:creationId xmlns:a16="http://schemas.microsoft.com/office/drawing/2014/main" id="{53B021B3-DE93-4AB7-8A18-CF5F1CED88B8}"/>
+              </a:ext>
+              <a:ext uri="{C183D7F6-B498-43B3-948B-1728B52AA6E4}">
+                <adec:decorative xmlns:adec="http://schemas.microsoft.com/office/drawing/2017/decorative" val="1"/>
+              </a:ext>
+            </a:extLst>
+          </p:cNvPr>
+          <p:cNvSpPr>
+            <a:spLocks noGrp="1" noRot="1" noChangeAspect="1" noMove="1" noResize="1" noEditPoints="1" noAdjustHandles="1" noChangeArrowheads="1" noChangeShapeType="1" noTextEdit="1"/>
+          </p:cNvSpPr>
+          <p:nvPr>
+            <p:extLst>
+              <p:ext uri="{386F3935-93C4-4BCD-93E2-E3B085C9AB24}">
+                <p16:designElem xmlns:p16="http://schemas.microsoft.com/office/powerpoint/2015/main" val="1"/>
+              </p:ext>
+            </p:extLst>
+          </p:nvPr>
+        </p:nvSpPr>
+        <p:spPr>
+          <a:xfrm>
+            <a:off x="0" y="0"/>
+            <a:ext cx="12192000" cy="6858000"/>
           </a:xfrm>
           <a:prstGeom prst="rect">
             <a:avLst/>
           </a:prstGeom>
-          <a:noFill/>
-        </p:spPr>
-        <p:txBody>
-          <a:bodyPr wrap="square" rtlCol="0">
-            <a:spAutoFit/>
-          </a:bodyPr>
+          <a:ln>
+            <a:noFill/>
+          </a:ln>
+        </p:spPr>
+        <p:style>
+          <a:lnRef idx="2">
+            <a:schemeClr val="accent1">
+              <a:shade val="50000"/>
+            </a:schemeClr>
+          </a:lnRef>
+          <a:fillRef idx="1">
+            <a:schemeClr val="accent1"/>
+          </a:fillRef>
+          <a:effectRef idx="0">
+            <a:schemeClr val="accent1"/>
+          </a:effectRef>
+          <a:fontRef idx="minor">
+            <a:schemeClr val="lt1"/>
+          </a:fontRef>
+        </p:style>
+        <p:txBody>
+          <a:bodyPr rtlCol="0" anchor="ctr"/>
           <a:lstStyle/>
           <a:p>
             <a:pPr algn="ctr"/>
-            <a:r>
-              <a:rPr lang="en-US" sz="3600" b="1" dirty="0"/>
-              <a:t>Why this matters</a:t>
-            </a:r>
+            <a:endParaRPr lang="en-US"/>
           </a:p>
         </p:txBody>
       </p:sp>
@@ -4306,7 +6190,7 @@
           <p:cNvPr id="4" name="TextBox 3">
             <a:extLst>
               <a:ext uri="{FF2B5EF4-FFF2-40B4-BE49-F238E27FC236}">
-                <a16:creationId xmlns:a16="http://schemas.microsoft.com/office/drawing/2014/main" id="{FDF1B706-81C9-9340-0CA3-72B7E68097C5}"/>
+                <a16:creationId xmlns:a16="http://schemas.microsoft.com/office/drawing/2014/main" id="{FA0F972F-4C0A-2E05-03B0-EF5CAF18B9DD}"/>
               </a:ext>
             </a:extLst>
           </p:cNvPr>
@@ -4315,95 +6199,199 @@
         </p:nvSpPr>
         <p:spPr>
           <a:xfrm>
-            <a:off x="624516" y="677718"/>
-            <a:ext cx="3876147" cy="646331"/>
+            <a:off x="841248" y="256032"/>
+            <a:ext cx="10506456" cy="1014984"/>
           </a:xfrm>
           <a:prstGeom prst="rect">
             <a:avLst/>
           </a:prstGeom>
-          <a:noFill/>
-        </p:spPr>
-        <p:txBody>
-          <a:bodyPr wrap="square" rtlCol="0">
-            <a:spAutoFit/>
+        </p:spPr>
+        <p:txBody>
+          <a:bodyPr vert="horz" lIns="91440" tIns="45720" rIns="91440" bIns="45720" rtlCol="0" anchor="b">
+            <a:normAutofit/>
           </a:bodyPr>
           <a:lstStyle/>
           <a:p>
-            <a:pPr algn="ctr"/>
-            <a:r>
-              <a:rPr lang="en-US" b="1" dirty="0"/>
-              <a:t>Wildfire smoke is dangerous to inhale over both the short and long term.</a:t>
-            </a:r>
-          </a:p>
-        </p:txBody>
-      </p:sp>
-      <p:sp>
-        <p:nvSpPr>
-          <p:cNvPr id="5" name="TextBox 4">
-            <a:extLst>
-              <a:ext uri="{FF2B5EF4-FFF2-40B4-BE49-F238E27FC236}">
-                <a16:creationId xmlns:a16="http://schemas.microsoft.com/office/drawing/2014/main" id="{2A959A33-2904-90A0-21F6-5DE786AE918B}"/>
-              </a:ext>
-            </a:extLst>
-          </p:cNvPr>
-          <p:cNvSpPr txBox="1"/>
-          <p:nvPr/>
-        </p:nvSpPr>
-        <p:spPr>
-          <a:xfrm>
-            <a:off x="6940359" y="862384"/>
-            <a:ext cx="4970835" cy="923330"/>
+            <a:pPr>
+              <a:lnSpc>
+                <a:spcPct val="90000"/>
+              </a:lnSpc>
+              <a:spcBef>
+                <a:spcPct val="0"/>
+              </a:spcBef>
+              <a:spcAft>
+                <a:spcPts val="600"/>
+              </a:spcAft>
+            </a:pPr>
+            <a:r>
+              <a:rPr lang="en-US" sz="4400" b="1" kern="1200" dirty="0">
+                <a:solidFill>
+                  <a:schemeClr val="tx1"/>
+                </a:solidFill>
+                <a:latin typeface="+mj-lt"/>
+                <a:ea typeface="+mj-ea"/>
+                <a:cs typeface="+mj-cs"/>
+              </a:rPr>
+              <a:t>What was accomplished?</a:t>
+            </a:r>
+          </a:p>
+        </p:txBody>
+      </p:sp>
+      <p:sp>
+        <p:nvSpPr>
+          <p:cNvPr id="1044" name="Rectangle 1043">
+            <a:extLst>
+              <a:ext uri="{FF2B5EF4-FFF2-40B4-BE49-F238E27FC236}">
+                <a16:creationId xmlns:a16="http://schemas.microsoft.com/office/drawing/2014/main" id="{52D502E5-F6B4-4D58-B4AE-FC466FF15EE8}"/>
+              </a:ext>
+              <a:ext uri="{C183D7F6-B498-43B3-948B-1728B52AA6E4}">
+                <adec:decorative xmlns:adec="http://schemas.microsoft.com/office/drawing/2017/decorative" val="1"/>
+              </a:ext>
+            </a:extLst>
+          </p:cNvPr>
+          <p:cNvSpPr>
+            <a:spLocks noGrp="1" noRot="1" noChangeAspect="1" noMove="1" noResize="1" noEditPoints="1" noAdjustHandles="1" noChangeArrowheads="1" noChangeShapeType="1" noTextEdit="1"/>
+          </p:cNvSpPr>
+          <p:nvPr>
+            <p:extLst>
+              <p:ext uri="{386F3935-93C4-4BCD-93E2-E3B085C9AB24}">
+                <p16:designElem xmlns:p16="http://schemas.microsoft.com/office/powerpoint/2015/main" val="1"/>
+              </p:ext>
+            </p:extLst>
+          </p:nvPr>
+        </p:nvSpPr>
+        <p:spPr>
+          <a:xfrm>
+            <a:off x="865953" y="1634502"/>
+            <a:ext cx="10451592" cy="18288"/>
           </a:xfrm>
           <a:prstGeom prst="rect">
             <a:avLst/>
           </a:prstGeom>
-          <a:noFill/>
-        </p:spPr>
-        <p:txBody>
-          <a:bodyPr wrap="square" rtlCol="0">
-            <a:spAutoFit/>
-          </a:bodyPr>
+          <a:solidFill>
+            <a:srgbClr val="D5D5D5"/>
+          </a:solidFill>
+          <a:ln w="3175">
+            <a:noFill/>
+          </a:ln>
+          <a:effectLst/>
+        </p:spPr>
+        <p:style>
+          <a:lnRef idx="2">
+            <a:schemeClr val="accent1">
+              <a:shade val="50000"/>
+            </a:schemeClr>
+          </a:lnRef>
+          <a:fillRef idx="1">
+            <a:schemeClr val="accent1"/>
+          </a:fillRef>
+          <a:effectRef idx="0">
+            <a:schemeClr val="accent1"/>
+          </a:effectRef>
+          <a:fontRef idx="minor">
+            <a:schemeClr val="lt1"/>
+          </a:fontRef>
+        </p:style>
+        <p:txBody>
+          <a:bodyPr rtlCol="0" anchor="ctr"/>
           <a:lstStyle/>
           <a:p>
             <a:pPr algn="ctr"/>
-            <a:r>
-              <a:rPr lang="en-US" b="1" dirty="0"/>
-              <a:t>This of course comes with associated economic and health costs. To attempt to minimize these future costs, policymakers need to be informed.</a:t>
-            </a:r>
-          </a:p>
-        </p:txBody>
-      </p:sp>
-      <p:pic>
-        <p:nvPicPr>
-          <p:cNvPr id="3076" name="Picture 4" descr="Wildfire Smoke - MN Dept. of Health">
-            <a:extLst>
-              <a:ext uri="{FF2B5EF4-FFF2-40B4-BE49-F238E27FC236}">
-                <a16:creationId xmlns:a16="http://schemas.microsoft.com/office/drawing/2014/main" id="{43C1125C-CBF9-FA15-02C5-3AE2DE4D4C56}"/>
-              </a:ext>
-            </a:extLst>
-          </p:cNvPr>
-          <p:cNvPicPr>
-            <a:picLocks noChangeAspect="1" noChangeArrowheads="1"/>
-          </p:cNvPicPr>
+            <a:endParaRPr lang="en-US">
+              <a:solidFill>
+                <a:prstClr val="white"/>
+              </a:solidFill>
+              <a:latin typeface="Calibri" panose="020F0502020204030204"/>
+            </a:endParaRPr>
+          </a:p>
+        </p:txBody>
+      </p:sp>
+      <p:sp>
+        <p:nvSpPr>
+          <p:cNvPr id="1045" name="Rectangle 1044">
+            <a:extLst>
+              <a:ext uri="{FF2B5EF4-FFF2-40B4-BE49-F238E27FC236}">
+                <a16:creationId xmlns:a16="http://schemas.microsoft.com/office/drawing/2014/main" id="{9DECDBF4-02B6-4BB4-B65B-B8107AD6A9E8}"/>
+              </a:ext>
+              <a:ext uri="{C183D7F6-B498-43B3-948B-1728B52AA6E4}">
+                <adec:decorative xmlns:adec="http://schemas.microsoft.com/office/drawing/2017/decorative" val="1"/>
+              </a:ext>
+            </a:extLst>
+          </p:cNvPr>
+          <p:cNvSpPr>
+            <a:spLocks noGrp="1" noRot="1" noChangeAspect="1" noMove="1" noResize="1" noEditPoints="1" noAdjustHandles="1" noChangeArrowheads="1" noChangeShapeType="1" noTextEdit="1"/>
+          </p:cNvSpPr>
+          <p:nvPr>
+            <p:extLst>
+              <p:ext uri="{386F3935-93C4-4BCD-93E2-E3B085C9AB24}">
+                <p16:designElem xmlns:p16="http://schemas.microsoft.com/office/powerpoint/2015/main" val="1"/>
+              </p:ext>
+            </p:extLst>
+          </p:nvPr>
+        </p:nvSpPr>
+        <p:spPr>
+          <a:xfrm flipV="1">
+            <a:off x="841248" y="1538176"/>
+            <a:ext cx="1873457" cy="109814"/>
+          </a:xfrm>
+          <a:prstGeom prst="rect">
+            <a:avLst/>
+          </a:prstGeom>
+          <a:solidFill>
+            <a:schemeClr val="accent2"/>
+          </a:solidFill>
+          <a:ln>
+            <a:noFill/>
+          </a:ln>
+        </p:spPr>
+        <p:style>
+          <a:lnRef idx="2">
+            <a:schemeClr val="accent1">
+              <a:shade val="50000"/>
+            </a:schemeClr>
+          </a:lnRef>
+          <a:fillRef idx="1">
+            <a:schemeClr val="accent1"/>
+          </a:fillRef>
+          <a:effectRef idx="0">
+            <a:schemeClr val="accent1"/>
+          </a:effectRef>
+          <a:fontRef idx="minor">
+            <a:schemeClr val="lt1"/>
+          </a:fontRef>
+        </p:style>
+        <p:txBody>
+          <a:bodyPr rtlCol="0" anchor="ctr"/>
+          <a:lstStyle/>
+          <a:p>
+            <a:pPr algn="ctr"/>
+            <a:endParaRPr lang="en-US">
+              <a:solidFill>
+                <a:prstClr val="white"/>
+              </a:solidFill>
+              <a:latin typeface="Calibri" panose="020F0502020204030204"/>
+            </a:endParaRPr>
+          </a:p>
+        </p:txBody>
+      </p:sp>
+      <p:sp>
+        <p:nvSpPr>
+          <p:cNvPr id="6" name="AutoShape 4" descr="Leavenworth, Kansas - Wikipedia">
+            <a:extLst>
+              <a:ext uri="{FF2B5EF4-FFF2-40B4-BE49-F238E27FC236}">
+                <a16:creationId xmlns:a16="http://schemas.microsoft.com/office/drawing/2014/main" id="{A45D1F95-CFBD-5D84-3E1A-3212C068CEB1}"/>
+              </a:ext>
+            </a:extLst>
+          </p:cNvPr>
+          <p:cNvSpPr>
+            <a:spLocks noChangeAspect="1" noChangeArrowheads="1"/>
+          </p:cNvSpPr>
           <p:nvPr/>
-        </p:nvPicPr>
-        <p:blipFill>
-          <a:blip r:embed="rId3">
-            <a:extLst>
-              <a:ext uri="{28A0092B-C50C-407E-A947-70E740481C1C}">
-                <a14:useLocalDpi xmlns:a14="http://schemas.microsoft.com/office/drawing/2010/main" val="0"/>
-              </a:ext>
-            </a:extLst>
-          </a:blip>
-          <a:srcRect/>
-          <a:stretch>
-            <a:fillRect/>
-          </a:stretch>
-        </p:blipFill>
+        </p:nvSpPr>
         <p:spPr bwMode="auto">
           <a:xfrm>
-            <a:off x="111472" y="1519927"/>
-            <a:ext cx="6136955" cy="3818145"/>
+            <a:off x="6914375" y="609635"/>
+            <a:ext cx="92377" cy="92377"/>
           </a:xfrm>
           <a:prstGeom prst="rect">
             <a:avLst/>
@@ -4419,13 +6407,120 @@
             </a:ext>
           </a:extLst>
         </p:spPr>
-      </p:pic>
+        <p:txBody>
+          <a:bodyPr vert="horz" wrap="square" lIns="91440" tIns="45720" rIns="91440" bIns="45720" numCol="1" anchor="t" anchorCtr="0" compatLnSpc="1">
+            <a:prstTxWarp prst="textNoShape">
+              <a:avLst/>
+            </a:prstTxWarp>
+          </a:bodyPr>
+          <a:lstStyle/>
+          <a:p>
+            <a:endParaRPr lang="en-US"/>
+          </a:p>
+        </p:txBody>
+      </p:sp>
+      <p:sp>
+        <p:nvSpPr>
+          <p:cNvPr id="5" name="TextBox 4">
+            <a:extLst>
+              <a:ext uri="{FF2B5EF4-FFF2-40B4-BE49-F238E27FC236}">
+                <a16:creationId xmlns:a16="http://schemas.microsoft.com/office/drawing/2014/main" id="{92E7BB50-C75F-0BED-7DB8-BAF2AAA89DEE}"/>
+              </a:ext>
+            </a:extLst>
+          </p:cNvPr>
+          <p:cNvSpPr txBox="1"/>
+          <p:nvPr/>
+        </p:nvSpPr>
+        <p:spPr>
+          <a:xfrm>
+            <a:off x="7379534" y="1929748"/>
+            <a:ext cx="4080946" cy="637497"/>
+          </a:xfrm>
+          <a:prstGeom prst="rect">
+            <a:avLst/>
+          </a:prstGeom>
+          <a:noFill/>
+        </p:spPr>
+        <p:txBody>
+          <a:bodyPr wrap="square" rtlCol="0">
+            <a:spAutoFit/>
+          </a:bodyPr>
+          <a:lstStyle/>
+          <a:p>
+            <a:pPr algn="ctr" defTabSz="896112">
+              <a:spcAft>
+                <a:spcPts val="600"/>
+              </a:spcAft>
+            </a:pPr>
+            <a:r>
+              <a:rPr lang="en-US" sz="1764" b="1" kern="1200" dirty="0">
+                <a:solidFill>
+                  <a:schemeClr val="tx1"/>
+                </a:solidFill>
+                <a:latin typeface="+mn-lt"/>
+                <a:ea typeface="+mn-ea"/>
+                <a:cs typeface="+mn-cs"/>
+              </a:rPr>
+              <a:t>Use data analysis to form a policy recommendation for the city.</a:t>
+            </a:r>
+            <a:endParaRPr lang="en-US" b="1" dirty="0"/>
+          </a:p>
+        </p:txBody>
+      </p:sp>
+      <p:sp>
+        <p:nvSpPr>
+          <p:cNvPr id="7" name="TextBox 6">
+            <a:extLst>
+              <a:ext uri="{FF2B5EF4-FFF2-40B4-BE49-F238E27FC236}">
+                <a16:creationId xmlns:a16="http://schemas.microsoft.com/office/drawing/2014/main" id="{C5FE812B-6A86-5E0C-A152-B4F75021109B}"/>
+              </a:ext>
+            </a:extLst>
+          </p:cNvPr>
+          <p:cNvSpPr txBox="1"/>
+          <p:nvPr/>
+        </p:nvSpPr>
+        <p:spPr>
+          <a:xfrm>
+            <a:off x="1437590" y="1929748"/>
+            <a:ext cx="4361230" cy="635302"/>
+          </a:xfrm>
+          <a:prstGeom prst="rect">
+            <a:avLst/>
+          </a:prstGeom>
+          <a:noFill/>
+        </p:spPr>
+        <p:txBody>
+          <a:bodyPr wrap="square" rtlCol="0">
+            <a:spAutoFit/>
+          </a:bodyPr>
+          <a:lstStyle/>
+          <a:p>
+            <a:pPr algn="ctr" defTabSz="896112">
+              <a:spcAft>
+                <a:spcPts val="600"/>
+              </a:spcAft>
+            </a:pPr>
+            <a:r>
+              <a:rPr lang="en-US" sz="1764" b="1" kern="1200" dirty="0">
+                <a:solidFill>
+                  <a:schemeClr val="tx1"/>
+                </a:solidFill>
+                <a:latin typeface="+mn-lt"/>
+                <a:ea typeface="+mn-ea"/>
+                <a:cs typeface="+mn-cs"/>
+              </a:rPr>
+              <a:t>Exploration of Healthcare impacts on Leavenworth, Kansas from wildfire smoke. </a:t>
+            </a:r>
+            <a:endParaRPr lang="en-US" b="1" dirty="0"/>
+          </a:p>
+        </p:txBody>
+      </p:sp>
       <p:pic>
         <p:nvPicPr>
-          <p:cNvPr id="3080" name="Picture 8" descr="Oil Extends Decline Amid Global Economy Concerns | Rigzone">
-            <a:extLst>
-              <a:ext uri="{FF2B5EF4-FFF2-40B4-BE49-F238E27FC236}">
-                <a16:creationId xmlns:a16="http://schemas.microsoft.com/office/drawing/2014/main" id="{55F54343-4751-45A1-60E4-FF88E6517D42}"/>
+          <p:cNvPr id="1032" name="Picture 8" descr="Wildfire Smoke Safety | Pacific Northwest Agricultural Safety and Health  Center">
+            <a:extLst>
+              <a:ext uri="{FF2B5EF4-FFF2-40B4-BE49-F238E27FC236}">
+                <a16:creationId xmlns:a16="http://schemas.microsoft.com/office/drawing/2014/main" id="{CBAA2BD3-6859-2884-775F-2FE708F4DA58}"/>
               </a:ext>
             </a:extLst>
           </p:cNvPr>
@@ -4435,7 +6530,7 @@
           <p:nvPr/>
         </p:nvPicPr>
         <p:blipFill>
-          <a:blip r:embed="rId4">
+          <a:blip r:embed="rId3">
             <a:extLst>
               <a:ext uri="{28A0092B-C50C-407E-A947-70E740481C1C}">
                 <a14:useLocalDpi xmlns:a14="http://schemas.microsoft.com/office/drawing/2010/main" val="0"/>
@@ -4449,8 +6544,8 @@
         </p:blipFill>
         <p:spPr bwMode="auto">
           <a:xfrm>
-            <a:off x="7167802" y="2025846"/>
-            <a:ext cx="4220043" cy="2371055"/>
+            <a:off x="598976" y="2635485"/>
+            <a:ext cx="6315399" cy="3339176"/>
           </a:xfrm>
           <a:prstGeom prst="rect">
             <a:avLst/>
@@ -4469,55 +6564,38 @@
       </p:pic>
       <p:pic>
         <p:nvPicPr>
-          <p:cNvPr id="3082" name="Picture 10" descr="Is our healthcare system broken? - Harvard Health">
-            <a:extLst>
-              <a:ext uri="{FF2B5EF4-FFF2-40B4-BE49-F238E27FC236}">
-                <a16:creationId xmlns:a16="http://schemas.microsoft.com/office/drawing/2014/main" id="{89446F4F-192B-32B7-7691-8A4493387D72}"/>
+          <p:cNvPr id="10" name="Picture 9">
+            <a:extLst>
+              <a:ext uri="{FF2B5EF4-FFF2-40B4-BE49-F238E27FC236}">
+                <a16:creationId xmlns:a16="http://schemas.microsoft.com/office/drawing/2014/main" id="{4743E20A-70EF-07D9-EAAE-84A809573637}"/>
               </a:ext>
             </a:extLst>
           </p:cNvPr>
           <p:cNvPicPr>
-            <a:picLocks noChangeAspect="1" noChangeArrowheads="1"/>
+            <a:picLocks noChangeAspect="1"/>
           </p:cNvPicPr>
           <p:nvPr/>
         </p:nvPicPr>
         <p:blipFill>
-          <a:blip r:embed="rId5">
-            <a:extLst>
-              <a:ext uri="{28A0092B-C50C-407E-A947-70E740481C1C}">
-                <a14:useLocalDpi xmlns:a14="http://schemas.microsoft.com/office/drawing/2010/main" val="0"/>
-              </a:ext>
-            </a:extLst>
-          </a:blip>
-          <a:srcRect/>
+          <a:blip r:embed="rId4"/>
           <a:stretch>
             <a:fillRect/>
           </a:stretch>
         </p:blipFill>
-        <p:spPr bwMode="auto">
-          <a:xfrm>
-            <a:off x="7673015" y="4556900"/>
-            <a:ext cx="2953339" cy="1846331"/>
+        <p:spPr>
+          <a:xfrm>
+            <a:off x="7772400" y="2635485"/>
+            <a:ext cx="3434413" cy="3406894"/>
           </a:xfrm>
           <a:prstGeom prst="rect">
             <a:avLst/>
           </a:prstGeom>
-          <a:noFill/>
-          <a:extLst>
-            <a:ext uri="{909E8E84-426E-40DD-AFC4-6F175D3DCCD1}">
-              <a14:hiddenFill xmlns:a14="http://schemas.microsoft.com/office/drawing/2010/main">
-                <a:solidFill>
-                  <a:srgbClr val="FFFFFF"/>
-                </a:solidFill>
-              </a14:hiddenFill>
-            </a:ext>
-          </a:extLst>
         </p:spPr>
       </p:pic>
     </p:spTree>
     <p:extLst>
       <p:ext uri="{BB962C8B-B14F-4D97-AF65-F5344CB8AC3E}">
-        <p14:creationId xmlns:p14="http://schemas.microsoft.com/office/powerpoint/2010/main" val="733612267"/>
+        <p14:creationId xmlns:p14="http://schemas.microsoft.com/office/powerpoint/2010/main" val="3732162706"/>
       </p:ext>
     </p:extLst>
   </p:cSld>
@@ -4530,6 +6608,14 @@
 <file path=ppt/slides/slide3.xml><?xml version="1.0" encoding="utf-8"?>
 <p:sld xmlns:a="http://schemas.openxmlformats.org/drawingml/2006/main" xmlns:r="http://schemas.openxmlformats.org/officeDocument/2006/relationships" xmlns:p="http://schemas.openxmlformats.org/presentationml/2006/main">
   <p:cSld>
+    <p:bg>
+      <p:bgPr>
+        <a:solidFill>
+          <a:schemeClr val="bg1"/>
+        </a:solidFill>
+        <a:effectLst/>
+      </p:bgPr>
+    </p:bg>
     <p:spTree>
       <p:nvGrpSpPr>
         <p:cNvPr id="1" name=""/>
@@ -4544,47 +6630,278 @@
           <a:chExt cx="0" cy="0"/>
         </a:xfrm>
       </p:grpSpPr>
-      <p:sp>
-        <p:nvSpPr>
-          <p:cNvPr id="3" name="TextBox 2">
-            <a:extLst>
-              <a:ext uri="{FF2B5EF4-FFF2-40B4-BE49-F238E27FC236}">
-                <a16:creationId xmlns:a16="http://schemas.microsoft.com/office/drawing/2014/main" id="{E15684F2-3578-B8E1-D1B7-8EECC4857E7E}"/>
-              </a:ext>
-            </a:extLst>
-          </p:cNvPr>
-          <p:cNvSpPr txBox="1"/>
+      <p:sp useBgFill="1">
+        <p:nvSpPr>
+          <p:cNvPr id="15" name="Rectangle 14">
+            <a:extLst>
+              <a:ext uri="{FF2B5EF4-FFF2-40B4-BE49-F238E27FC236}">
+                <a16:creationId xmlns:a16="http://schemas.microsoft.com/office/drawing/2014/main" id="{AFF8D2E5-2C4E-47B1-930B-6C82B7C31331}"/>
+              </a:ext>
+              <a:ext uri="{C183D7F6-B498-43B3-948B-1728B52AA6E4}">
+                <adec:decorative xmlns:adec="http://schemas.microsoft.com/office/drawing/2017/decorative" val="1"/>
+              </a:ext>
+            </a:extLst>
+          </p:cNvPr>
+          <p:cNvSpPr>
+            <a:spLocks noGrp="1" noRot="1" noChangeAspect="1" noMove="1" noResize="1" noEditPoints="1" noAdjustHandles="1" noChangeArrowheads="1" noChangeShapeType="1" noTextEdit="1"/>
+          </p:cNvSpPr>
+          <p:nvPr>
+            <p:extLst>
+              <p:ext uri="{386F3935-93C4-4BCD-93E2-E3B085C9AB24}">
+                <p16:designElem xmlns:p16="http://schemas.microsoft.com/office/powerpoint/2015/main" val="1"/>
+              </p:ext>
+            </p:extLst>
+          </p:nvPr>
+        </p:nvSpPr>
+        <p:spPr>
+          <a:xfrm>
+            <a:off x="0" y="0"/>
+            <a:ext cx="12192000" cy="6858000"/>
+          </a:xfrm>
+          <a:prstGeom prst="rect">
+            <a:avLst/>
+          </a:prstGeom>
+          <a:ln>
+            <a:noFill/>
+          </a:ln>
+        </p:spPr>
+        <p:style>
+          <a:lnRef idx="2">
+            <a:schemeClr val="accent1">
+              <a:shade val="50000"/>
+            </a:schemeClr>
+          </a:lnRef>
+          <a:fillRef idx="1">
+            <a:schemeClr val="accent1"/>
+          </a:fillRef>
+          <a:effectRef idx="0">
+            <a:schemeClr val="accent1"/>
+          </a:effectRef>
+          <a:fontRef idx="minor">
+            <a:schemeClr val="lt1"/>
+          </a:fontRef>
+        </p:style>
+        <p:txBody>
+          <a:bodyPr rtlCol="0" anchor="ctr"/>
+          <a:lstStyle/>
+          <a:p>
+            <a:pPr algn="ctr"/>
+            <a:endParaRPr lang="en-US"/>
+          </a:p>
+        </p:txBody>
+      </p:sp>
+      <p:sp>
+        <p:nvSpPr>
+          <p:cNvPr id="17" name="Rectangle 16">
+            <a:extLst>
+              <a:ext uri="{FF2B5EF4-FFF2-40B4-BE49-F238E27FC236}">
+                <a16:creationId xmlns:a16="http://schemas.microsoft.com/office/drawing/2014/main" id="{801E4ADA-0EA9-4930-846E-3C11E8BED6DD}"/>
+              </a:ext>
+              <a:ext uri="{C183D7F6-B498-43B3-948B-1728B52AA6E4}">
+                <adec:decorative xmlns:adec="http://schemas.microsoft.com/office/drawing/2017/decorative" val="1"/>
+              </a:ext>
+            </a:extLst>
+          </p:cNvPr>
+          <p:cNvSpPr>
+            <a:spLocks noGrp="1" noRot="1" noChangeAspect="1" noMove="1" noResize="1" noEditPoints="1" noAdjustHandles="1" noChangeArrowheads="1" noChangeShapeType="1" noTextEdit="1"/>
+          </p:cNvSpPr>
+          <p:nvPr>
+            <p:extLst>
+              <p:ext uri="{386F3935-93C4-4BCD-93E2-E3B085C9AB24}">
+                <p16:designElem xmlns:p16="http://schemas.microsoft.com/office/powerpoint/2015/main" val="1"/>
+              </p:ext>
+            </p:extLst>
+          </p:nvPr>
+        </p:nvSpPr>
+        <p:spPr>
+          <a:xfrm>
+            <a:off x="0" y="417618"/>
+            <a:ext cx="128016" cy="631415"/>
+          </a:xfrm>
+          <a:prstGeom prst="rect">
+            <a:avLst/>
+          </a:prstGeom>
+          <a:solidFill>
+            <a:schemeClr val="accent2"/>
+          </a:solidFill>
+          <a:ln>
+            <a:noFill/>
+          </a:ln>
+        </p:spPr>
+        <p:style>
+          <a:lnRef idx="2">
+            <a:schemeClr val="accent1">
+              <a:shade val="50000"/>
+            </a:schemeClr>
+          </a:lnRef>
+          <a:fillRef idx="1">
+            <a:schemeClr val="accent1"/>
+          </a:fillRef>
+          <a:effectRef idx="0">
+            <a:schemeClr val="accent1"/>
+          </a:effectRef>
+          <a:fontRef idx="minor">
+            <a:schemeClr val="lt1"/>
+          </a:fontRef>
+        </p:style>
+        <p:txBody>
+          <a:bodyPr rtlCol="0" anchor="ctr"/>
+          <a:lstStyle/>
+          <a:p>
+            <a:pPr marL="0" marR="0" lvl="0" indent="0" algn="ctr" defTabSz="914400" rtl="0" eaLnBrk="1" fontAlgn="auto" latinLnBrk="0" hangingPunct="1">
+              <a:lnSpc>
+                <a:spcPct val="100000"/>
+              </a:lnSpc>
+              <a:spcBef>
+                <a:spcPts val="0"/>
+              </a:spcBef>
+              <a:spcAft>
+                <a:spcPts val="0"/>
+              </a:spcAft>
+              <a:buClrTx/>
+              <a:buSzTx/>
+              <a:buFontTx/>
+              <a:buNone/>
+              <a:tabLst/>
+              <a:defRPr/>
+            </a:pPr>
+            <a:endParaRPr kumimoji="0" lang="en-US" sz="1800" b="0" i="0" u="none" strike="noStrike" kern="1200" cap="none" spc="0" normalizeH="0" baseline="0" noProof="0">
+              <a:ln>
+                <a:noFill/>
+              </a:ln>
+              <a:solidFill>
+                <a:prstClr val="white"/>
+              </a:solidFill>
+              <a:effectLst/>
+              <a:uLnTx/>
+              <a:uFillTx/>
+              <a:latin typeface="Calibri" panose="020F0502020204030204"/>
+              <a:ea typeface="+mn-ea"/>
+              <a:cs typeface="+mn-cs"/>
+            </a:endParaRPr>
+          </a:p>
+        </p:txBody>
+      </p:sp>
+      <p:sp>
+        <p:nvSpPr>
+          <p:cNvPr id="19" name="Rectangle 18">
+            <a:extLst>
+              <a:ext uri="{FF2B5EF4-FFF2-40B4-BE49-F238E27FC236}">
+                <a16:creationId xmlns:a16="http://schemas.microsoft.com/office/drawing/2014/main" id="{FB92FFCE-0C90-454E-AA25-D4EE9A6C39C5}"/>
+              </a:ext>
+              <a:ext uri="{C183D7F6-B498-43B3-948B-1728B52AA6E4}">
+                <adec:decorative xmlns:adec="http://schemas.microsoft.com/office/drawing/2017/decorative" val="1"/>
+              </a:ext>
+            </a:extLst>
+          </p:cNvPr>
+          <p:cNvSpPr>
+            <a:spLocks noGrp="1" noRot="1" noChangeAspect="1" noMove="1" noResize="1" noEditPoints="1" noAdjustHandles="1" noChangeArrowheads="1" noChangeShapeType="1" noTextEdit="1"/>
+          </p:cNvSpPr>
+          <p:nvPr>
+            <p:extLst>
+              <p:ext uri="{386F3935-93C4-4BCD-93E2-E3B085C9AB24}">
+                <p16:designElem xmlns:p16="http://schemas.microsoft.com/office/powerpoint/2015/main" val="1"/>
+              </p:ext>
+            </p:extLst>
+          </p:nvPr>
+        </p:nvSpPr>
+        <p:spPr>
+          <a:xfrm>
+            <a:off x="841248" y="1380864"/>
+            <a:ext cx="10506456" cy="18288"/>
+          </a:xfrm>
+          <a:prstGeom prst="rect">
+            <a:avLst/>
+          </a:prstGeom>
+          <a:solidFill>
+            <a:srgbClr val="D5D5D5"/>
+          </a:solidFill>
+          <a:ln w="3175">
+            <a:noFill/>
+          </a:ln>
+          <a:effectLst/>
+        </p:spPr>
+        <p:style>
+          <a:lnRef idx="2">
+            <a:schemeClr val="accent1">
+              <a:shade val="50000"/>
+            </a:schemeClr>
+          </a:lnRef>
+          <a:fillRef idx="1">
+            <a:schemeClr val="accent1"/>
+          </a:fillRef>
+          <a:effectRef idx="0">
+            <a:schemeClr val="accent1"/>
+          </a:effectRef>
+          <a:fontRef idx="minor">
+            <a:schemeClr val="lt1"/>
+          </a:fontRef>
+        </p:style>
+        <p:txBody>
+          <a:bodyPr rtlCol="0" anchor="ctr"/>
+          <a:lstStyle/>
+          <a:p>
+            <a:pPr algn="ctr"/>
+            <a:endParaRPr lang="en-US">
+              <a:solidFill>
+                <a:prstClr val="white"/>
+              </a:solidFill>
+              <a:latin typeface="Calibri" panose="020F0502020204030204"/>
+            </a:endParaRPr>
+          </a:p>
+        </p:txBody>
+      </p:sp>
+      <p:sp>
+        <p:nvSpPr>
+          <p:cNvPr id="6" name="AutoShape 4" descr="Leavenworth, Kansas - Wikipedia">
+            <a:extLst>
+              <a:ext uri="{FF2B5EF4-FFF2-40B4-BE49-F238E27FC236}">
+                <a16:creationId xmlns:a16="http://schemas.microsoft.com/office/drawing/2014/main" id="{A45D1F95-CFBD-5D84-3E1A-3212C068CEB1}"/>
+              </a:ext>
+            </a:extLst>
+          </p:cNvPr>
+          <p:cNvSpPr>
+            <a:spLocks noChangeAspect="1" noChangeArrowheads="1"/>
+          </p:cNvSpPr>
           <p:nvPr/>
         </p:nvSpPr>
-        <p:spPr>
-          <a:xfrm>
-            <a:off x="2308697" y="58367"/>
-            <a:ext cx="7574605" cy="646331"/>
+        <p:spPr bwMode="auto">
+          <a:xfrm>
+            <a:off x="6914375" y="609635"/>
+            <a:ext cx="92377" cy="92377"/>
           </a:xfrm>
           <a:prstGeom prst="rect">
             <a:avLst/>
           </a:prstGeom>
           <a:noFill/>
-        </p:spPr>
-        <p:txBody>
-          <a:bodyPr wrap="square" rtlCol="0">
-            <a:spAutoFit/>
+          <a:extLst>
+            <a:ext uri="{909E8E84-426E-40DD-AFC4-6F175D3DCCD1}">
+              <a14:hiddenFill xmlns:a14="http://schemas.microsoft.com/office/drawing/2010/main">
+                <a:solidFill>
+                  <a:srgbClr val="FFFFFF"/>
+                </a:solidFill>
+              </a14:hiddenFill>
+            </a:ext>
+          </a:extLst>
+        </p:spPr>
+        <p:txBody>
+          <a:bodyPr vert="horz" wrap="square" lIns="91440" tIns="45720" rIns="91440" bIns="45720" numCol="1" anchor="t" anchorCtr="0" compatLnSpc="1">
+            <a:prstTxWarp prst="textNoShape">
+              <a:avLst/>
+            </a:prstTxWarp>
           </a:bodyPr>
           <a:lstStyle/>
           <a:p>
-            <a:r>
-              <a:rPr lang="en-US" sz="3600" dirty="0"/>
-              <a:t>Final results – Policy recommendation</a:t>
-            </a:r>
-          </a:p>
-        </p:txBody>
-      </p:sp>
-      <p:sp>
-        <p:nvSpPr>
-          <p:cNvPr id="4" name="TextBox 3">
-            <a:extLst>
-              <a:ext uri="{FF2B5EF4-FFF2-40B4-BE49-F238E27FC236}">
-                <a16:creationId xmlns:a16="http://schemas.microsoft.com/office/drawing/2014/main" id="{D98BE7B9-1EBE-390F-78C1-AD40B558E5C0}"/>
+            <a:endParaRPr lang="en-US"/>
+          </a:p>
+        </p:txBody>
+      </p:sp>
+      <p:sp>
+        <p:nvSpPr>
+          <p:cNvPr id="2" name="TextBox 1">
+            <a:extLst>
+              <a:ext uri="{FF2B5EF4-FFF2-40B4-BE49-F238E27FC236}">
+                <a16:creationId xmlns:a16="http://schemas.microsoft.com/office/drawing/2014/main" id="{8E7E7EA3-985A-5DF5-CE07-0BE8D72C741E}"/>
               </a:ext>
             </a:extLst>
           </p:cNvPr>
@@ -4593,8 +6910,8 @@
         </p:nvSpPr>
         <p:spPr>
           <a:xfrm>
-            <a:off x="3331073" y="839846"/>
-            <a:ext cx="5529851" cy="646331"/>
+            <a:off x="841248" y="507358"/>
+            <a:ext cx="4357992" cy="646331"/>
           </a:xfrm>
           <a:prstGeom prst="rect">
             <a:avLst/>
@@ -4609,16 +6926,178 @@
           <a:p>
             <a:pPr algn="ctr"/>
             <a:r>
+              <a:rPr lang="en-US" sz="3600" b="1" dirty="0"/>
+              <a:t>Why does it matter?</a:t>
+            </a:r>
+          </a:p>
+        </p:txBody>
+      </p:sp>
+      <p:sp>
+        <p:nvSpPr>
+          <p:cNvPr id="3" name="TextBox 2">
+            <a:extLst>
+              <a:ext uri="{FF2B5EF4-FFF2-40B4-BE49-F238E27FC236}">
+                <a16:creationId xmlns:a16="http://schemas.microsoft.com/office/drawing/2014/main" id="{E9C7EB63-74CD-5839-601A-A34A7AFA1AC5}"/>
+              </a:ext>
+            </a:extLst>
+          </p:cNvPr>
+          <p:cNvSpPr txBox="1"/>
+          <p:nvPr/>
+        </p:nvSpPr>
+        <p:spPr>
+          <a:xfrm>
+            <a:off x="505482" y="1686209"/>
+            <a:ext cx="5029524" cy="707886"/>
+          </a:xfrm>
+          <a:prstGeom prst="rect">
+            <a:avLst/>
+          </a:prstGeom>
+          <a:noFill/>
+        </p:spPr>
+        <p:txBody>
+          <a:bodyPr wrap="square" rtlCol="0">
+            <a:spAutoFit/>
+          </a:bodyPr>
+          <a:lstStyle/>
+          <a:p>
+            <a:pPr algn="ctr"/>
+            <a:r>
+              <a:rPr lang="en-US" sz="2000" b="1" dirty="0"/>
+              <a:t>Wildfire smoke is dangerous to inhale over both the short and long term.</a:t>
+            </a:r>
+          </a:p>
+        </p:txBody>
+      </p:sp>
+      <p:sp>
+        <p:nvSpPr>
+          <p:cNvPr id="8" name="TextBox 7">
+            <a:extLst>
+              <a:ext uri="{FF2B5EF4-FFF2-40B4-BE49-F238E27FC236}">
+                <a16:creationId xmlns:a16="http://schemas.microsoft.com/office/drawing/2014/main" id="{3AD40FEC-F9A2-4A47-DD40-238804299F12}"/>
+              </a:ext>
+            </a:extLst>
+          </p:cNvPr>
+          <p:cNvSpPr txBox="1"/>
+          <p:nvPr/>
+        </p:nvSpPr>
+        <p:spPr>
+          <a:xfrm>
+            <a:off x="6715683" y="1578487"/>
+            <a:ext cx="4970835" cy="923330"/>
+          </a:xfrm>
+          <a:prstGeom prst="rect">
+            <a:avLst/>
+          </a:prstGeom>
+          <a:noFill/>
+        </p:spPr>
+        <p:txBody>
+          <a:bodyPr wrap="square" rtlCol="0">
+            <a:spAutoFit/>
+          </a:bodyPr>
+          <a:lstStyle/>
+          <a:p>
+            <a:pPr algn="ctr"/>
+            <a:r>
               <a:rPr lang="en-US" b="1" dirty="0"/>
-              <a:t>Given the evidence, our recommendation to policymakers for city of Leavenworth is to do nothing. </a:t>
-            </a:r>
-          </a:p>
-        </p:txBody>
-      </p:sp>
+              <a:t>This comes with associated economic and health costs. To attempt to minimize these future costs, policymakers need to be informed.</a:t>
+            </a:r>
+          </a:p>
+        </p:txBody>
+      </p:sp>
+      <p:pic>
+        <p:nvPicPr>
+          <p:cNvPr id="9" name="Picture 4" descr="Wildfire Smoke - MN Dept. of Health">
+            <a:extLst>
+              <a:ext uri="{FF2B5EF4-FFF2-40B4-BE49-F238E27FC236}">
+                <a16:creationId xmlns:a16="http://schemas.microsoft.com/office/drawing/2014/main" id="{D430996D-5A41-DCC0-3080-1536EA4E7945}"/>
+              </a:ext>
+            </a:extLst>
+          </p:cNvPr>
+          <p:cNvPicPr>
+            <a:picLocks noChangeAspect="1" noChangeArrowheads="1"/>
+          </p:cNvPicPr>
+          <p:nvPr/>
+        </p:nvPicPr>
+        <p:blipFill rotWithShape="1">
+          <a:blip r:embed="rId3">
+            <a:extLst>
+              <a:ext uri="{28A0092B-C50C-407E-A947-70E740481C1C}">
+                <a14:useLocalDpi xmlns:a14="http://schemas.microsoft.com/office/drawing/2010/main" val="0"/>
+              </a:ext>
+            </a:extLst>
+          </a:blip>
+          <a:srcRect l="860" t="10110" r="1185" b="2539"/>
+          <a:stretch/>
+        </p:blipFill>
+        <p:spPr bwMode="auto">
+          <a:xfrm>
+            <a:off x="358140" y="2616299"/>
+            <a:ext cx="5669280" cy="3145337"/>
+          </a:xfrm>
+          <a:prstGeom prst="rect">
+            <a:avLst/>
+          </a:prstGeom>
+          <a:noFill/>
+          <a:extLst>
+            <a:ext uri="{909E8E84-426E-40DD-AFC4-6F175D3DCCD1}">
+              <a14:hiddenFill xmlns:a14="http://schemas.microsoft.com/office/drawing/2010/main">
+                <a:solidFill>
+                  <a:srgbClr val="FFFFFF"/>
+                </a:solidFill>
+              </a14:hiddenFill>
+            </a:ext>
+          </a:extLst>
+        </p:spPr>
+      </p:pic>
+      <p:pic>
+        <p:nvPicPr>
+          <p:cNvPr id="11" name="Picture 8" descr="Oil Extends Decline Amid Global Economy Concerns | Rigzone">
+            <a:extLst>
+              <a:ext uri="{FF2B5EF4-FFF2-40B4-BE49-F238E27FC236}">
+                <a16:creationId xmlns:a16="http://schemas.microsoft.com/office/drawing/2014/main" id="{086A997A-FC86-0D56-7A4A-74CD17688DFE}"/>
+              </a:ext>
+            </a:extLst>
+          </p:cNvPr>
+          <p:cNvPicPr>
+            <a:picLocks noChangeAspect="1" noChangeArrowheads="1"/>
+          </p:cNvPicPr>
+          <p:nvPr/>
+        </p:nvPicPr>
+        <p:blipFill rotWithShape="1">
+          <a:blip r:embed="rId4">
+            <a:extLst>
+              <a:ext uri="{28A0092B-C50C-407E-A947-70E740481C1C}">
+                <a14:useLocalDpi xmlns:a14="http://schemas.microsoft.com/office/drawing/2010/main" val="0"/>
+              </a:ext>
+            </a:extLst>
+          </a:blip>
+          <a:srcRect l="4790" t="4524" r="3622"/>
+          <a:stretch/>
+        </p:blipFill>
+        <p:spPr bwMode="auto">
+          <a:xfrm>
+            <a:off x="6472645" y="2610560"/>
+            <a:ext cx="5389740" cy="3156814"/>
+          </a:xfrm>
+          <a:prstGeom prst="rect">
+            <a:avLst/>
+          </a:prstGeom>
+          <a:noFill/>
+          <a:extLst>
+            <a:ext uri="{909E8E84-426E-40DD-AFC4-6F175D3DCCD1}">
+              <a14:hiddenFill xmlns:a14="http://schemas.microsoft.com/office/drawing/2010/main">
+                <a:solidFill>
+                  <a:srgbClr val="FFFFFF"/>
+                </a:solidFill>
+              </a14:hiddenFill>
+            </a:ext>
+          </a:extLst>
+        </p:spPr>
+      </p:pic>
     </p:spTree>
     <p:extLst>
       <p:ext uri="{BB962C8B-B14F-4D97-AF65-F5344CB8AC3E}">
-        <p14:creationId xmlns:p14="http://schemas.microsoft.com/office/powerpoint/2010/main" val="1615775513"/>
+        <p14:creationId xmlns:p14="http://schemas.microsoft.com/office/powerpoint/2010/main" val="17077940"/>
       </p:ext>
     </p:extLst>
   </p:cSld>
@@ -4631,6 +7110,14 @@
 <file path=ppt/slides/slide4.xml><?xml version="1.0" encoding="utf-8"?>
 <p:sld xmlns:a="http://schemas.openxmlformats.org/drawingml/2006/main" xmlns:r="http://schemas.openxmlformats.org/officeDocument/2006/relationships" xmlns:p="http://schemas.openxmlformats.org/presentationml/2006/main">
   <p:cSld>
+    <p:bg>
+      <p:bgPr>
+        <a:solidFill>
+          <a:schemeClr val="bg1"/>
+        </a:solidFill>
+        <a:effectLst/>
+      </p:bgPr>
+    </p:bg>
     <p:spTree>
       <p:nvGrpSpPr>
         <p:cNvPr id="1" name=""/>
@@ -4647,35 +7134,415 @@
       </p:grpSpPr>
       <p:sp>
         <p:nvSpPr>
-          <p:cNvPr id="2" name="TextBox 1">
-            <a:extLst>
-              <a:ext uri="{FF2B5EF4-FFF2-40B4-BE49-F238E27FC236}">
-                <a16:creationId xmlns:a16="http://schemas.microsoft.com/office/drawing/2014/main" id="{66ADC08C-C92D-764C-30BB-CB51F12373E8}"/>
-              </a:ext>
-            </a:extLst>
-          </p:cNvPr>
-          <p:cNvSpPr txBox="1"/>
-          <p:nvPr/>
-        </p:nvSpPr>
-        <p:spPr>
-          <a:xfrm>
-            <a:off x="3514928" y="402077"/>
-            <a:ext cx="4137498" cy="369332"/>
+          <p:cNvPr id="18" name="tint">
+            <a:extLst>
+              <a:ext uri="{FF2B5EF4-FFF2-40B4-BE49-F238E27FC236}">
+                <a16:creationId xmlns:a16="http://schemas.microsoft.com/office/drawing/2014/main" id="{D380959B-464C-9ED8-C9EB-AB6FC997C1B8}"/>
+              </a:ext>
+              <a:ext uri="{C183D7F6-B498-43B3-948B-1728B52AA6E4}">
+                <adec:decorative xmlns:adec="http://schemas.microsoft.com/office/drawing/2017/decorative" val="1"/>
+              </a:ext>
+            </a:extLst>
+          </p:cNvPr>
+          <p:cNvSpPr>
+            <a:spLocks noGrp="1" noRot="1" noChangeAspect="1" noMove="1" noResize="1" noEditPoints="1" noAdjustHandles="1" noChangeArrowheads="1" noChangeShapeType="1" noTextEdit="1"/>
+          </p:cNvSpPr>
+          <p:nvPr>
+            <p:extLst>
+              <p:ext uri="{386F3935-93C4-4BCD-93E2-E3B085C9AB24}">
+                <p16:designElem xmlns:p16="http://schemas.microsoft.com/office/powerpoint/2015/main" val="1"/>
+              </p:ext>
+            </p:extLst>
+          </p:nvPr>
+        </p:nvSpPr>
+        <p:spPr>
+          <a:xfrm>
+            <a:off x="1225448" y="8300"/>
+            <a:ext cx="10966551" cy="6849700"/>
           </a:xfrm>
           <a:prstGeom prst="rect">
             <a:avLst/>
           </a:prstGeom>
-          <a:noFill/>
-        </p:spPr>
-        <p:txBody>
-          <a:bodyPr wrap="square" rtlCol="0">
-            <a:spAutoFit/>
+          <a:solidFill>
+            <a:schemeClr val="bg2">
+              <a:alpha val="40000"/>
+            </a:schemeClr>
+          </a:solidFill>
+          <a:ln>
+            <a:noFill/>
+          </a:ln>
+        </p:spPr>
+        <p:style>
+          <a:lnRef idx="2">
+            <a:schemeClr val="accent1">
+              <a:shade val="50000"/>
+            </a:schemeClr>
+          </a:lnRef>
+          <a:fillRef idx="1">
+            <a:schemeClr val="accent1"/>
+          </a:fillRef>
+          <a:effectRef idx="0">
+            <a:schemeClr val="accent1"/>
+          </a:effectRef>
+          <a:fontRef idx="minor">
+            <a:schemeClr val="lt1"/>
+          </a:fontRef>
+        </p:style>
+        <p:txBody>
+          <a:bodyPr rtlCol="0" anchor="ctr"/>
+          <a:lstStyle/>
+          <a:p>
+            <a:pPr algn="ctr"/>
+            <a:endParaRPr lang="en-US"/>
+          </a:p>
+        </p:txBody>
+      </p:sp>
+      <p:sp useBgFill="1">
+        <p:nvSpPr>
+          <p:cNvPr id="20" name="Rectangle 19">
+            <a:extLst>
+              <a:ext uri="{FF2B5EF4-FFF2-40B4-BE49-F238E27FC236}">
+                <a16:creationId xmlns:a16="http://schemas.microsoft.com/office/drawing/2014/main" id="{06B83858-ED7D-57B6-6CAA-83168807C43C}"/>
+              </a:ext>
+              <a:ext uri="{C183D7F6-B498-43B3-948B-1728B52AA6E4}">
+                <adec:decorative xmlns:adec="http://schemas.microsoft.com/office/drawing/2017/decorative" val="1"/>
+              </a:ext>
+            </a:extLst>
+          </p:cNvPr>
+          <p:cNvSpPr>
+            <a:spLocks noGrp="1" noRot="1" noChangeAspect="1" noMove="1" noResize="1" noEditPoints="1" noAdjustHandles="1" noChangeArrowheads="1" noChangeShapeType="1" noTextEdit="1"/>
+          </p:cNvSpPr>
+          <p:nvPr>
+            <p:extLst>
+              <p:ext uri="{386F3935-93C4-4BCD-93E2-E3B085C9AB24}">
+                <p16:designElem xmlns:p16="http://schemas.microsoft.com/office/powerpoint/2015/main" val="1"/>
+              </p:ext>
+            </p:extLst>
+          </p:nvPr>
+        </p:nvSpPr>
+        <p:spPr>
+          <a:xfrm>
+            <a:off x="0" y="0"/>
+            <a:ext cx="11416415" cy="6858000"/>
+          </a:xfrm>
+          <a:prstGeom prst="rect">
+            <a:avLst/>
+          </a:prstGeom>
+          <a:ln>
+            <a:noFill/>
+          </a:ln>
+          <a:effectLst>
+            <a:outerShdw blurRad="317500" dist="127000" dir="2400000" sx="95000" sy="95000" algn="t" rotWithShape="0">
+              <a:srgbClr val="000000">
+                <a:alpha val="40000"/>
+              </a:srgbClr>
+            </a:outerShdw>
+          </a:effectLst>
+        </p:spPr>
+        <p:style>
+          <a:lnRef idx="2">
+            <a:schemeClr val="accent1">
+              <a:shade val="50000"/>
+            </a:schemeClr>
+          </a:lnRef>
+          <a:fillRef idx="1">
+            <a:schemeClr val="accent1"/>
+          </a:fillRef>
+          <a:effectRef idx="0">
+            <a:schemeClr val="accent1"/>
+          </a:effectRef>
+          <a:fontRef idx="minor">
+            <a:schemeClr val="lt1"/>
+          </a:fontRef>
+        </p:style>
+        <p:txBody>
+          <a:bodyPr rtlCol="0" anchor="ctr"/>
+          <a:lstStyle/>
+          <a:p>
+            <a:pPr algn="ctr"/>
+            <a:endParaRPr lang="en-US"/>
+          </a:p>
+        </p:txBody>
+      </p:sp>
+      <p:sp>
+        <p:nvSpPr>
+          <p:cNvPr id="3" name="TextBox 2">
+            <a:extLst>
+              <a:ext uri="{FF2B5EF4-FFF2-40B4-BE49-F238E27FC236}">
+                <a16:creationId xmlns:a16="http://schemas.microsoft.com/office/drawing/2014/main" id="{E15684F2-3578-B8E1-D1B7-8EECC4857E7E}"/>
+              </a:ext>
+            </a:extLst>
+          </p:cNvPr>
+          <p:cNvSpPr txBox="1"/>
+          <p:nvPr/>
+        </p:nvSpPr>
+        <p:spPr>
+          <a:xfrm>
+            <a:off x="6096000" y="-108329"/>
+            <a:ext cx="5070455" cy="1711119"/>
+          </a:xfrm>
+          <a:prstGeom prst="rect">
+            <a:avLst/>
+          </a:prstGeom>
+        </p:spPr>
+        <p:txBody>
+          <a:bodyPr vert="horz" lIns="91440" tIns="45720" rIns="91440" bIns="45720" rtlCol="0" anchor="ctr">
+            <a:normAutofit/>
           </a:bodyPr>
           <a:lstStyle/>
           <a:p>
-            <a:r>
-              <a:rPr lang="en-US" dirty="0"/>
-              <a:t>How did you come to this conclusion?</a:t>
+            <a:pPr>
+              <a:lnSpc>
+                <a:spcPct val="90000"/>
+              </a:lnSpc>
+              <a:spcBef>
+                <a:spcPct val="0"/>
+              </a:spcBef>
+              <a:spcAft>
+                <a:spcPts val="600"/>
+              </a:spcAft>
+            </a:pPr>
+            <a:r>
+              <a:rPr lang="en-US" sz="4000" b="1" kern="1200" dirty="0">
+                <a:solidFill>
+                  <a:schemeClr val="tx1"/>
+                </a:solidFill>
+                <a:latin typeface="+mj-lt"/>
+                <a:ea typeface="+mj-ea"/>
+                <a:cs typeface="+mj-cs"/>
+              </a:rPr>
+              <a:t>Final result – Policy recommendation</a:t>
+            </a:r>
+          </a:p>
+        </p:txBody>
+      </p:sp>
+      <p:sp>
+        <p:nvSpPr>
+          <p:cNvPr id="22" name="Rectangle 21">
+            <a:extLst>
+              <a:ext uri="{FF2B5EF4-FFF2-40B4-BE49-F238E27FC236}">
+                <a16:creationId xmlns:a16="http://schemas.microsoft.com/office/drawing/2014/main" id="{FF97FFD4-A8B9-3D4D-1623-7BE467E46A6A}"/>
+              </a:ext>
+              <a:ext uri="{C183D7F6-B498-43B3-948B-1728B52AA6E4}">
+                <adec:decorative xmlns:adec="http://schemas.microsoft.com/office/drawing/2017/decorative" val="1"/>
+              </a:ext>
+            </a:extLst>
+          </p:cNvPr>
+          <p:cNvSpPr>
+            <a:spLocks noGrp="1" noRot="1" noChangeAspect="1" noMove="1" noResize="1" noEditPoints="1" noAdjustHandles="1" noChangeArrowheads="1" noChangeShapeType="1" noTextEdit="1"/>
+          </p:cNvSpPr>
+          <p:nvPr>
+            <p:extLst>
+              <p:ext uri="{386F3935-93C4-4BCD-93E2-E3B085C9AB24}">
+                <p16:designElem xmlns:p16="http://schemas.microsoft.com/office/powerpoint/2015/main" val="1"/>
+              </p:ext>
+            </p:extLst>
+          </p:nvPr>
+        </p:nvSpPr>
+        <p:spPr>
+          <a:xfrm>
+            <a:off x="0" y="0"/>
+            <a:ext cx="5410200" cy="6858000"/>
+          </a:xfrm>
+          <a:prstGeom prst="rect">
+            <a:avLst/>
+          </a:prstGeom>
+          <a:solidFill>
+            <a:srgbClr val="FFFFFF"/>
+          </a:solidFill>
+          <a:ln>
+            <a:noFill/>
+          </a:ln>
+          <a:effectLst>
+            <a:outerShdw blurRad="190500" dist="139700" dir="3000000" sx="94000" sy="94000" algn="t" rotWithShape="0">
+              <a:srgbClr val="000000">
+                <a:alpha val="30000"/>
+              </a:srgbClr>
+            </a:outerShdw>
+          </a:effectLst>
+        </p:spPr>
+        <p:style>
+          <a:lnRef idx="2">
+            <a:schemeClr val="accent1">
+              <a:shade val="50000"/>
+            </a:schemeClr>
+          </a:lnRef>
+          <a:fillRef idx="1">
+            <a:schemeClr val="accent1"/>
+          </a:fillRef>
+          <a:effectRef idx="0">
+            <a:schemeClr val="accent1"/>
+          </a:effectRef>
+          <a:fontRef idx="minor">
+            <a:schemeClr val="lt1"/>
+          </a:fontRef>
+        </p:style>
+        <p:txBody>
+          <a:bodyPr rtlCol="0" anchor="ctr"/>
+          <a:lstStyle/>
+          <a:p>
+            <a:pPr algn="ctr"/>
+            <a:endParaRPr lang="en-US"/>
+          </a:p>
+        </p:txBody>
+      </p:sp>
+      <p:pic>
+        <p:nvPicPr>
+          <p:cNvPr id="8" name="Graphic 7" descr="Bank">
+            <a:extLst>
+              <a:ext uri="{FF2B5EF4-FFF2-40B4-BE49-F238E27FC236}">
+                <a16:creationId xmlns:a16="http://schemas.microsoft.com/office/drawing/2014/main" id="{66A3BAA3-B82C-91C8-0922-0481EFD26C55}"/>
+              </a:ext>
+            </a:extLst>
+          </p:cNvPr>
+          <p:cNvPicPr>
+            <a:picLocks noChangeAspect="1"/>
+          </p:cNvPicPr>
+          <p:nvPr/>
+        </p:nvPicPr>
+        <p:blipFill>
+          <a:blip r:embed="rId2">
+            <a:extLst>
+              <a:ext uri="{28A0092B-C50C-407E-A947-70E740481C1C}">
+                <a14:useLocalDpi xmlns:a14="http://schemas.microsoft.com/office/drawing/2010/main" val="0"/>
+              </a:ext>
+              <a:ext uri="{96DAC541-7B7A-43D3-8B79-37D633B846F1}">
+                <asvg:svgBlip xmlns:asvg="http://schemas.microsoft.com/office/drawing/2016/SVG/main" r:embed="rId3"/>
+              </a:ext>
+            </a:extLst>
+          </a:blip>
+          <a:stretch>
+            <a:fillRect/>
+          </a:stretch>
+        </p:blipFill>
+        <p:spPr>
+          <a:xfrm>
+            <a:off x="768873" y="1510026"/>
+            <a:ext cx="3872455" cy="3872455"/>
+          </a:xfrm>
+          <a:prstGeom prst="rect">
+            <a:avLst/>
+          </a:prstGeom>
+        </p:spPr>
+      </p:pic>
+      <p:sp>
+        <p:nvSpPr>
+          <p:cNvPr id="4" name="TextBox 3">
+            <a:extLst>
+              <a:ext uri="{FF2B5EF4-FFF2-40B4-BE49-F238E27FC236}">
+                <a16:creationId xmlns:a16="http://schemas.microsoft.com/office/drawing/2014/main" id="{D98BE7B9-1EBE-390F-78C1-AD40B558E5C0}"/>
+              </a:ext>
+            </a:extLst>
+          </p:cNvPr>
+          <p:cNvSpPr txBox="1"/>
+          <p:nvPr/>
+        </p:nvSpPr>
+        <p:spPr>
+          <a:xfrm>
+            <a:off x="6179073" y="1428746"/>
+            <a:ext cx="5237342" cy="5215894"/>
+          </a:xfrm>
+          <a:prstGeom prst="rect">
+            <a:avLst/>
+          </a:prstGeom>
+        </p:spPr>
+        <p:txBody>
+          <a:bodyPr vert="horz" lIns="91440" tIns="45720" rIns="91440" bIns="45720" rtlCol="0" anchor="ctr">
+            <a:normAutofit lnSpcReduction="10000"/>
+          </a:bodyPr>
+          <a:lstStyle/>
+          <a:p>
+            <a:pPr>
+              <a:lnSpc>
+                <a:spcPct val="90000"/>
+              </a:lnSpc>
+              <a:spcAft>
+                <a:spcPts val="600"/>
+              </a:spcAft>
+            </a:pPr>
+            <a:r>
+              <a:rPr lang="en-US" sz="3200" dirty="0"/>
+              <a:t>Given the analysis findings:</a:t>
+            </a:r>
+          </a:p>
+          <a:p>
+            <a:pPr marL="457200" indent="-457200">
+              <a:lnSpc>
+                <a:spcPct val="90000"/>
+              </a:lnSpc>
+              <a:spcAft>
+                <a:spcPts val="600"/>
+              </a:spcAft>
+              <a:buFont typeface="Arial" panose="020B0604020202020204" pitchFamily="34" charset="0"/>
+              <a:buChar char="•"/>
+            </a:pPr>
+            <a:r>
+              <a:rPr lang="en-US" sz="3200" dirty="0"/>
+              <a:t>No need for drastic action</a:t>
+            </a:r>
+          </a:p>
+          <a:p>
+            <a:pPr marL="457200" indent="-457200">
+              <a:lnSpc>
+                <a:spcPct val="90000"/>
+              </a:lnSpc>
+              <a:spcAft>
+                <a:spcPts val="600"/>
+              </a:spcAft>
+              <a:buFont typeface="Arial" panose="020B0604020202020204" pitchFamily="34" charset="0"/>
+              <a:buChar char="•"/>
+            </a:pPr>
+            <a:r>
+              <a:rPr lang="en-US" sz="3200" dirty="0"/>
+              <a:t>Continue to monitor the situation</a:t>
+            </a:r>
+          </a:p>
+          <a:p>
+            <a:pPr marL="457200" indent="-457200">
+              <a:lnSpc>
+                <a:spcPct val="90000"/>
+              </a:lnSpc>
+              <a:spcAft>
+                <a:spcPts val="600"/>
+              </a:spcAft>
+              <a:buFont typeface="Arial" panose="020B0604020202020204" pitchFamily="34" charset="0"/>
+              <a:buChar char="•"/>
+            </a:pPr>
+            <a:r>
+              <a:rPr lang="en-US" sz="3200" dirty="0"/>
+              <a:t>Issue stay at home recommendations when AQI is at unhealthy levels</a:t>
+            </a:r>
+          </a:p>
+          <a:p>
+            <a:pPr marL="457200" indent="-457200">
+              <a:lnSpc>
+                <a:spcPct val="90000"/>
+              </a:lnSpc>
+              <a:spcAft>
+                <a:spcPts val="600"/>
+              </a:spcAft>
+              <a:buFont typeface="Arial" panose="020B0604020202020204" pitchFamily="34" charset="0"/>
+              <a:buChar char="•"/>
+            </a:pPr>
+            <a:r>
+              <a:rPr lang="en-US" sz="3200" dirty="0"/>
+              <a:t>Increase public awareness</a:t>
+            </a:r>
+          </a:p>
+          <a:p>
+            <a:pPr marL="457200" indent="-457200">
+              <a:lnSpc>
+                <a:spcPct val="90000"/>
+              </a:lnSpc>
+              <a:spcAft>
+                <a:spcPts val="600"/>
+              </a:spcAft>
+              <a:buFont typeface="Arial" panose="020B0604020202020204" pitchFamily="34" charset="0"/>
+              <a:buChar char="•"/>
+            </a:pPr>
+            <a:r>
+              <a:rPr lang="en-US" sz="3200" dirty="0"/>
+              <a:t>Consider subsidizing healthcare industry to combat declining workforce</a:t>
             </a:r>
           </a:p>
         </p:txBody>
@@ -4683,7 +7550,7 @@
     </p:spTree>
     <p:extLst>
       <p:ext uri="{BB962C8B-B14F-4D97-AF65-F5344CB8AC3E}">
-        <p14:creationId xmlns:p14="http://schemas.microsoft.com/office/powerpoint/2010/main" val="3007720717"/>
+        <p14:creationId xmlns:p14="http://schemas.microsoft.com/office/powerpoint/2010/main" val="1615775513"/>
       </p:ext>
     </p:extLst>
   </p:cSld>
@@ -4696,6 +7563,14 @@
 <file path=ppt/slides/slide5.xml><?xml version="1.0" encoding="utf-8"?>
 <p:sld xmlns:a="http://schemas.openxmlformats.org/drawingml/2006/main" xmlns:r="http://schemas.openxmlformats.org/officeDocument/2006/relationships" xmlns:p="http://schemas.openxmlformats.org/presentationml/2006/main">
   <p:cSld>
+    <p:bg>
+      <p:bgPr>
+        <a:solidFill>
+          <a:schemeClr val="bg1"/>
+        </a:solidFill>
+        <a:effectLst/>
+      </p:bgPr>
+    </p:bg>
     <p:spTree>
       <p:nvGrpSpPr>
         <p:cNvPr id="1" name=""/>
@@ -4710,10 +7585,564 @@
           <a:chExt cx="0" cy="0"/>
         </a:xfrm>
       </p:grpSpPr>
+      <p:sp useBgFill="1">
+        <p:nvSpPr>
+          <p:cNvPr id="20" name="Rectangle 19">
+            <a:extLst>
+              <a:ext uri="{FF2B5EF4-FFF2-40B4-BE49-F238E27FC236}">
+                <a16:creationId xmlns:a16="http://schemas.microsoft.com/office/drawing/2014/main" id="{25549E48-55B4-43FA-96F3-A3F777E0F295}"/>
+              </a:ext>
+              <a:ext uri="{C183D7F6-B498-43B3-948B-1728B52AA6E4}">
+                <adec:decorative xmlns:adec="http://schemas.microsoft.com/office/drawing/2017/decorative" val="1"/>
+              </a:ext>
+            </a:extLst>
+          </p:cNvPr>
+          <p:cNvSpPr>
+            <a:spLocks noGrp="1" noRot="1" noChangeAspect="1" noMove="1" noResize="1" noEditPoints="1" noAdjustHandles="1" noChangeArrowheads="1" noChangeShapeType="1" noTextEdit="1"/>
+          </p:cNvSpPr>
+          <p:nvPr>
+            <p:extLst>
+              <p:ext uri="{386F3935-93C4-4BCD-93E2-E3B085C9AB24}">
+                <p16:designElem xmlns:p16="http://schemas.microsoft.com/office/powerpoint/2015/main" val="1"/>
+              </p:ext>
+            </p:extLst>
+          </p:nvPr>
+        </p:nvSpPr>
+        <p:spPr>
+          <a:xfrm>
+            <a:off x="0" y="0"/>
+            <a:ext cx="12192000" cy="6858000"/>
+          </a:xfrm>
+          <a:prstGeom prst="rect">
+            <a:avLst/>
+          </a:prstGeom>
+          <a:ln>
+            <a:noFill/>
+          </a:ln>
+        </p:spPr>
+        <p:style>
+          <a:lnRef idx="2">
+            <a:schemeClr val="accent1">
+              <a:shade val="50000"/>
+            </a:schemeClr>
+          </a:lnRef>
+          <a:fillRef idx="1">
+            <a:schemeClr val="accent1"/>
+          </a:fillRef>
+          <a:effectRef idx="0">
+            <a:schemeClr val="accent1"/>
+          </a:effectRef>
+          <a:fontRef idx="minor">
+            <a:schemeClr val="lt1"/>
+          </a:fontRef>
+        </p:style>
+        <p:txBody>
+          <a:bodyPr rtlCol="0" anchor="ctr"/>
+          <a:lstStyle/>
+          <a:p>
+            <a:pPr algn="ctr"/>
+            <a:endParaRPr lang="en-US"/>
+          </a:p>
+        </p:txBody>
+      </p:sp>
+      <p:sp useBgFill="1">
+        <p:nvSpPr>
+          <p:cNvPr id="22" name="Rectangle 21">
+            <a:extLst>
+              <a:ext uri="{FF2B5EF4-FFF2-40B4-BE49-F238E27FC236}">
+                <a16:creationId xmlns:a16="http://schemas.microsoft.com/office/drawing/2014/main" id="{0ADDB668-2CA4-4D2B-9C34-3487CA330BA8}"/>
+              </a:ext>
+              <a:ext uri="{C183D7F6-B498-43B3-948B-1728B52AA6E4}">
+                <adec:decorative xmlns:adec="http://schemas.microsoft.com/office/drawing/2017/decorative" val="1"/>
+              </a:ext>
+            </a:extLst>
+          </p:cNvPr>
+          <p:cNvSpPr>
+            <a:spLocks noGrp="1" noRot="1" noChangeAspect="1" noMove="1" noResize="1" noEditPoints="1" noAdjustHandles="1" noChangeArrowheads="1" noChangeShapeType="1" noTextEdit="1"/>
+          </p:cNvSpPr>
+          <p:nvPr>
+            <p:extLst>
+              <p:ext uri="{386F3935-93C4-4BCD-93E2-E3B085C9AB24}">
+                <p16:designElem xmlns:p16="http://schemas.microsoft.com/office/powerpoint/2015/main" val="1"/>
+              </p:ext>
+            </p:extLst>
+          </p:nvPr>
+        </p:nvSpPr>
+        <p:spPr>
+          <a:xfrm>
+            <a:off x="551553" y="304802"/>
+            <a:ext cx="11097349" cy="1573149"/>
+          </a:xfrm>
+          <a:prstGeom prst="rect">
+            <a:avLst/>
+          </a:prstGeom>
+          <a:ln w="12700">
+            <a:solidFill>
+              <a:srgbClr val="DEDEDE"/>
+            </a:solidFill>
+          </a:ln>
+          <a:effectLst>
+            <a:outerShdw blurRad="50800" dist="38100" dir="2700000" algn="tl" rotWithShape="0">
+              <a:schemeClr val="bg2">
+                <a:lumMod val="85000"/>
+                <a:alpha val="50000"/>
+              </a:schemeClr>
+            </a:outerShdw>
+          </a:effectLst>
+        </p:spPr>
+        <p:style>
+          <a:lnRef idx="2">
+            <a:schemeClr val="accent1">
+              <a:shade val="50000"/>
+            </a:schemeClr>
+          </a:lnRef>
+          <a:fillRef idx="1">
+            <a:schemeClr val="accent1"/>
+          </a:fillRef>
+          <a:effectRef idx="0">
+            <a:schemeClr val="accent1"/>
+          </a:effectRef>
+          <a:fontRef idx="minor">
+            <a:schemeClr val="lt1"/>
+          </a:fontRef>
+        </p:style>
+        <p:txBody>
+          <a:bodyPr rtlCol="0" anchor="ctr"/>
+          <a:lstStyle/>
+          <a:p>
+            <a:pPr marL="0" marR="0" lvl="0" indent="0" algn="ctr" defTabSz="914400" rtl="0" eaLnBrk="1" fontAlgn="auto" latinLnBrk="0" hangingPunct="1">
+              <a:lnSpc>
+                <a:spcPct val="100000"/>
+              </a:lnSpc>
+              <a:spcBef>
+                <a:spcPts val="0"/>
+              </a:spcBef>
+              <a:spcAft>
+                <a:spcPts val="0"/>
+              </a:spcAft>
+              <a:buClrTx/>
+              <a:buSzTx/>
+              <a:buFontTx/>
+              <a:buNone/>
+              <a:tabLst/>
+              <a:defRPr/>
+            </a:pPr>
+            <a:endParaRPr kumimoji="0" lang="en-US" sz="1800" b="0" i="0" u="none" strike="noStrike" kern="1200" cap="none" spc="0" normalizeH="0" baseline="0" noProof="0">
+              <a:ln>
+                <a:noFill/>
+              </a:ln>
+              <a:solidFill>
+                <a:prstClr val="white"/>
+              </a:solidFill>
+              <a:effectLst/>
+              <a:uLnTx/>
+              <a:uFillTx/>
+              <a:latin typeface="Calibri" panose="020F0502020204030204"/>
+              <a:ea typeface="+mn-ea"/>
+              <a:cs typeface="+mn-cs"/>
+            </a:endParaRPr>
+          </a:p>
+        </p:txBody>
+      </p:sp>
+      <p:sp>
+        <p:nvSpPr>
+          <p:cNvPr id="2" name="TextBox 1">
+            <a:extLst>
+              <a:ext uri="{FF2B5EF4-FFF2-40B4-BE49-F238E27FC236}">
+                <a16:creationId xmlns:a16="http://schemas.microsoft.com/office/drawing/2014/main" id="{66ADC08C-C92D-764C-30BB-CB51F12373E8}"/>
+              </a:ext>
+            </a:extLst>
+          </p:cNvPr>
+          <p:cNvSpPr txBox="1"/>
+          <p:nvPr/>
+        </p:nvSpPr>
+        <p:spPr>
+          <a:xfrm>
+            <a:off x="868680" y="405575"/>
+            <a:ext cx="5001768" cy="1371600"/>
+          </a:xfrm>
+          <a:prstGeom prst="rect">
+            <a:avLst/>
+          </a:prstGeom>
+        </p:spPr>
+        <p:txBody>
+          <a:bodyPr vert="horz" lIns="91440" tIns="45720" rIns="91440" bIns="45720" rtlCol="0" anchor="ctr">
+            <a:normAutofit/>
+          </a:bodyPr>
+          <a:lstStyle/>
+          <a:p>
+            <a:pPr>
+              <a:lnSpc>
+                <a:spcPct val="90000"/>
+              </a:lnSpc>
+              <a:spcBef>
+                <a:spcPct val="0"/>
+              </a:spcBef>
+              <a:spcAft>
+                <a:spcPts val="600"/>
+              </a:spcAft>
+            </a:pPr>
+            <a:r>
+              <a:rPr lang="en-US" sz="3600" b="1" dirty="0">
+                <a:latin typeface="+mj-lt"/>
+                <a:ea typeface="+mj-ea"/>
+                <a:cs typeface="+mj-cs"/>
+              </a:rPr>
+              <a:t>How did you come to this conclusion? Part 1</a:t>
+            </a:r>
+          </a:p>
+        </p:txBody>
+      </p:sp>
+      <p:sp>
+        <p:nvSpPr>
+          <p:cNvPr id="27" name="Rectangle 26">
+            <a:extLst>
+              <a:ext uri="{FF2B5EF4-FFF2-40B4-BE49-F238E27FC236}">
+                <a16:creationId xmlns:a16="http://schemas.microsoft.com/office/drawing/2014/main" id="{2568BC19-F052-4108-93E1-6A3D1DEC072F}"/>
+              </a:ext>
+              <a:ext uri="{C183D7F6-B498-43B3-948B-1728B52AA6E4}">
+                <adec:decorative xmlns:adec="http://schemas.microsoft.com/office/drawing/2017/decorative" val="1"/>
+              </a:ext>
+            </a:extLst>
+          </p:cNvPr>
+          <p:cNvSpPr>
+            <a:spLocks noGrp="1" noRot="1" noChangeAspect="1" noMove="1" noResize="1" noEditPoints="1" noAdjustHandles="1" noChangeArrowheads="1" noChangeShapeType="1" noTextEdit="1"/>
+          </p:cNvSpPr>
+          <p:nvPr>
+            <p:extLst>
+              <p:ext uri="{386F3935-93C4-4BCD-93E2-E3B085C9AB24}">
+                <p16:designElem xmlns:p16="http://schemas.microsoft.com/office/powerpoint/2015/main" val="1"/>
+              </p:ext>
+            </p:extLst>
+          </p:nvPr>
+        </p:nvSpPr>
+        <p:spPr>
+          <a:xfrm>
+            <a:off x="494784" y="764424"/>
+            <a:ext cx="128016" cy="653903"/>
+          </a:xfrm>
+          <a:prstGeom prst="rect">
+            <a:avLst/>
+          </a:prstGeom>
+          <a:solidFill>
+            <a:schemeClr val="accent2"/>
+          </a:solidFill>
+          <a:ln>
+            <a:noFill/>
+          </a:ln>
+        </p:spPr>
+        <p:style>
+          <a:lnRef idx="2">
+            <a:schemeClr val="accent1">
+              <a:shade val="50000"/>
+            </a:schemeClr>
+          </a:lnRef>
+          <a:fillRef idx="1">
+            <a:schemeClr val="accent1"/>
+          </a:fillRef>
+          <a:effectRef idx="0">
+            <a:schemeClr val="accent1"/>
+          </a:effectRef>
+          <a:fontRef idx="minor">
+            <a:schemeClr val="lt1"/>
+          </a:fontRef>
+        </p:style>
+        <p:txBody>
+          <a:bodyPr rtlCol="0" anchor="ctr"/>
+          <a:lstStyle/>
+          <a:p>
+            <a:pPr marL="0" marR="0" lvl="0" indent="0" algn="ctr" defTabSz="914400" rtl="0" eaLnBrk="1" fontAlgn="auto" latinLnBrk="0" hangingPunct="1">
+              <a:lnSpc>
+                <a:spcPct val="100000"/>
+              </a:lnSpc>
+              <a:spcBef>
+                <a:spcPts val="0"/>
+              </a:spcBef>
+              <a:spcAft>
+                <a:spcPts val="0"/>
+              </a:spcAft>
+              <a:buClrTx/>
+              <a:buSzTx/>
+              <a:buFontTx/>
+              <a:buNone/>
+              <a:tabLst/>
+              <a:defRPr/>
+            </a:pPr>
+            <a:endParaRPr kumimoji="0" lang="en-US" sz="1800" b="0" i="0" u="none" strike="noStrike" kern="1200" cap="none" spc="0" normalizeH="0" baseline="0" noProof="0">
+              <a:ln>
+                <a:noFill/>
+              </a:ln>
+              <a:solidFill>
+                <a:prstClr val="white"/>
+              </a:solidFill>
+              <a:effectLst/>
+              <a:uLnTx/>
+              <a:uFillTx/>
+              <a:latin typeface="Calibri" panose="020F0502020204030204"/>
+              <a:ea typeface="+mn-ea"/>
+              <a:cs typeface="+mn-cs"/>
+            </a:endParaRPr>
+          </a:p>
+        </p:txBody>
+      </p:sp>
+      <p:sp>
+        <p:nvSpPr>
+          <p:cNvPr id="26" name="Rectangle 25">
+            <a:extLst>
+              <a:ext uri="{FF2B5EF4-FFF2-40B4-BE49-F238E27FC236}">
+                <a16:creationId xmlns:a16="http://schemas.microsoft.com/office/drawing/2014/main" id="{D5FD337D-4D6B-4C8B-B6F5-121097E09881}"/>
+              </a:ext>
+              <a:ext uri="{C183D7F6-B498-43B3-948B-1728B52AA6E4}">
+                <adec:decorative xmlns:adec="http://schemas.microsoft.com/office/drawing/2017/decorative" val="1"/>
+              </a:ext>
+            </a:extLst>
+          </p:cNvPr>
+          <p:cNvSpPr>
+            <a:spLocks noGrp="1" noRot="1" noChangeAspect="1" noMove="1" noResize="1" noEditPoints="1" noAdjustHandles="1" noChangeArrowheads="1" noChangeShapeType="1" noTextEdit="1"/>
+          </p:cNvSpPr>
+          <p:nvPr>
+            <p:extLst>
+              <p:ext uri="{386F3935-93C4-4BCD-93E2-E3B085C9AB24}">
+                <p16:designElem xmlns:p16="http://schemas.microsoft.com/office/powerpoint/2015/main" val="1"/>
+              </p:ext>
+            </p:extLst>
+          </p:nvPr>
+        </p:nvSpPr>
+        <p:spPr>
+          <a:xfrm rot="5400000">
+            <a:off x="5582412" y="1067264"/>
+            <a:ext cx="1021458" cy="18288"/>
+          </a:xfrm>
+          <a:prstGeom prst="rect">
+            <a:avLst/>
+          </a:prstGeom>
+          <a:solidFill>
+            <a:srgbClr val="D5D5D5"/>
+          </a:solidFill>
+          <a:ln w="3175">
+            <a:noFill/>
+          </a:ln>
+          <a:effectLst/>
+        </p:spPr>
+        <p:style>
+          <a:lnRef idx="2">
+            <a:schemeClr val="accent1">
+              <a:shade val="50000"/>
+            </a:schemeClr>
+          </a:lnRef>
+          <a:fillRef idx="1">
+            <a:schemeClr val="accent1"/>
+          </a:fillRef>
+          <a:effectRef idx="0">
+            <a:schemeClr val="accent1"/>
+          </a:effectRef>
+          <a:fontRef idx="minor">
+            <a:schemeClr val="lt1"/>
+          </a:fontRef>
+        </p:style>
+        <p:txBody>
+          <a:bodyPr rtlCol="0" anchor="ctr"/>
+          <a:lstStyle/>
+          <a:p>
+            <a:pPr marL="0" marR="0" lvl="0" indent="0" algn="ctr" defTabSz="914400" rtl="0" eaLnBrk="1" fontAlgn="auto" latinLnBrk="0" hangingPunct="1">
+              <a:lnSpc>
+                <a:spcPct val="100000"/>
+              </a:lnSpc>
+              <a:spcBef>
+                <a:spcPts val="0"/>
+              </a:spcBef>
+              <a:spcAft>
+                <a:spcPts val="0"/>
+              </a:spcAft>
+              <a:buClrTx/>
+              <a:buSzTx/>
+              <a:buFontTx/>
+              <a:buNone/>
+              <a:tabLst/>
+              <a:defRPr/>
+            </a:pPr>
+            <a:endParaRPr kumimoji="0" lang="en-US" sz="1800" b="0" i="0" u="none" strike="noStrike" kern="1200" cap="none" spc="0" normalizeH="0" baseline="0" noProof="0">
+              <a:ln>
+                <a:noFill/>
+              </a:ln>
+              <a:solidFill>
+                <a:prstClr val="white"/>
+              </a:solidFill>
+              <a:effectLst/>
+              <a:uLnTx/>
+              <a:uFillTx/>
+              <a:latin typeface="Calibri" panose="020F0502020204030204"/>
+              <a:ea typeface="+mn-ea"/>
+              <a:cs typeface="+mn-cs"/>
+            </a:endParaRPr>
+          </a:p>
+        </p:txBody>
+      </p:sp>
+      <p:pic>
+        <p:nvPicPr>
+          <p:cNvPr id="13" name="Picture 12">
+            <a:extLst>
+              <a:ext uri="{FF2B5EF4-FFF2-40B4-BE49-F238E27FC236}">
+                <a16:creationId xmlns:a16="http://schemas.microsoft.com/office/drawing/2014/main" id="{353852A3-1A3B-335C-4EEE-D84B2BD41650}"/>
+              </a:ext>
+            </a:extLst>
+          </p:cNvPr>
+          <p:cNvPicPr>
+            <a:picLocks noChangeAspect="1"/>
+          </p:cNvPicPr>
+          <p:nvPr/>
+        </p:nvPicPr>
+        <p:blipFill>
+          <a:blip r:embed="rId3"/>
+          <a:stretch>
+            <a:fillRect/>
+          </a:stretch>
+        </p:blipFill>
+        <p:spPr>
+          <a:xfrm>
+            <a:off x="6167823" y="2248690"/>
+            <a:ext cx="5765154" cy="4064433"/>
+          </a:xfrm>
+          <a:prstGeom prst="rect">
+            <a:avLst/>
+          </a:prstGeom>
+        </p:spPr>
+      </p:pic>
+      <p:sp>
+        <p:nvSpPr>
+          <p:cNvPr id="16" name="TextBox 15">
+            <a:extLst>
+              <a:ext uri="{FF2B5EF4-FFF2-40B4-BE49-F238E27FC236}">
+                <a16:creationId xmlns:a16="http://schemas.microsoft.com/office/drawing/2014/main" id="{AD4FF6B7-2B7D-B6DB-AB0A-2E52AC909532}"/>
+              </a:ext>
+            </a:extLst>
+          </p:cNvPr>
+          <p:cNvSpPr txBox="1"/>
+          <p:nvPr/>
+        </p:nvSpPr>
+        <p:spPr>
+          <a:xfrm>
+            <a:off x="6976955" y="675541"/>
+            <a:ext cx="4146891" cy="646331"/>
+          </a:xfrm>
+          <a:prstGeom prst="rect">
+            <a:avLst/>
+          </a:prstGeom>
+          <a:noFill/>
+        </p:spPr>
+        <p:txBody>
+          <a:bodyPr wrap="square" rtlCol="0">
+            <a:spAutoFit/>
+          </a:bodyPr>
+          <a:lstStyle/>
+          <a:p>
+            <a:r>
+              <a:rPr lang="en-US" b="1" i="1" u="sng" dirty="0"/>
+              <a:t>The Health care industry is going to have their work cut out for them in the future.</a:t>
+            </a:r>
+          </a:p>
+        </p:txBody>
+      </p:sp>
+      <p:pic>
+        <p:nvPicPr>
+          <p:cNvPr id="18" name="Picture 17">
+            <a:extLst>
+              <a:ext uri="{FF2B5EF4-FFF2-40B4-BE49-F238E27FC236}">
+                <a16:creationId xmlns:a16="http://schemas.microsoft.com/office/drawing/2014/main" id="{C2C21CAC-16E3-459D-E76C-502107BFA0CA}"/>
+              </a:ext>
+            </a:extLst>
+          </p:cNvPr>
+          <p:cNvPicPr>
+            <a:picLocks noChangeAspect="1"/>
+          </p:cNvPicPr>
+          <p:nvPr/>
+        </p:nvPicPr>
+        <p:blipFill>
+          <a:blip r:embed="rId4"/>
+          <a:stretch>
+            <a:fillRect/>
+          </a:stretch>
+        </p:blipFill>
+        <p:spPr>
+          <a:xfrm>
+            <a:off x="947053" y="1963836"/>
+            <a:ext cx="4410917" cy="2360844"/>
+          </a:xfrm>
+          <a:prstGeom prst="rect">
+            <a:avLst/>
+          </a:prstGeom>
+        </p:spPr>
+      </p:pic>
+      <p:pic>
+        <p:nvPicPr>
+          <p:cNvPr id="21" name="Picture 20">
+            <a:extLst>
+              <a:ext uri="{FF2B5EF4-FFF2-40B4-BE49-F238E27FC236}">
+                <a16:creationId xmlns:a16="http://schemas.microsoft.com/office/drawing/2014/main" id="{F0C7555C-1313-2B31-CC19-D19E6C96D93D}"/>
+              </a:ext>
+            </a:extLst>
+          </p:cNvPr>
+          <p:cNvPicPr>
+            <a:picLocks noChangeAspect="1"/>
+          </p:cNvPicPr>
+          <p:nvPr/>
+        </p:nvPicPr>
+        <p:blipFill>
+          <a:blip r:embed="rId5"/>
+          <a:stretch>
+            <a:fillRect/>
+          </a:stretch>
+        </p:blipFill>
+        <p:spPr>
+          <a:xfrm>
+            <a:off x="789409" y="4368800"/>
+            <a:ext cx="4505179" cy="2328862"/>
+          </a:xfrm>
+          <a:prstGeom prst="rect">
+            <a:avLst/>
+          </a:prstGeom>
+        </p:spPr>
+      </p:pic>
+      <p:cxnSp>
+        <p:nvCxnSpPr>
+          <p:cNvPr id="28" name="Straight Connector 27">
+            <a:extLst>
+              <a:ext uri="{FF2B5EF4-FFF2-40B4-BE49-F238E27FC236}">
+                <a16:creationId xmlns:a16="http://schemas.microsoft.com/office/drawing/2014/main" id="{24B7F0DE-6171-E38E-E93A-FCCBC92F4DD8}"/>
+              </a:ext>
+            </a:extLst>
+          </p:cNvPr>
+          <p:cNvCxnSpPr/>
+          <p:nvPr/>
+        </p:nvCxnSpPr>
+        <p:spPr>
+          <a:xfrm>
+            <a:off x="6083997" y="2126827"/>
+            <a:ext cx="9144" cy="4483946"/>
+          </a:xfrm>
+          <a:prstGeom prst="line">
+            <a:avLst/>
+          </a:prstGeom>
+        </p:spPr>
+        <p:style>
+          <a:lnRef idx="1">
+            <a:schemeClr val="accent1"/>
+          </a:lnRef>
+          <a:fillRef idx="0">
+            <a:schemeClr val="accent1"/>
+          </a:fillRef>
+          <a:effectRef idx="0">
+            <a:schemeClr val="accent1"/>
+          </a:effectRef>
+          <a:fontRef idx="minor">
+            <a:schemeClr val="tx1"/>
+          </a:fontRef>
+        </p:style>
+      </p:cxnSp>
     </p:spTree>
     <p:extLst>
       <p:ext uri="{BB962C8B-B14F-4D97-AF65-F5344CB8AC3E}">
-        <p14:creationId xmlns:p14="http://schemas.microsoft.com/office/powerpoint/2010/main" val="1735316413"/>
+        <p14:creationId xmlns:p14="http://schemas.microsoft.com/office/powerpoint/2010/main" val="3007720717"/>
       </p:ext>
     </p:extLst>
   </p:cSld>
@@ -4726,6 +8155,14 @@
 <file path=ppt/slides/slide6.xml><?xml version="1.0" encoding="utf-8"?>
 <p:sld xmlns:a="http://schemas.openxmlformats.org/drawingml/2006/main" xmlns:r="http://schemas.openxmlformats.org/officeDocument/2006/relationships" xmlns:p="http://schemas.openxmlformats.org/presentationml/2006/main">
   <p:cSld>
+    <p:bg>
+      <p:bgPr>
+        <a:solidFill>
+          <a:schemeClr val="bg1"/>
+        </a:solidFill>
+        <a:effectLst/>
+      </p:bgPr>
+    </p:bg>
     <p:spTree>
       <p:nvGrpSpPr>
         <p:cNvPr id="1" name=""/>
@@ -4740,10 +8177,710 @@
           <a:chExt cx="0" cy="0"/>
         </a:xfrm>
       </p:grpSpPr>
+      <p:sp useBgFill="1">
+        <p:nvSpPr>
+          <p:cNvPr id="20" name="Rectangle 19">
+            <a:extLst>
+              <a:ext uri="{FF2B5EF4-FFF2-40B4-BE49-F238E27FC236}">
+                <a16:creationId xmlns:a16="http://schemas.microsoft.com/office/drawing/2014/main" id="{25549E48-55B4-43FA-96F3-A3F777E0F295}"/>
+              </a:ext>
+              <a:ext uri="{C183D7F6-B498-43B3-948B-1728B52AA6E4}">
+                <adec:decorative xmlns:adec="http://schemas.microsoft.com/office/drawing/2017/decorative" val="1"/>
+              </a:ext>
+            </a:extLst>
+          </p:cNvPr>
+          <p:cNvSpPr>
+            <a:spLocks noGrp="1" noRot="1" noChangeAspect="1" noMove="1" noResize="1" noEditPoints="1" noAdjustHandles="1" noChangeArrowheads="1" noChangeShapeType="1" noTextEdit="1"/>
+          </p:cNvSpPr>
+          <p:nvPr>
+            <p:extLst>
+              <p:ext uri="{386F3935-93C4-4BCD-93E2-E3B085C9AB24}">
+                <p16:designElem xmlns:p16="http://schemas.microsoft.com/office/powerpoint/2015/main" val="1"/>
+              </p:ext>
+            </p:extLst>
+          </p:nvPr>
+        </p:nvSpPr>
+        <p:spPr>
+          <a:xfrm>
+            <a:off x="0" y="0"/>
+            <a:ext cx="12192000" cy="6858000"/>
+          </a:xfrm>
+          <a:prstGeom prst="rect">
+            <a:avLst/>
+          </a:prstGeom>
+          <a:ln>
+            <a:noFill/>
+          </a:ln>
+        </p:spPr>
+        <p:style>
+          <a:lnRef idx="2">
+            <a:schemeClr val="accent1">
+              <a:shade val="50000"/>
+            </a:schemeClr>
+          </a:lnRef>
+          <a:fillRef idx="1">
+            <a:schemeClr val="accent1"/>
+          </a:fillRef>
+          <a:effectRef idx="0">
+            <a:schemeClr val="accent1"/>
+          </a:effectRef>
+          <a:fontRef idx="minor">
+            <a:schemeClr val="lt1"/>
+          </a:fontRef>
+        </p:style>
+        <p:txBody>
+          <a:bodyPr rtlCol="0" anchor="ctr"/>
+          <a:lstStyle/>
+          <a:p>
+            <a:pPr algn="ctr"/>
+            <a:endParaRPr lang="en-US"/>
+          </a:p>
+        </p:txBody>
+      </p:sp>
+      <p:sp useBgFill="1">
+        <p:nvSpPr>
+          <p:cNvPr id="22" name="Rectangle 21">
+            <a:extLst>
+              <a:ext uri="{FF2B5EF4-FFF2-40B4-BE49-F238E27FC236}">
+                <a16:creationId xmlns:a16="http://schemas.microsoft.com/office/drawing/2014/main" id="{0ADDB668-2CA4-4D2B-9C34-3487CA330BA8}"/>
+              </a:ext>
+              <a:ext uri="{C183D7F6-B498-43B3-948B-1728B52AA6E4}">
+                <adec:decorative xmlns:adec="http://schemas.microsoft.com/office/drawing/2017/decorative" val="1"/>
+              </a:ext>
+            </a:extLst>
+          </p:cNvPr>
+          <p:cNvSpPr>
+            <a:spLocks noGrp="1" noRot="1" noChangeAspect="1" noMove="1" noResize="1" noEditPoints="1" noAdjustHandles="1" noChangeArrowheads="1" noChangeShapeType="1" noTextEdit="1"/>
+          </p:cNvSpPr>
+          <p:nvPr>
+            <p:extLst>
+              <p:ext uri="{386F3935-93C4-4BCD-93E2-E3B085C9AB24}">
+                <p16:designElem xmlns:p16="http://schemas.microsoft.com/office/powerpoint/2015/main" val="1"/>
+              </p:ext>
+            </p:extLst>
+          </p:nvPr>
+        </p:nvSpPr>
+        <p:spPr>
+          <a:xfrm>
+            <a:off x="551553" y="304802"/>
+            <a:ext cx="11097349" cy="1573149"/>
+          </a:xfrm>
+          <a:prstGeom prst="rect">
+            <a:avLst/>
+          </a:prstGeom>
+          <a:ln w="12700">
+            <a:solidFill>
+              <a:srgbClr val="DEDEDE"/>
+            </a:solidFill>
+          </a:ln>
+          <a:effectLst>
+            <a:outerShdw blurRad="50800" dist="38100" dir="2700000" algn="tl" rotWithShape="0">
+              <a:schemeClr val="bg2">
+                <a:lumMod val="85000"/>
+                <a:alpha val="50000"/>
+              </a:schemeClr>
+            </a:outerShdw>
+          </a:effectLst>
+        </p:spPr>
+        <p:style>
+          <a:lnRef idx="2">
+            <a:schemeClr val="accent1">
+              <a:shade val="50000"/>
+            </a:schemeClr>
+          </a:lnRef>
+          <a:fillRef idx="1">
+            <a:schemeClr val="accent1"/>
+          </a:fillRef>
+          <a:effectRef idx="0">
+            <a:schemeClr val="accent1"/>
+          </a:effectRef>
+          <a:fontRef idx="minor">
+            <a:schemeClr val="lt1"/>
+          </a:fontRef>
+        </p:style>
+        <p:txBody>
+          <a:bodyPr rtlCol="0" anchor="ctr"/>
+          <a:lstStyle/>
+          <a:p>
+            <a:pPr marL="0" marR="0" lvl="0" indent="0" algn="ctr" defTabSz="914400" rtl="0" eaLnBrk="1" fontAlgn="auto" latinLnBrk="0" hangingPunct="1">
+              <a:lnSpc>
+                <a:spcPct val="100000"/>
+              </a:lnSpc>
+              <a:spcBef>
+                <a:spcPts val="0"/>
+              </a:spcBef>
+              <a:spcAft>
+                <a:spcPts val="0"/>
+              </a:spcAft>
+              <a:buClrTx/>
+              <a:buSzTx/>
+              <a:buFontTx/>
+              <a:buNone/>
+              <a:tabLst/>
+              <a:defRPr/>
+            </a:pPr>
+            <a:endParaRPr kumimoji="0" lang="en-US" sz="1800" b="0" i="0" u="none" strike="noStrike" kern="1200" cap="none" spc="0" normalizeH="0" baseline="0" noProof="0">
+              <a:ln>
+                <a:noFill/>
+              </a:ln>
+              <a:solidFill>
+                <a:prstClr val="white"/>
+              </a:solidFill>
+              <a:effectLst/>
+              <a:uLnTx/>
+              <a:uFillTx/>
+              <a:latin typeface="Calibri" panose="020F0502020204030204"/>
+              <a:ea typeface="+mn-ea"/>
+              <a:cs typeface="+mn-cs"/>
+            </a:endParaRPr>
+          </a:p>
+        </p:txBody>
+      </p:sp>
+      <p:sp>
+        <p:nvSpPr>
+          <p:cNvPr id="2" name="TextBox 1">
+            <a:extLst>
+              <a:ext uri="{FF2B5EF4-FFF2-40B4-BE49-F238E27FC236}">
+                <a16:creationId xmlns:a16="http://schemas.microsoft.com/office/drawing/2014/main" id="{66ADC08C-C92D-764C-30BB-CB51F12373E8}"/>
+              </a:ext>
+            </a:extLst>
+          </p:cNvPr>
+          <p:cNvSpPr txBox="1"/>
+          <p:nvPr/>
+        </p:nvSpPr>
+        <p:spPr>
+          <a:xfrm>
+            <a:off x="868680" y="405575"/>
+            <a:ext cx="5001768" cy="1371600"/>
+          </a:xfrm>
+          <a:prstGeom prst="rect">
+            <a:avLst/>
+          </a:prstGeom>
+        </p:spPr>
+        <p:txBody>
+          <a:bodyPr vert="horz" lIns="91440" tIns="45720" rIns="91440" bIns="45720" rtlCol="0" anchor="ctr">
+            <a:normAutofit/>
+          </a:bodyPr>
+          <a:lstStyle/>
+          <a:p>
+            <a:pPr>
+              <a:lnSpc>
+                <a:spcPct val="90000"/>
+              </a:lnSpc>
+              <a:spcBef>
+                <a:spcPct val="0"/>
+              </a:spcBef>
+              <a:spcAft>
+                <a:spcPts val="600"/>
+              </a:spcAft>
+            </a:pPr>
+            <a:r>
+              <a:rPr lang="en-US" sz="3600" b="1" dirty="0">
+                <a:latin typeface="+mj-lt"/>
+                <a:ea typeface="+mj-ea"/>
+                <a:cs typeface="+mj-cs"/>
+              </a:rPr>
+              <a:t>How did you come to this conclusion? Part 2</a:t>
+            </a:r>
+          </a:p>
+        </p:txBody>
+      </p:sp>
+      <p:sp>
+        <p:nvSpPr>
+          <p:cNvPr id="27" name="Rectangle 26">
+            <a:extLst>
+              <a:ext uri="{FF2B5EF4-FFF2-40B4-BE49-F238E27FC236}">
+                <a16:creationId xmlns:a16="http://schemas.microsoft.com/office/drawing/2014/main" id="{2568BC19-F052-4108-93E1-6A3D1DEC072F}"/>
+              </a:ext>
+              <a:ext uri="{C183D7F6-B498-43B3-948B-1728B52AA6E4}">
+                <adec:decorative xmlns:adec="http://schemas.microsoft.com/office/drawing/2017/decorative" val="1"/>
+              </a:ext>
+            </a:extLst>
+          </p:cNvPr>
+          <p:cNvSpPr>
+            <a:spLocks noGrp="1" noRot="1" noChangeAspect="1" noMove="1" noResize="1" noEditPoints="1" noAdjustHandles="1" noChangeArrowheads="1" noChangeShapeType="1" noTextEdit="1"/>
+          </p:cNvSpPr>
+          <p:nvPr>
+            <p:extLst>
+              <p:ext uri="{386F3935-93C4-4BCD-93E2-E3B085C9AB24}">
+                <p16:designElem xmlns:p16="http://schemas.microsoft.com/office/powerpoint/2015/main" val="1"/>
+              </p:ext>
+            </p:extLst>
+          </p:nvPr>
+        </p:nvSpPr>
+        <p:spPr>
+          <a:xfrm>
+            <a:off x="494784" y="764424"/>
+            <a:ext cx="128016" cy="653903"/>
+          </a:xfrm>
+          <a:prstGeom prst="rect">
+            <a:avLst/>
+          </a:prstGeom>
+          <a:solidFill>
+            <a:schemeClr val="accent2"/>
+          </a:solidFill>
+          <a:ln>
+            <a:noFill/>
+          </a:ln>
+        </p:spPr>
+        <p:style>
+          <a:lnRef idx="2">
+            <a:schemeClr val="accent1">
+              <a:shade val="50000"/>
+            </a:schemeClr>
+          </a:lnRef>
+          <a:fillRef idx="1">
+            <a:schemeClr val="accent1"/>
+          </a:fillRef>
+          <a:effectRef idx="0">
+            <a:schemeClr val="accent1"/>
+          </a:effectRef>
+          <a:fontRef idx="minor">
+            <a:schemeClr val="lt1"/>
+          </a:fontRef>
+        </p:style>
+        <p:txBody>
+          <a:bodyPr rtlCol="0" anchor="ctr"/>
+          <a:lstStyle/>
+          <a:p>
+            <a:pPr marL="0" marR="0" lvl="0" indent="0" algn="ctr" defTabSz="914400" rtl="0" eaLnBrk="1" fontAlgn="auto" latinLnBrk="0" hangingPunct="1">
+              <a:lnSpc>
+                <a:spcPct val="100000"/>
+              </a:lnSpc>
+              <a:spcBef>
+                <a:spcPts val="0"/>
+              </a:spcBef>
+              <a:spcAft>
+                <a:spcPts val="0"/>
+              </a:spcAft>
+              <a:buClrTx/>
+              <a:buSzTx/>
+              <a:buFontTx/>
+              <a:buNone/>
+              <a:tabLst/>
+              <a:defRPr/>
+            </a:pPr>
+            <a:endParaRPr kumimoji="0" lang="en-US" sz="1800" b="0" i="0" u="none" strike="noStrike" kern="1200" cap="none" spc="0" normalizeH="0" baseline="0" noProof="0">
+              <a:ln>
+                <a:noFill/>
+              </a:ln>
+              <a:solidFill>
+                <a:prstClr val="white"/>
+              </a:solidFill>
+              <a:effectLst/>
+              <a:uLnTx/>
+              <a:uFillTx/>
+              <a:latin typeface="Calibri" panose="020F0502020204030204"/>
+              <a:ea typeface="+mn-ea"/>
+              <a:cs typeface="+mn-cs"/>
+            </a:endParaRPr>
+          </a:p>
+        </p:txBody>
+      </p:sp>
+      <p:sp>
+        <p:nvSpPr>
+          <p:cNvPr id="26" name="Rectangle 25">
+            <a:extLst>
+              <a:ext uri="{FF2B5EF4-FFF2-40B4-BE49-F238E27FC236}">
+                <a16:creationId xmlns:a16="http://schemas.microsoft.com/office/drawing/2014/main" id="{D5FD337D-4D6B-4C8B-B6F5-121097E09881}"/>
+              </a:ext>
+              <a:ext uri="{C183D7F6-B498-43B3-948B-1728B52AA6E4}">
+                <adec:decorative xmlns:adec="http://schemas.microsoft.com/office/drawing/2017/decorative" val="1"/>
+              </a:ext>
+            </a:extLst>
+          </p:cNvPr>
+          <p:cNvSpPr>
+            <a:spLocks noGrp="1" noRot="1" noChangeAspect="1" noMove="1" noResize="1" noEditPoints="1" noAdjustHandles="1" noChangeArrowheads="1" noChangeShapeType="1" noTextEdit="1"/>
+          </p:cNvSpPr>
+          <p:nvPr>
+            <p:extLst>
+              <p:ext uri="{386F3935-93C4-4BCD-93E2-E3B085C9AB24}">
+                <p16:designElem xmlns:p16="http://schemas.microsoft.com/office/powerpoint/2015/main" val="1"/>
+              </p:ext>
+            </p:extLst>
+          </p:nvPr>
+        </p:nvSpPr>
+        <p:spPr>
+          <a:xfrm rot="5400000">
+            <a:off x="5582412" y="1067264"/>
+            <a:ext cx="1021458" cy="18288"/>
+          </a:xfrm>
+          <a:prstGeom prst="rect">
+            <a:avLst/>
+          </a:prstGeom>
+          <a:solidFill>
+            <a:srgbClr val="D5D5D5"/>
+          </a:solidFill>
+          <a:ln w="3175">
+            <a:noFill/>
+          </a:ln>
+          <a:effectLst/>
+        </p:spPr>
+        <p:style>
+          <a:lnRef idx="2">
+            <a:schemeClr val="accent1">
+              <a:shade val="50000"/>
+            </a:schemeClr>
+          </a:lnRef>
+          <a:fillRef idx="1">
+            <a:schemeClr val="accent1"/>
+          </a:fillRef>
+          <a:effectRef idx="0">
+            <a:schemeClr val="accent1"/>
+          </a:effectRef>
+          <a:fontRef idx="minor">
+            <a:schemeClr val="lt1"/>
+          </a:fontRef>
+        </p:style>
+        <p:txBody>
+          <a:bodyPr rtlCol="0" anchor="ctr"/>
+          <a:lstStyle/>
+          <a:p>
+            <a:pPr marL="0" marR="0" lvl="0" indent="0" algn="ctr" defTabSz="914400" rtl="0" eaLnBrk="1" fontAlgn="auto" latinLnBrk="0" hangingPunct="1">
+              <a:lnSpc>
+                <a:spcPct val="100000"/>
+              </a:lnSpc>
+              <a:spcBef>
+                <a:spcPts val="0"/>
+              </a:spcBef>
+              <a:spcAft>
+                <a:spcPts val="0"/>
+              </a:spcAft>
+              <a:buClrTx/>
+              <a:buSzTx/>
+              <a:buFontTx/>
+              <a:buNone/>
+              <a:tabLst/>
+              <a:defRPr/>
+            </a:pPr>
+            <a:endParaRPr kumimoji="0" lang="en-US" sz="1800" b="0" i="0" u="none" strike="noStrike" kern="1200" cap="none" spc="0" normalizeH="0" baseline="0" noProof="0">
+              <a:ln>
+                <a:noFill/>
+              </a:ln>
+              <a:solidFill>
+                <a:prstClr val="white"/>
+              </a:solidFill>
+              <a:effectLst/>
+              <a:uLnTx/>
+              <a:uFillTx/>
+              <a:latin typeface="Calibri" panose="020F0502020204030204"/>
+              <a:ea typeface="+mn-ea"/>
+              <a:cs typeface="+mn-cs"/>
+            </a:endParaRPr>
+          </a:p>
+        </p:txBody>
+      </p:sp>
+      <p:sp>
+        <p:nvSpPr>
+          <p:cNvPr id="16" name="TextBox 15">
+            <a:extLst>
+              <a:ext uri="{FF2B5EF4-FFF2-40B4-BE49-F238E27FC236}">
+                <a16:creationId xmlns:a16="http://schemas.microsoft.com/office/drawing/2014/main" id="{AD4FF6B7-2B7D-B6DB-AB0A-2E52AC909532}"/>
+              </a:ext>
+            </a:extLst>
+          </p:cNvPr>
+          <p:cNvSpPr txBox="1"/>
+          <p:nvPr/>
+        </p:nvSpPr>
+        <p:spPr>
+          <a:xfrm>
+            <a:off x="6937265" y="625284"/>
+            <a:ext cx="4684917" cy="923330"/>
+          </a:xfrm>
+          <a:prstGeom prst="rect">
+            <a:avLst/>
+          </a:prstGeom>
+          <a:noFill/>
+        </p:spPr>
+        <p:txBody>
+          <a:bodyPr wrap="square" rtlCol="0">
+            <a:spAutoFit/>
+          </a:bodyPr>
+          <a:lstStyle/>
+          <a:p>
+            <a:r>
+              <a:rPr lang="en-US" b="1" i="1" u="sng" dirty="0"/>
+              <a:t>The amount of wildfire smoke Leavenworth receives is increasing. This is partially supported by AQI measurements. </a:t>
+            </a:r>
+          </a:p>
+        </p:txBody>
+      </p:sp>
+      <p:cxnSp>
+        <p:nvCxnSpPr>
+          <p:cNvPr id="28" name="Straight Connector 27">
+            <a:extLst>
+              <a:ext uri="{FF2B5EF4-FFF2-40B4-BE49-F238E27FC236}">
+                <a16:creationId xmlns:a16="http://schemas.microsoft.com/office/drawing/2014/main" id="{24B7F0DE-6171-E38E-E93A-FCCBC92F4DD8}"/>
+              </a:ext>
+            </a:extLst>
+          </p:cNvPr>
+          <p:cNvCxnSpPr/>
+          <p:nvPr/>
+        </p:nvCxnSpPr>
+        <p:spPr>
+          <a:xfrm>
+            <a:off x="6083997" y="2126827"/>
+            <a:ext cx="9144" cy="4483946"/>
+          </a:xfrm>
+          <a:prstGeom prst="line">
+            <a:avLst/>
+          </a:prstGeom>
+        </p:spPr>
+        <p:style>
+          <a:lnRef idx="1">
+            <a:schemeClr val="accent1"/>
+          </a:lnRef>
+          <a:fillRef idx="0">
+            <a:schemeClr val="accent1"/>
+          </a:fillRef>
+          <a:effectRef idx="0">
+            <a:schemeClr val="accent1"/>
+          </a:effectRef>
+          <a:fontRef idx="minor">
+            <a:schemeClr val="tx1"/>
+          </a:fontRef>
+        </p:style>
+      </p:cxnSp>
+      <p:pic>
+        <p:nvPicPr>
+          <p:cNvPr id="3" name="Picture 2">
+            <a:extLst>
+              <a:ext uri="{FF2B5EF4-FFF2-40B4-BE49-F238E27FC236}">
+                <a16:creationId xmlns:a16="http://schemas.microsoft.com/office/drawing/2014/main" id="{9A073705-FDEA-00AF-0C10-9FDB52DDCA2F}"/>
+              </a:ext>
+            </a:extLst>
+          </p:cNvPr>
+          <p:cNvPicPr>
+            <a:picLocks noChangeAspect="1"/>
+          </p:cNvPicPr>
+          <p:nvPr/>
+        </p:nvPicPr>
+        <p:blipFill>
+          <a:blip r:embed="rId3"/>
+          <a:stretch>
+            <a:fillRect/>
+          </a:stretch>
+        </p:blipFill>
+        <p:spPr>
+          <a:xfrm>
+            <a:off x="6463762" y="2787202"/>
+            <a:ext cx="5718811" cy="3845985"/>
+          </a:xfrm>
+          <a:prstGeom prst="rect">
+            <a:avLst/>
+          </a:prstGeom>
+        </p:spPr>
+      </p:pic>
+      <p:sp>
+        <p:nvSpPr>
+          <p:cNvPr id="4" name="TextBox 3">
+            <a:extLst>
+              <a:ext uri="{FF2B5EF4-FFF2-40B4-BE49-F238E27FC236}">
+                <a16:creationId xmlns:a16="http://schemas.microsoft.com/office/drawing/2014/main" id="{0E1D0FEA-758B-008D-D224-D03253EB4E70}"/>
+              </a:ext>
+            </a:extLst>
+          </p:cNvPr>
+          <p:cNvSpPr txBox="1"/>
+          <p:nvPr/>
+        </p:nvSpPr>
+        <p:spPr>
+          <a:xfrm>
+            <a:off x="6910546" y="2009411"/>
+            <a:ext cx="4738356" cy="646331"/>
+          </a:xfrm>
+          <a:prstGeom prst="rect">
+            <a:avLst/>
+          </a:prstGeom>
+          <a:noFill/>
+        </p:spPr>
+        <p:txBody>
+          <a:bodyPr wrap="square" rtlCol="0">
+            <a:spAutoFit/>
+          </a:bodyPr>
+          <a:lstStyle/>
+          <a:p>
+            <a:r>
+              <a:rPr lang="en-US" dirty="0"/>
+              <a:t>Custom smoke estimates + projection model predicts a slight increase in smoke through 2050.</a:t>
+            </a:r>
+          </a:p>
+        </p:txBody>
+      </p:sp>
+      <p:pic>
+        <p:nvPicPr>
+          <p:cNvPr id="8" name="Picture 7">
+            <a:extLst>
+              <a:ext uri="{FF2B5EF4-FFF2-40B4-BE49-F238E27FC236}">
+                <a16:creationId xmlns:a16="http://schemas.microsoft.com/office/drawing/2014/main" id="{8DA7F14E-5A30-FEF2-725E-3A2E1BED843C}"/>
+              </a:ext>
+            </a:extLst>
+          </p:cNvPr>
+          <p:cNvPicPr>
+            <a:picLocks noChangeAspect="1"/>
+          </p:cNvPicPr>
+          <p:nvPr/>
+        </p:nvPicPr>
+        <p:blipFill>
+          <a:blip r:embed="rId4"/>
+          <a:stretch>
+            <a:fillRect/>
+          </a:stretch>
+        </p:blipFill>
+        <p:spPr>
+          <a:xfrm>
+            <a:off x="302709" y="2832839"/>
+            <a:ext cx="5324550" cy="3919218"/>
+          </a:xfrm>
+          <a:prstGeom prst="rect">
+            <a:avLst/>
+          </a:prstGeom>
+        </p:spPr>
+      </p:pic>
+      <p:sp>
+        <p:nvSpPr>
+          <p:cNvPr id="9" name="TextBox 8">
+            <a:extLst>
+              <a:ext uri="{FF2B5EF4-FFF2-40B4-BE49-F238E27FC236}">
+                <a16:creationId xmlns:a16="http://schemas.microsoft.com/office/drawing/2014/main" id="{9851115E-37E7-7C41-5806-5E782EF7D88C}"/>
+              </a:ext>
+            </a:extLst>
+          </p:cNvPr>
+          <p:cNvSpPr txBox="1"/>
+          <p:nvPr/>
+        </p:nvSpPr>
+        <p:spPr>
+          <a:xfrm>
+            <a:off x="470805" y="2138828"/>
+            <a:ext cx="5797518" cy="369332"/>
+          </a:xfrm>
+          <a:prstGeom prst="rect">
+            <a:avLst/>
+          </a:prstGeom>
+          <a:noFill/>
+        </p:spPr>
+        <p:txBody>
+          <a:bodyPr wrap="square" rtlCol="0">
+            <a:spAutoFit/>
+          </a:bodyPr>
+          <a:lstStyle/>
+          <a:p>
+            <a:r>
+              <a:rPr lang="en-US" dirty="0"/>
+              <a:t>The AQI has been steadily increasing in Leavenworth.</a:t>
+            </a:r>
+          </a:p>
+        </p:txBody>
+      </p:sp>
+      <p:cxnSp>
+        <p:nvCxnSpPr>
+          <p:cNvPr id="11" name="Straight Connector 10">
+            <a:extLst>
+              <a:ext uri="{FF2B5EF4-FFF2-40B4-BE49-F238E27FC236}">
+                <a16:creationId xmlns:a16="http://schemas.microsoft.com/office/drawing/2014/main" id="{2CA7B9C4-7F7E-938D-A9AD-6F80793A646B}"/>
+              </a:ext>
+            </a:extLst>
+          </p:cNvPr>
+          <p:cNvCxnSpPr/>
+          <p:nvPr/>
+        </p:nvCxnSpPr>
+        <p:spPr>
+          <a:xfrm>
+            <a:off x="868680" y="3690026"/>
+            <a:ext cx="4481533" cy="0"/>
+          </a:xfrm>
+          <a:prstGeom prst="line">
+            <a:avLst/>
+          </a:prstGeom>
+        </p:spPr>
+        <p:style>
+          <a:lnRef idx="1">
+            <a:schemeClr val="accent4"/>
+          </a:lnRef>
+          <a:fillRef idx="0">
+            <a:schemeClr val="accent4"/>
+          </a:fillRef>
+          <a:effectRef idx="0">
+            <a:schemeClr val="accent4"/>
+          </a:effectRef>
+          <a:fontRef idx="minor">
+            <a:schemeClr val="tx1"/>
+          </a:fontRef>
+        </p:style>
+      </p:cxnSp>
+      <p:sp>
+        <p:nvSpPr>
+          <p:cNvPr id="12" name="TextBox 11">
+            <a:extLst>
+              <a:ext uri="{FF2B5EF4-FFF2-40B4-BE49-F238E27FC236}">
+                <a16:creationId xmlns:a16="http://schemas.microsoft.com/office/drawing/2014/main" id="{16E02E39-DBAD-E7CB-E9F7-4DF49C6128FE}"/>
+              </a:ext>
+            </a:extLst>
+          </p:cNvPr>
+          <p:cNvSpPr txBox="1"/>
+          <p:nvPr/>
+        </p:nvSpPr>
+        <p:spPr>
+          <a:xfrm>
+            <a:off x="833313" y="3356543"/>
+            <a:ext cx="2568102" cy="369332"/>
+          </a:xfrm>
+          <a:prstGeom prst="rect">
+            <a:avLst/>
+          </a:prstGeom>
+          <a:noFill/>
+        </p:spPr>
+        <p:txBody>
+          <a:bodyPr wrap="square" rtlCol="0">
+            <a:spAutoFit/>
+          </a:bodyPr>
+          <a:lstStyle/>
+          <a:p>
+            <a:r>
+              <a:rPr lang="en-US" dirty="0"/>
+              <a:t>‘Moderate’ safety level</a:t>
+            </a:r>
+          </a:p>
+        </p:txBody>
+      </p:sp>
+      <p:sp>
+        <p:nvSpPr>
+          <p:cNvPr id="14" name="TextBox 13">
+            <a:extLst>
+              <a:ext uri="{FF2B5EF4-FFF2-40B4-BE49-F238E27FC236}">
+                <a16:creationId xmlns:a16="http://schemas.microsoft.com/office/drawing/2014/main" id="{89939380-9B0A-8CC9-60DA-6E45542C9B95}"/>
+              </a:ext>
+            </a:extLst>
+          </p:cNvPr>
+          <p:cNvSpPr txBox="1"/>
+          <p:nvPr/>
+        </p:nvSpPr>
+        <p:spPr>
+          <a:xfrm>
+            <a:off x="833313" y="3703359"/>
+            <a:ext cx="2568102" cy="369332"/>
+          </a:xfrm>
+          <a:prstGeom prst="rect">
+            <a:avLst/>
+          </a:prstGeom>
+          <a:noFill/>
+        </p:spPr>
+        <p:txBody>
+          <a:bodyPr wrap="square" rtlCol="0">
+            <a:spAutoFit/>
+          </a:bodyPr>
+          <a:lstStyle/>
+          <a:p>
+            <a:r>
+              <a:rPr lang="en-US" dirty="0"/>
+              <a:t>‘Good’ safety level</a:t>
+            </a:r>
+          </a:p>
+        </p:txBody>
+      </p:sp>
     </p:spTree>
     <p:extLst>
       <p:ext uri="{BB962C8B-B14F-4D97-AF65-F5344CB8AC3E}">
-        <p14:creationId xmlns:p14="http://schemas.microsoft.com/office/powerpoint/2010/main" val="4202406743"/>
+        <p14:creationId xmlns:p14="http://schemas.microsoft.com/office/powerpoint/2010/main" val="3108540874"/>
       </p:ext>
     </p:extLst>
   </p:cSld>
@@ -4756,6 +8893,14 @@
 <file path=ppt/slides/slide7.xml><?xml version="1.0" encoding="utf-8"?>
 <p:sld xmlns:a="http://schemas.openxmlformats.org/drawingml/2006/main" xmlns:r="http://schemas.openxmlformats.org/officeDocument/2006/relationships" xmlns:p="http://schemas.openxmlformats.org/presentationml/2006/main">
   <p:cSld>
+    <p:bg>
+      <p:bgPr>
+        <a:solidFill>
+          <a:schemeClr val="bg1"/>
+        </a:solidFill>
+        <a:effectLst/>
+      </p:bgPr>
+    </p:bg>
     <p:spTree>
       <p:nvGrpSpPr>
         <p:cNvPr id="1" name=""/>
@@ -4770,10 +8915,624 @@
           <a:chExt cx="0" cy="0"/>
         </a:xfrm>
       </p:grpSpPr>
+      <p:sp useBgFill="1">
+        <p:nvSpPr>
+          <p:cNvPr id="20" name="Rectangle 19">
+            <a:extLst>
+              <a:ext uri="{FF2B5EF4-FFF2-40B4-BE49-F238E27FC236}">
+                <a16:creationId xmlns:a16="http://schemas.microsoft.com/office/drawing/2014/main" id="{25549E48-55B4-43FA-96F3-A3F777E0F295}"/>
+              </a:ext>
+              <a:ext uri="{C183D7F6-B498-43B3-948B-1728B52AA6E4}">
+                <adec:decorative xmlns:adec="http://schemas.microsoft.com/office/drawing/2017/decorative" val="1"/>
+              </a:ext>
+            </a:extLst>
+          </p:cNvPr>
+          <p:cNvSpPr>
+            <a:spLocks noGrp="1" noRot="1" noChangeAspect="1" noMove="1" noResize="1" noEditPoints="1" noAdjustHandles="1" noChangeArrowheads="1" noChangeShapeType="1" noTextEdit="1"/>
+          </p:cNvSpPr>
+          <p:nvPr>
+            <p:extLst>
+              <p:ext uri="{386F3935-93C4-4BCD-93E2-E3B085C9AB24}">
+                <p16:designElem xmlns:p16="http://schemas.microsoft.com/office/powerpoint/2015/main" val="1"/>
+              </p:ext>
+            </p:extLst>
+          </p:nvPr>
+        </p:nvSpPr>
+        <p:spPr>
+          <a:xfrm>
+            <a:off x="0" y="0"/>
+            <a:ext cx="12192000" cy="6858000"/>
+          </a:xfrm>
+          <a:prstGeom prst="rect">
+            <a:avLst/>
+          </a:prstGeom>
+          <a:ln>
+            <a:noFill/>
+          </a:ln>
+        </p:spPr>
+        <p:style>
+          <a:lnRef idx="2">
+            <a:schemeClr val="accent1">
+              <a:shade val="50000"/>
+            </a:schemeClr>
+          </a:lnRef>
+          <a:fillRef idx="1">
+            <a:schemeClr val="accent1"/>
+          </a:fillRef>
+          <a:effectRef idx="0">
+            <a:schemeClr val="accent1"/>
+          </a:effectRef>
+          <a:fontRef idx="minor">
+            <a:schemeClr val="lt1"/>
+          </a:fontRef>
+        </p:style>
+        <p:txBody>
+          <a:bodyPr rtlCol="0" anchor="ctr"/>
+          <a:lstStyle/>
+          <a:p>
+            <a:pPr algn="ctr"/>
+            <a:endParaRPr lang="en-US"/>
+          </a:p>
+        </p:txBody>
+      </p:sp>
+      <p:sp useBgFill="1">
+        <p:nvSpPr>
+          <p:cNvPr id="22" name="Rectangle 21">
+            <a:extLst>
+              <a:ext uri="{FF2B5EF4-FFF2-40B4-BE49-F238E27FC236}">
+                <a16:creationId xmlns:a16="http://schemas.microsoft.com/office/drawing/2014/main" id="{0ADDB668-2CA4-4D2B-9C34-3487CA330BA8}"/>
+              </a:ext>
+              <a:ext uri="{C183D7F6-B498-43B3-948B-1728B52AA6E4}">
+                <adec:decorative xmlns:adec="http://schemas.microsoft.com/office/drawing/2017/decorative" val="1"/>
+              </a:ext>
+            </a:extLst>
+          </p:cNvPr>
+          <p:cNvSpPr>
+            <a:spLocks noGrp="1" noRot="1" noChangeAspect="1" noMove="1" noResize="1" noEditPoints="1" noAdjustHandles="1" noChangeArrowheads="1" noChangeShapeType="1" noTextEdit="1"/>
+          </p:cNvSpPr>
+          <p:nvPr>
+            <p:extLst>
+              <p:ext uri="{386F3935-93C4-4BCD-93E2-E3B085C9AB24}">
+                <p16:designElem xmlns:p16="http://schemas.microsoft.com/office/powerpoint/2015/main" val="1"/>
+              </p:ext>
+            </p:extLst>
+          </p:nvPr>
+        </p:nvSpPr>
+        <p:spPr>
+          <a:xfrm>
+            <a:off x="551553" y="304802"/>
+            <a:ext cx="11097349" cy="1573149"/>
+          </a:xfrm>
+          <a:prstGeom prst="rect">
+            <a:avLst/>
+          </a:prstGeom>
+          <a:ln w="12700">
+            <a:solidFill>
+              <a:srgbClr val="DEDEDE"/>
+            </a:solidFill>
+          </a:ln>
+          <a:effectLst>
+            <a:outerShdw blurRad="50800" dist="38100" dir="2700000" algn="tl" rotWithShape="0">
+              <a:schemeClr val="bg2">
+                <a:lumMod val="85000"/>
+                <a:alpha val="50000"/>
+              </a:schemeClr>
+            </a:outerShdw>
+          </a:effectLst>
+        </p:spPr>
+        <p:style>
+          <a:lnRef idx="2">
+            <a:schemeClr val="accent1">
+              <a:shade val="50000"/>
+            </a:schemeClr>
+          </a:lnRef>
+          <a:fillRef idx="1">
+            <a:schemeClr val="accent1"/>
+          </a:fillRef>
+          <a:effectRef idx="0">
+            <a:schemeClr val="accent1"/>
+          </a:effectRef>
+          <a:fontRef idx="minor">
+            <a:schemeClr val="lt1"/>
+          </a:fontRef>
+        </p:style>
+        <p:txBody>
+          <a:bodyPr rtlCol="0" anchor="ctr"/>
+          <a:lstStyle/>
+          <a:p>
+            <a:pPr marL="0" marR="0" lvl="0" indent="0" algn="ctr" defTabSz="914400" rtl="0" eaLnBrk="1" fontAlgn="auto" latinLnBrk="0" hangingPunct="1">
+              <a:lnSpc>
+                <a:spcPct val="100000"/>
+              </a:lnSpc>
+              <a:spcBef>
+                <a:spcPts val="0"/>
+              </a:spcBef>
+              <a:spcAft>
+                <a:spcPts val="0"/>
+              </a:spcAft>
+              <a:buClrTx/>
+              <a:buSzTx/>
+              <a:buFontTx/>
+              <a:buNone/>
+              <a:tabLst/>
+              <a:defRPr/>
+            </a:pPr>
+            <a:endParaRPr kumimoji="0" lang="en-US" sz="1800" b="0" i="0" u="none" strike="noStrike" kern="1200" cap="none" spc="0" normalizeH="0" baseline="0" noProof="0">
+              <a:ln>
+                <a:noFill/>
+              </a:ln>
+              <a:solidFill>
+                <a:prstClr val="white"/>
+              </a:solidFill>
+              <a:effectLst/>
+              <a:uLnTx/>
+              <a:uFillTx/>
+              <a:latin typeface="Calibri" panose="020F0502020204030204"/>
+              <a:ea typeface="+mn-ea"/>
+              <a:cs typeface="+mn-cs"/>
+            </a:endParaRPr>
+          </a:p>
+        </p:txBody>
+      </p:sp>
+      <p:sp>
+        <p:nvSpPr>
+          <p:cNvPr id="2" name="TextBox 1">
+            <a:extLst>
+              <a:ext uri="{FF2B5EF4-FFF2-40B4-BE49-F238E27FC236}">
+                <a16:creationId xmlns:a16="http://schemas.microsoft.com/office/drawing/2014/main" id="{66ADC08C-C92D-764C-30BB-CB51F12373E8}"/>
+              </a:ext>
+            </a:extLst>
+          </p:cNvPr>
+          <p:cNvSpPr txBox="1"/>
+          <p:nvPr/>
+        </p:nvSpPr>
+        <p:spPr>
+          <a:xfrm>
+            <a:off x="868680" y="405575"/>
+            <a:ext cx="5001768" cy="1371600"/>
+          </a:xfrm>
+          <a:prstGeom prst="rect">
+            <a:avLst/>
+          </a:prstGeom>
+        </p:spPr>
+        <p:txBody>
+          <a:bodyPr vert="horz" lIns="91440" tIns="45720" rIns="91440" bIns="45720" rtlCol="0" anchor="ctr">
+            <a:normAutofit/>
+          </a:bodyPr>
+          <a:lstStyle/>
+          <a:p>
+            <a:pPr>
+              <a:lnSpc>
+                <a:spcPct val="90000"/>
+              </a:lnSpc>
+              <a:spcBef>
+                <a:spcPct val="0"/>
+              </a:spcBef>
+              <a:spcAft>
+                <a:spcPts val="600"/>
+              </a:spcAft>
+            </a:pPr>
+            <a:r>
+              <a:rPr lang="en-US" sz="3600" b="1" dirty="0">
+                <a:latin typeface="+mj-lt"/>
+                <a:ea typeface="+mj-ea"/>
+                <a:cs typeface="+mj-cs"/>
+              </a:rPr>
+              <a:t>How did you come to this conclusion? Part 3</a:t>
+            </a:r>
+          </a:p>
+        </p:txBody>
+      </p:sp>
+      <p:sp>
+        <p:nvSpPr>
+          <p:cNvPr id="27" name="Rectangle 26">
+            <a:extLst>
+              <a:ext uri="{FF2B5EF4-FFF2-40B4-BE49-F238E27FC236}">
+                <a16:creationId xmlns:a16="http://schemas.microsoft.com/office/drawing/2014/main" id="{2568BC19-F052-4108-93E1-6A3D1DEC072F}"/>
+              </a:ext>
+              <a:ext uri="{C183D7F6-B498-43B3-948B-1728B52AA6E4}">
+                <adec:decorative xmlns:adec="http://schemas.microsoft.com/office/drawing/2017/decorative" val="1"/>
+              </a:ext>
+            </a:extLst>
+          </p:cNvPr>
+          <p:cNvSpPr>
+            <a:spLocks noGrp="1" noRot="1" noChangeAspect="1" noMove="1" noResize="1" noEditPoints="1" noAdjustHandles="1" noChangeArrowheads="1" noChangeShapeType="1" noTextEdit="1"/>
+          </p:cNvSpPr>
+          <p:nvPr>
+            <p:extLst>
+              <p:ext uri="{386F3935-93C4-4BCD-93E2-E3B085C9AB24}">
+                <p16:designElem xmlns:p16="http://schemas.microsoft.com/office/powerpoint/2015/main" val="1"/>
+              </p:ext>
+            </p:extLst>
+          </p:nvPr>
+        </p:nvSpPr>
+        <p:spPr>
+          <a:xfrm>
+            <a:off x="494784" y="764424"/>
+            <a:ext cx="128016" cy="653903"/>
+          </a:xfrm>
+          <a:prstGeom prst="rect">
+            <a:avLst/>
+          </a:prstGeom>
+          <a:solidFill>
+            <a:schemeClr val="accent2"/>
+          </a:solidFill>
+          <a:ln>
+            <a:noFill/>
+          </a:ln>
+        </p:spPr>
+        <p:style>
+          <a:lnRef idx="2">
+            <a:schemeClr val="accent1">
+              <a:shade val="50000"/>
+            </a:schemeClr>
+          </a:lnRef>
+          <a:fillRef idx="1">
+            <a:schemeClr val="accent1"/>
+          </a:fillRef>
+          <a:effectRef idx="0">
+            <a:schemeClr val="accent1"/>
+          </a:effectRef>
+          <a:fontRef idx="minor">
+            <a:schemeClr val="lt1"/>
+          </a:fontRef>
+        </p:style>
+        <p:txBody>
+          <a:bodyPr rtlCol="0" anchor="ctr"/>
+          <a:lstStyle/>
+          <a:p>
+            <a:pPr marL="0" marR="0" lvl="0" indent="0" algn="ctr" defTabSz="914400" rtl="0" eaLnBrk="1" fontAlgn="auto" latinLnBrk="0" hangingPunct="1">
+              <a:lnSpc>
+                <a:spcPct val="100000"/>
+              </a:lnSpc>
+              <a:spcBef>
+                <a:spcPts val="0"/>
+              </a:spcBef>
+              <a:spcAft>
+                <a:spcPts val="0"/>
+              </a:spcAft>
+              <a:buClrTx/>
+              <a:buSzTx/>
+              <a:buFontTx/>
+              <a:buNone/>
+              <a:tabLst/>
+              <a:defRPr/>
+            </a:pPr>
+            <a:endParaRPr kumimoji="0" lang="en-US" sz="1800" b="0" i="0" u="none" strike="noStrike" kern="1200" cap="none" spc="0" normalizeH="0" baseline="0" noProof="0">
+              <a:ln>
+                <a:noFill/>
+              </a:ln>
+              <a:solidFill>
+                <a:prstClr val="white"/>
+              </a:solidFill>
+              <a:effectLst/>
+              <a:uLnTx/>
+              <a:uFillTx/>
+              <a:latin typeface="Calibri" panose="020F0502020204030204"/>
+              <a:ea typeface="+mn-ea"/>
+              <a:cs typeface="+mn-cs"/>
+            </a:endParaRPr>
+          </a:p>
+        </p:txBody>
+      </p:sp>
+      <p:sp>
+        <p:nvSpPr>
+          <p:cNvPr id="26" name="Rectangle 25">
+            <a:extLst>
+              <a:ext uri="{FF2B5EF4-FFF2-40B4-BE49-F238E27FC236}">
+                <a16:creationId xmlns:a16="http://schemas.microsoft.com/office/drawing/2014/main" id="{D5FD337D-4D6B-4C8B-B6F5-121097E09881}"/>
+              </a:ext>
+              <a:ext uri="{C183D7F6-B498-43B3-948B-1728B52AA6E4}">
+                <adec:decorative xmlns:adec="http://schemas.microsoft.com/office/drawing/2017/decorative" val="1"/>
+              </a:ext>
+            </a:extLst>
+          </p:cNvPr>
+          <p:cNvSpPr>
+            <a:spLocks noGrp="1" noRot="1" noChangeAspect="1" noMove="1" noResize="1" noEditPoints="1" noAdjustHandles="1" noChangeArrowheads="1" noChangeShapeType="1" noTextEdit="1"/>
+          </p:cNvSpPr>
+          <p:nvPr>
+            <p:extLst>
+              <p:ext uri="{386F3935-93C4-4BCD-93E2-E3B085C9AB24}">
+                <p16:designElem xmlns:p16="http://schemas.microsoft.com/office/powerpoint/2015/main" val="1"/>
+              </p:ext>
+            </p:extLst>
+          </p:nvPr>
+        </p:nvSpPr>
+        <p:spPr>
+          <a:xfrm rot="5400000">
+            <a:off x="5582412" y="1067264"/>
+            <a:ext cx="1021458" cy="18288"/>
+          </a:xfrm>
+          <a:prstGeom prst="rect">
+            <a:avLst/>
+          </a:prstGeom>
+          <a:solidFill>
+            <a:srgbClr val="D5D5D5"/>
+          </a:solidFill>
+          <a:ln w="3175">
+            <a:noFill/>
+          </a:ln>
+          <a:effectLst/>
+        </p:spPr>
+        <p:style>
+          <a:lnRef idx="2">
+            <a:schemeClr val="accent1">
+              <a:shade val="50000"/>
+            </a:schemeClr>
+          </a:lnRef>
+          <a:fillRef idx="1">
+            <a:schemeClr val="accent1"/>
+          </a:fillRef>
+          <a:effectRef idx="0">
+            <a:schemeClr val="accent1"/>
+          </a:effectRef>
+          <a:fontRef idx="minor">
+            <a:schemeClr val="lt1"/>
+          </a:fontRef>
+        </p:style>
+        <p:txBody>
+          <a:bodyPr rtlCol="0" anchor="ctr"/>
+          <a:lstStyle/>
+          <a:p>
+            <a:pPr marL="0" marR="0" lvl="0" indent="0" algn="ctr" defTabSz="914400" rtl="0" eaLnBrk="1" fontAlgn="auto" latinLnBrk="0" hangingPunct="1">
+              <a:lnSpc>
+                <a:spcPct val="100000"/>
+              </a:lnSpc>
+              <a:spcBef>
+                <a:spcPts val="0"/>
+              </a:spcBef>
+              <a:spcAft>
+                <a:spcPts val="0"/>
+              </a:spcAft>
+              <a:buClrTx/>
+              <a:buSzTx/>
+              <a:buFontTx/>
+              <a:buNone/>
+              <a:tabLst/>
+              <a:defRPr/>
+            </a:pPr>
+            <a:endParaRPr kumimoji="0" lang="en-US" sz="1800" b="0" i="0" u="none" strike="noStrike" kern="1200" cap="none" spc="0" normalizeH="0" baseline="0" noProof="0">
+              <a:ln>
+                <a:noFill/>
+              </a:ln>
+              <a:solidFill>
+                <a:prstClr val="white"/>
+              </a:solidFill>
+              <a:effectLst/>
+              <a:uLnTx/>
+              <a:uFillTx/>
+              <a:latin typeface="Calibri" panose="020F0502020204030204"/>
+              <a:ea typeface="+mn-ea"/>
+              <a:cs typeface="+mn-cs"/>
+            </a:endParaRPr>
+          </a:p>
+        </p:txBody>
+      </p:sp>
+      <p:cxnSp>
+        <p:nvCxnSpPr>
+          <p:cNvPr id="28" name="Straight Connector 27">
+            <a:extLst>
+              <a:ext uri="{FF2B5EF4-FFF2-40B4-BE49-F238E27FC236}">
+                <a16:creationId xmlns:a16="http://schemas.microsoft.com/office/drawing/2014/main" id="{24B7F0DE-6171-E38E-E93A-FCCBC92F4DD8}"/>
+              </a:ext>
+            </a:extLst>
+          </p:cNvPr>
+          <p:cNvCxnSpPr/>
+          <p:nvPr/>
+        </p:nvCxnSpPr>
+        <p:spPr>
+          <a:xfrm>
+            <a:off x="6083997" y="2126827"/>
+            <a:ext cx="9144" cy="4483946"/>
+          </a:xfrm>
+          <a:prstGeom prst="line">
+            <a:avLst/>
+          </a:prstGeom>
+        </p:spPr>
+        <p:style>
+          <a:lnRef idx="1">
+            <a:schemeClr val="accent1"/>
+          </a:lnRef>
+          <a:fillRef idx="0">
+            <a:schemeClr val="accent1"/>
+          </a:fillRef>
+          <a:effectRef idx="0">
+            <a:schemeClr val="accent1"/>
+          </a:effectRef>
+          <a:fontRef idx="minor">
+            <a:schemeClr val="tx1"/>
+          </a:fontRef>
+        </p:style>
+      </p:cxnSp>
+      <p:sp>
+        <p:nvSpPr>
+          <p:cNvPr id="11" name="TextBox 10">
+            <a:extLst>
+              <a:ext uri="{FF2B5EF4-FFF2-40B4-BE49-F238E27FC236}">
+                <a16:creationId xmlns:a16="http://schemas.microsoft.com/office/drawing/2014/main" id="{FF7B3CD6-7851-F161-8D54-6373C8B96604}"/>
+              </a:ext>
+            </a:extLst>
+          </p:cNvPr>
+          <p:cNvSpPr txBox="1"/>
+          <p:nvPr/>
+        </p:nvSpPr>
+        <p:spPr>
+          <a:xfrm>
+            <a:off x="6830716" y="565679"/>
+            <a:ext cx="4684917" cy="1200329"/>
+          </a:xfrm>
+          <a:prstGeom prst="rect">
+            <a:avLst/>
+          </a:prstGeom>
+          <a:noFill/>
+        </p:spPr>
+        <p:txBody>
+          <a:bodyPr wrap="square" rtlCol="0">
+            <a:spAutoFit/>
+          </a:bodyPr>
+          <a:lstStyle/>
+          <a:p>
+            <a:r>
+              <a:rPr lang="en-US" b="1" i="1" u="sng" dirty="0"/>
+              <a:t>Long term exposure to wildfire smoke exacerbates health issues. Thus, the increasing smoke will lead to increased Emergency Department (ED) visits.</a:t>
+            </a:r>
+          </a:p>
+        </p:txBody>
+      </p:sp>
+      <p:sp>
+        <p:nvSpPr>
+          <p:cNvPr id="12" name="TextBox 11">
+            <a:extLst>
+              <a:ext uri="{FF2B5EF4-FFF2-40B4-BE49-F238E27FC236}">
+                <a16:creationId xmlns:a16="http://schemas.microsoft.com/office/drawing/2014/main" id="{B9881E70-8109-C681-C312-17383A5F21B6}"/>
+              </a:ext>
+            </a:extLst>
+          </p:cNvPr>
+          <p:cNvSpPr txBox="1"/>
+          <p:nvPr/>
+        </p:nvSpPr>
+        <p:spPr>
+          <a:xfrm>
+            <a:off x="494784" y="2299429"/>
+            <a:ext cx="4844725" cy="1323439"/>
+          </a:xfrm>
+          <a:prstGeom prst="rect">
+            <a:avLst/>
+          </a:prstGeom>
+          <a:noFill/>
+        </p:spPr>
+        <p:txBody>
+          <a:bodyPr wrap="square" rtlCol="0">
+            <a:spAutoFit/>
+          </a:bodyPr>
+          <a:lstStyle/>
+          <a:p>
+            <a:r>
+              <a:rPr lang="en-US" sz="2000" dirty="0"/>
+              <a:t>Wildfire smoke increases the number of ED visits, especially for those with specific health conditions. This work considered five specific causes for ED visits.</a:t>
+            </a:r>
+          </a:p>
+        </p:txBody>
+      </p:sp>
+      <p:sp>
+        <p:nvSpPr>
+          <p:cNvPr id="13" name="TextBox 12">
+            <a:extLst>
+              <a:ext uri="{FF2B5EF4-FFF2-40B4-BE49-F238E27FC236}">
+                <a16:creationId xmlns:a16="http://schemas.microsoft.com/office/drawing/2014/main" id="{E4E0E309-303E-E1D3-3D01-8D9E5BB9FD1D}"/>
+              </a:ext>
+            </a:extLst>
+          </p:cNvPr>
+          <p:cNvSpPr txBox="1"/>
+          <p:nvPr/>
+        </p:nvSpPr>
+        <p:spPr>
+          <a:xfrm>
+            <a:off x="551553" y="4276899"/>
+            <a:ext cx="5110034" cy="1754326"/>
+          </a:xfrm>
+          <a:prstGeom prst="rect">
+            <a:avLst/>
+          </a:prstGeom>
+          <a:noFill/>
+        </p:spPr>
+        <p:txBody>
+          <a:bodyPr wrap="square" rtlCol="0">
+            <a:spAutoFit/>
+          </a:bodyPr>
+          <a:lstStyle/>
+          <a:p>
+            <a:r>
+              <a:rPr lang="en-US" u="sng" dirty="0"/>
+              <a:t>Percent increases in ED visits due to wildfire smoke</a:t>
+            </a:r>
+          </a:p>
+          <a:p>
+            <a:pPr marL="285750" indent="-285750">
+              <a:buFont typeface="Arial" panose="020B0604020202020204" pitchFamily="34" charset="0"/>
+              <a:buChar char="•"/>
+            </a:pPr>
+            <a:r>
+              <a:rPr lang="en-US" dirty="0"/>
+              <a:t>CVD – 1.05%</a:t>
+            </a:r>
+          </a:p>
+          <a:p>
+            <a:pPr marL="285750" indent="-285750">
+              <a:buFont typeface="Arial" panose="020B0604020202020204" pitchFamily="34" charset="0"/>
+              <a:buChar char="•"/>
+            </a:pPr>
+            <a:r>
+              <a:rPr lang="en-US" dirty="0"/>
+              <a:t>COPD – 1.39%</a:t>
+            </a:r>
+          </a:p>
+          <a:p>
+            <a:pPr marL="285750" indent="-285750">
+              <a:buFont typeface="Arial" panose="020B0604020202020204" pitchFamily="34" charset="0"/>
+              <a:buChar char="•"/>
+            </a:pPr>
+            <a:r>
+              <a:rPr lang="en-US" dirty="0"/>
+              <a:t>Asthma – 2.2% </a:t>
+            </a:r>
+          </a:p>
+          <a:p>
+            <a:pPr marL="285750" indent="-285750">
+              <a:buFont typeface="Arial" panose="020B0604020202020204" pitchFamily="34" charset="0"/>
+              <a:buChar char="•"/>
+            </a:pPr>
+            <a:r>
+              <a:rPr lang="en-US" dirty="0"/>
+              <a:t>Stroke – 11%</a:t>
+            </a:r>
+          </a:p>
+          <a:p>
+            <a:pPr marL="285750" indent="-285750">
+              <a:buFont typeface="Arial" panose="020B0604020202020204" pitchFamily="34" charset="0"/>
+              <a:buChar char="•"/>
+            </a:pPr>
+            <a:r>
+              <a:rPr lang="en-US" dirty="0"/>
+              <a:t>Heart attack – 42%</a:t>
+            </a:r>
+          </a:p>
+        </p:txBody>
+      </p:sp>
+      <p:pic>
+        <p:nvPicPr>
+          <p:cNvPr id="19" name="Picture 18">
+            <a:extLst>
+              <a:ext uri="{FF2B5EF4-FFF2-40B4-BE49-F238E27FC236}">
+                <a16:creationId xmlns:a16="http://schemas.microsoft.com/office/drawing/2014/main" id="{4F4495C8-71B6-2DDA-0990-FC7FB57866C8}"/>
+              </a:ext>
+            </a:extLst>
+          </p:cNvPr>
+          <p:cNvPicPr>
+            <a:picLocks noChangeAspect="1"/>
+          </p:cNvPicPr>
+          <p:nvPr/>
+        </p:nvPicPr>
+        <p:blipFill>
+          <a:blip r:embed="rId3"/>
+          <a:stretch>
+            <a:fillRect/>
+          </a:stretch>
+        </p:blipFill>
+        <p:spPr>
+          <a:xfrm>
+            <a:off x="6148527" y="2299429"/>
+            <a:ext cx="5988087" cy="3959287"/>
+          </a:xfrm>
+          <a:prstGeom prst="rect">
+            <a:avLst/>
+          </a:prstGeom>
+        </p:spPr>
+      </p:pic>
     </p:spTree>
     <p:extLst>
       <p:ext uri="{BB962C8B-B14F-4D97-AF65-F5344CB8AC3E}">
-        <p14:creationId xmlns:p14="http://schemas.microsoft.com/office/powerpoint/2010/main" val="1564858369"/>
+        <p14:creationId xmlns:p14="http://schemas.microsoft.com/office/powerpoint/2010/main" val="3553901413"/>
       </p:ext>
     </p:extLst>
   </p:cSld>
@@ -4786,6 +9545,14 @@
 <file path=ppt/slides/slide8.xml><?xml version="1.0" encoding="utf-8"?>
 <p:sld xmlns:a="http://schemas.openxmlformats.org/drawingml/2006/main" xmlns:r="http://schemas.openxmlformats.org/officeDocument/2006/relationships" xmlns:p="http://schemas.openxmlformats.org/presentationml/2006/main">
   <p:cSld>
+    <p:bg>
+      <p:bgPr>
+        <a:solidFill>
+          <a:schemeClr val="bg1"/>
+        </a:solidFill>
+        <a:effectLst/>
+      </p:bgPr>
+    </p:bg>
     <p:spTree>
       <p:nvGrpSpPr>
         <p:cNvPr id="1" name=""/>
@@ -4800,10 +9567,391 @@
           <a:chExt cx="0" cy="0"/>
         </a:xfrm>
       </p:grpSpPr>
+      <p:sp useBgFill="1">
+        <p:nvSpPr>
+          <p:cNvPr id="13" name="Rectangle 12">
+            <a:extLst>
+              <a:ext uri="{FF2B5EF4-FFF2-40B4-BE49-F238E27FC236}">
+                <a16:creationId xmlns:a16="http://schemas.microsoft.com/office/drawing/2014/main" id="{AFF8D2E5-2C4E-47B1-930B-6C82B7C31331}"/>
+              </a:ext>
+              <a:ext uri="{C183D7F6-B498-43B3-948B-1728B52AA6E4}">
+                <adec:decorative xmlns:adec="http://schemas.microsoft.com/office/drawing/2017/decorative" val="1"/>
+              </a:ext>
+            </a:extLst>
+          </p:cNvPr>
+          <p:cNvSpPr>
+            <a:spLocks noGrp="1" noRot="1" noChangeAspect="1" noMove="1" noResize="1" noEditPoints="1" noAdjustHandles="1" noChangeArrowheads="1" noChangeShapeType="1" noTextEdit="1"/>
+          </p:cNvSpPr>
+          <p:nvPr>
+            <p:extLst>
+              <p:ext uri="{386F3935-93C4-4BCD-93E2-E3B085C9AB24}">
+                <p16:designElem xmlns:p16="http://schemas.microsoft.com/office/powerpoint/2015/main" val="1"/>
+              </p:ext>
+            </p:extLst>
+          </p:nvPr>
+        </p:nvSpPr>
+        <p:spPr>
+          <a:xfrm>
+            <a:off x="0" y="0"/>
+            <a:ext cx="12192000" cy="6858000"/>
+          </a:xfrm>
+          <a:prstGeom prst="rect">
+            <a:avLst/>
+          </a:prstGeom>
+          <a:ln>
+            <a:noFill/>
+          </a:ln>
+        </p:spPr>
+        <p:style>
+          <a:lnRef idx="2">
+            <a:schemeClr val="accent1">
+              <a:shade val="50000"/>
+            </a:schemeClr>
+          </a:lnRef>
+          <a:fillRef idx="1">
+            <a:schemeClr val="accent1"/>
+          </a:fillRef>
+          <a:effectRef idx="0">
+            <a:schemeClr val="accent1"/>
+          </a:effectRef>
+          <a:fontRef idx="minor">
+            <a:schemeClr val="lt1"/>
+          </a:fontRef>
+        </p:style>
+        <p:txBody>
+          <a:bodyPr rtlCol="0" anchor="ctr"/>
+          <a:lstStyle/>
+          <a:p>
+            <a:pPr algn="ctr"/>
+            <a:endParaRPr lang="en-US"/>
+          </a:p>
+        </p:txBody>
+      </p:sp>
+      <p:sp>
+        <p:nvSpPr>
+          <p:cNvPr id="5" name="TextBox 4">
+            <a:extLst>
+              <a:ext uri="{FF2B5EF4-FFF2-40B4-BE49-F238E27FC236}">
+                <a16:creationId xmlns:a16="http://schemas.microsoft.com/office/drawing/2014/main" id="{899648D2-0259-CE8C-D183-1BD96BC0695B}"/>
+              </a:ext>
+            </a:extLst>
+          </p:cNvPr>
+          <p:cNvSpPr txBox="1"/>
+          <p:nvPr/>
+        </p:nvSpPr>
+        <p:spPr>
+          <a:xfrm>
+            <a:off x="1814014" y="301208"/>
+            <a:ext cx="10506456" cy="1010264"/>
+          </a:xfrm>
+          <a:prstGeom prst="rect">
+            <a:avLst/>
+          </a:prstGeom>
+        </p:spPr>
+        <p:txBody>
+          <a:bodyPr vert="horz" lIns="91440" tIns="45720" rIns="91440" bIns="45720" rtlCol="0" anchor="ctr">
+            <a:normAutofit/>
+          </a:bodyPr>
+          <a:lstStyle/>
+          <a:p>
+            <a:pPr>
+              <a:lnSpc>
+                <a:spcPct val="90000"/>
+              </a:lnSpc>
+              <a:spcBef>
+                <a:spcPct val="0"/>
+              </a:spcBef>
+              <a:spcAft>
+                <a:spcPts val="600"/>
+              </a:spcAft>
+            </a:pPr>
+            <a:r>
+              <a:rPr lang="en-US" sz="4400" kern="1200" dirty="0">
+                <a:solidFill>
+                  <a:schemeClr val="tx1"/>
+                </a:solidFill>
+                <a:latin typeface="+mj-lt"/>
+                <a:ea typeface="+mj-ea"/>
+                <a:cs typeface="+mj-cs"/>
+              </a:rPr>
+              <a:t>Implications of more ED visits Part 1</a:t>
+            </a:r>
+          </a:p>
+        </p:txBody>
+      </p:sp>
+      <p:sp>
+        <p:nvSpPr>
+          <p:cNvPr id="15" name="Rectangle 14">
+            <a:extLst>
+              <a:ext uri="{FF2B5EF4-FFF2-40B4-BE49-F238E27FC236}">
+                <a16:creationId xmlns:a16="http://schemas.microsoft.com/office/drawing/2014/main" id="{801E4ADA-0EA9-4930-846E-3C11E8BED6DD}"/>
+              </a:ext>
+              <a:ext uri="{C183D7F6-B498-43B3-948B-1728B52AA6E4}">
+                <adec:decorative xmlns:adec="http://schemas.microsoft.com/office/drawing/2017/decorative" val="1"/>
+              </a:ext>
+            </a:extLst>
+          </p:cNvPr>
+          <p:cNvSpPr>
+            <a:spLocks noGrp="1" noRot="1" noChangeAspect="1" noMove="1" noResize="1" noEditPoints="1" noAdjustHandles="1" noChangeArrowheads="1" noChangeShapeType="1" noTextEdit="1"/>
+          </p:cNvSpPr>
+          <p:nvPr>
+            <p:extLst>
+              <p:ext uri="{386F3935-93C4-4BCD-93E2-E3B085C9AB24}">
+                <p16:designElem xmlns:p16="http://schemas.microsoft.com/office/powerpoint/2015/main" val="1"/>
+              </p:ext>
+            </p:extLst>
+          </p:nvPr>
+        </p:nvSpPr>
+        <p:spPr>
+          <a:xfrm>
+            <a:off x="0" y="417618"/>
+            <a:ext cx="128016" cy="631415"/>
+          </a:xfrm>
+          <a:prstGeom prst="rect">
+            <a:avLst/>
+          </a:prstGeom>
+          <a:solidFill>
+            <a:schemeClr val="accent2"/>
+          </a:solidFill>
+          <a:ln>
+            <a:noFill/>
+          </a:ln>
+        </p:spPr>
+        <p:style>
+          <a:lnRef idx="2">
+            <a:schemeClr val="accent1">
+              <a:shade val="50000"/>
+            </a:schemeClr>
+          </a:lnRef>
+          <a:fillRef idx="1">
+            <a:schemeClr val="accent1"/>
+          </a:fillRef>
+          <a:effectRef idx="0">
+            <a:schemeClr val="accent1"/>
+          </a:effectRef>
+          <a:fontRef idx="minor">
+            <a:schemeClr val="lt1"/>
+          </a:fontRef>
+        </p:style>
+        <p:txBody>
+          <a:bodyPr rtlCol="0" anchor="ctr"/>
+          <a:lstStyle/>
+          <a:p>
+            <a:pPr marL="0" marR="0" lvl="0" indent="0" algn="ctr" defTabSz="914400" rtl="0" eaLnBrk="1" fontAlgn="auto" latinLnBrk="0" hangingPunct="1">
+              <a:lnSpc>
+                <a:spcPct val="100000"/>
+              </a:lnSpc>
+              <a:spcBef>
+                <a:spcPts val="0"/>
+              </a:spcBef>
+              <a:spcAft>
+                <a:spcPts val="0"/>
+              </a:spcAft>
+              <a:buClrTx/>
+              <a:buSzTx/>
+              <a:buFontTx/>
+              <a:buNone/>
+              <a:tabLst/>
+              <a:defRPr/>
+            </a:pPr>
+            <a:endParaRPr kumimoji="0" lang="en-US" sz="1800" b="0" i="0" u="none" strike="noStrike" kern="1200" cap="none" spc="0" normalizeH="0" baseline="0" noProof="0">
+              <a:ln>
+                <a:noFill/>
+              </a:ln>
+              <a:solidFill>
+                <a:prstClr val="white"/>
+              </a:solidFill>
+              <a:effectLst/>
+              <a:uLnTx/>
+              <a:uFillTx/>
+              <a:latin typeface="Calibri" panose="020F0502020204030204"/>
+              <a:ea typeface="+mn-ea"/>
+              <a:cs typeface="+mn-cs"/>
+            </a:endParaRPr>
+          </a:p>
+        </p:txBody>
+      </p:sp>
+      <p:sp>
+        <p:nvSpPr>
+          <p:cNvPr id="17" name="Rectangle 16">
+            <a:extLst>
+              <a:ext uri="{FF2B5EF4-FFF2-40B4-BE49-F238E27FC236}">
+                <a16:creationId xmlns:a16="http://schemas.microsoft.com/office/drawing/2014/main" id="{FB92FFCE-0C90-454E-AA25-D4EE9A6C39C5}"/>
+              </a:ext>
+              <a:ext uri="{C183D7F6-B498-43B3-948B-1728B52AA6E4}">
+                <adec:decorative xmlns:adec="http://schemas.microsoft.com/office/drawing/2017/decorative" val="1"/>
+              </a:ext>
+            </a:extLst>
+          </p:cNvPr>
+          <p:cNvSpPr>
+            <a:spLocks noGrp="1" noRot="1" noChangeAspect="1" noMove="1" noResize="1" noEditPoints="1" noAdjustHandles="1" noChangeArrowheads="1" noChangeShapeType="1" noTextEdit="1"/>
+          </p:cNvSpPr>
+          <p:nvPr>
+            <p:extLst>
+              <p:ext uri="{386F3935-93C4-4BCD-93E2-E3B085C9AB24}">
+                <p16:designElem xmlns:p16="http://schemas.microsoft.com/office/powerpoint/2015/main" val="1"/>
+              </p:ext>
+            </p:extLst>
+          </p:nvPr>
+        </p:nvSpPr>
+        <p:spPr>
+          <a:xfrm>
+            <a:off x="841248" y="1380864"/>
+            <a:ext cx="10506456" cy="18288"/>
+          </a:xfrm>
+          <a:prstGeom prst="rect">
+            <a:avLst/>
+          </a:prstGeom>
+          <a:solidFill>
+            <a:srgbClr val="D5D5D5"/>
+          </a:solidFill>
+          <a:ln w="3175">
+            <a:noFill/>
+          </a:ln>
+          <a:effectLst/>
+        </p:spPr>
+        <p:style>
+          <a:lnRef idx="2">
+            <a:schemeClr val="accent1">
+              <a:shade val="50000"/>
+            </a:schemeClr>
+          </a:lnRef>
+          <a:fillRef idx="1">
+            <a:schemeClr val="accent1"/>
+          </a:fillRef>
+          <a:effectRef idx="0">
+            <a:schemeClr val="accent1"/>
+          </a:effectRef>
+          <a:fontRef idx="minor">
+            <a:schemeClr val="lt1"/>
+          </a:fontRef>
+        </p:style>
+        <p:txBody>
+          <a:bodyPr rtlCol="0" anchor="ctr"/>
+          <a:lstStyle/>
+          <a:p>
+            <a:pPr algn="ctr"/>
+            <a:endParaRPr lang="en-US">
+              <a:solidFill>
+                <a:prstClr val="white"/>
+              </a:solidFill>
+              <a:latin typeface="Calibri" panose="020F0502020204030204"/>
+            </a:endParaRPr>
+          </a:p>
+        </p:txBody>
+      </p:sp>
+      <p:pic>
+        <p:nvPicPr>
+          <p:cNvPr id="4" name="Picture 3">
+            <a:extLst>
+              <a:ext uri="{FF2B5EF4-FFF2-40B4-BE49-F238E27FC236}">
+                <a16:creationId xmlns:a16="http://schemas.microsoft.com/office/drawing/2014/main" id="{7751AD97-787E-15DB-45BC-B08B72121943}"/>
+              </a:ext>
+            </a:extLst>
+          </p:cNvPr>
+          <p:cNvPicPr>
+            <a:picLocks noChangeAspect="1"/>
+          </p:cNvPicPr>
+          <p:nvPr/>
+        </p:nvPicPr>
+        <p:blipFill>
+          <a:blip r:embed="rId2"/>
+          <a:stretch>
+            <a:fillRect/>
+          </a:stretch>
+        </p:blipFill>
+        <p:spPr>
+          <a:xfrm>
+            <a:off x="6326243" y="2499356"/>
+            <a:ext cx="5567443" cy="3784120"/>
+          </a:xfrm>
+          <a:prstGeom prst="rect">
+            <a:avLst/>
+          </a:prstGeom>
+        </p:spPr>
+      </p:pic>
+      <p:sp>
+        <p:nvSpPr>
+          <p:cNvPr id="8" name="TextBox 7">
+            <a:extLst>
+              <a:ext uri="{FF2B5EF4-FFF2-40B4-BE49-F238E27FC236}">
+                <a16:creationId xmlns:a16="http://schemas.microsoft.com/office/drawing/2014/main" id="{453ED0A5-572E-FB78-6E5B-2252C9A76358}"/>
+              </a:ext>
+            </a:extLst>
+          </p:cNvPr>
+          <p:cNvSpPr txBox="1"/>
+          <p:nvPr/>
+        </p:nvSpPr>
+        <p:spPr>
+          <a:xfrm>
+            <a:off x="204637" y="1580305"/>
+            <a:ext cx="11779677" cy="523220"/>
+          </a:xfrm>
+          <a:prstGeom prst="rect">
+            <a:avLst/>
+          </a:prstGeom>
+          <a:noFill/>
+        </p:spPr>
+        <p:txBody>
+          <a:bodyPr wrap="square" rtlCol="0">
+            <a:spAutoFit/>
+          </a:bodyPr>
+          <a:lstStyle/>
+          <a:p>
+            <a:pPr algn="ctr" defTabSz="768096">
+              <a:spcAft>
+                <a:spcPts val="600"/>
+              </a:spcAft>
+            </a:pPr>
+            <a:r>
+              <a:rPr lang="en-US" sz="2800" kern="1200" dirty="0">
+                <a:solidFill>
+                  <a:schemeClr val="tx1"/>
+                </a:solidFill>
+                <a:latin typeface="+mn-lt"/>
+                <a:ea typeface="+mn-ea"/>
+                <a:cs typeface="+mn-cs"/>
+              </a:rPr>
+              <a:t>More money spent. Combined with less insurance in recent years</a:t>
+            </a:r>
+            <a:endParaRPr lang="en-US" sz="3200" dirty="0"/>
+          </a:p>
+        </p:txBody>
+      </p:sp>
+      <p:pic>
+        <p:nvPicPr>
+          <p:cNvPr id="22" name="Picture 21">
+            <a:extLst>
+              <a:ext uri="{FF2B5EF4-FFF2-40B4-BE49-F238E27FC236}">
+                <a16:creationId xmlns:a16="http://schemas.microsoft.com/office/drawing/2014/main" id="{8D8E936D-0F2D-0AA3-7B13-FBCDE3B16049}"/>
+              </a:ext>
+            </a:extLst>
+          </p:cNvPr>
+          <p:cNvPicPr>
+            <a:picLocks noChangeAspect="1"/>
+          </p:cNvPicPr>
+          <p:nvPr/>
+        </p:nvPicPr>
+        <p:blipFill>
+          <a:blip r:embed="rId3"/>
+          <a:stretch>
+            <a:fillRect/>
+          </a:stretch>
+        </p:blipFill>
+        <p:spPr>
+          <a:xfrm>
+            <a:off x="498011" y="2396125"/>
+            <a:ext cx="5828232" cy="3990582"/>
+          </a:xfrm>
+          <a:prstGeom prst="rect">
+            <a:avLst/>
+          </a:prstGeom>
+        </p:spPr>
+      </p:pic>
     </p:spTree>
     <p:extLst>
       <p:ext uri="{BB962C8B-B14F-4D97-AF65-F5344CB8AC3E}">
-        <p14:creationId xmlns:p14="http://schemas.microsoft.com/office/powerpoint/2010/main" val="1569529826"/>
+        <p14:creationId xmlns:p14="http://schemas.microsoft.com/office/powerpoint/2010/main" val="1564858369"/>
       </p:ext>
     </p:extLst>
   </p:cSld>
@@ -4816,6 +9964,14 @@
 <file path=ppt/slides/slide9.xml><?xml version="1.0" encoding="utf-8"?>
 <p:sld xmlns:a="http://schemas.openxmlformats.org/drawingml/2006/main" xmlns:r="http://schemas.openxmlformats.org/officeDocument/2006/relationships" xmlns:p="http://schemas.openxmlformats.org/presentationml/2006/main">
   <p:cSld>
+    <p:bg>
+      <p:bgPr>
+        <a:solidFill>
+          <a:schemeClr val="bg1"/>
+        </a:solidFill>
+        <a:effectLst/>
+      </p:bgPr>
+    </p:bg>
     <p:spTree>
       <p:nvGrpSpPr>
         <p:cNvPr id="1" name=""/>
@@ -4830,10 +9986,348 @@
           <a:chExt cx="0" cy="0"/>
         </a:xfrm>
       </p:grpSpPr>
+      <p:sp useBgFill="1">
+        <p:nvSpPr>
+          <p:cNvPr id="13" name="Rectangle 12">
+            <a:extLst>
+              <a:ext uri="{FF2B5EF4-FFF2-40B4-BE49-F238E27FC236}">
+                <a16:creationId xmlns:a16="http://schemas.microsoft.com/office/drawing/2014/main" id="{AFF8D2E5-2C4E-47B1-930B-6C82B7C31331}"/>
+              </a:ext>
+              <a:ext uri="{C183D7F6-B498-43B3-948B-1728B52AA6E4}">
+                <adec:decorative xmlns:adec="http://schemas.microsoft.com/office/drawing/2017/decorative" val="1"/>
+              </a:ext>
+            </a:extLst>
+          </p:cNvPr>
+          <p:cNvSpPr>
+            <a:spLocks noGrp="1" noRot="1" noChangeAspect="1" noMove="1" noResize="1" noEditPoints="1" noAdjustHandles="1" noChangeArrowheads="1" noChangeShapeType="1" noTextEdit="1"/>
+          </p:cNvSpPr>
+          <p:nvPr>
+            <p:extLst>
+              <p:ext uri="{386F3935-93C4-4BCD-93E2-E3B085C9AB24}">
+                <p16:designElem xmlns:p16="http://schemas.microsoft.com/office/powerpoint/2015/main" val="1"/>
+              </p:ext>
+            </p:extLst>
+          </p:nvPr>
+        </p:nvSpPr>
+        <p:spPr>
+          <a:xfrm>
+            <a:off x="0" y="0"/>
+            <a:ext cx="12192000" cy="6858000"/>
+          </a:xfrm>
+          <a:prstGeom prst="rect">
+            <a:avLst/>
+          </a:prstGeom>
+          <a:ln>
+            <a:noFill/>
+          </a:ln>
+        </p:spPr>
+        <p:style>
+          <a:lnRef idx="2">
+            <a:schemeClr val="accent1">
+              <a:shade val="50000"/>
+            </a:schemeClr>
+          </a:lnRef>
+          <a:fillRef idx="1">
+            <a:schemeClr val="accent1"/>
+          </a:fillRef>
+          <a:effectRef idx="0">
+            <a:schemeClr val="accent1"/>
+          </a:effectRef>
+          <a:fontRef idx="minor">
+            <a:schemeClr val="lt1"/>
+          </a:fontRef>
+        </p:style>
+        <p:txBody>
+          <a:bodyPr rtlCol="0" anchor="ctr"/>
+          <a:lstStyle/>
+          <a:p>
+            <a:pPr algn="ctr"/>
+            <a:endParaRPr lang="en-US"/>
+          </a:p>
+        </p:txBody>
+      </p:sp>
+      <p:sp>
+        <p:nvSpPr>
+          <p:cNvPr id="5" name="TextBox 4">
+            <a:extLst>
+              <a:ext uri="{FF2B5EF4-FFF2-40B4-BE49-F238E27FC236}">
+                <a16:creationId xmlns:a16="http://schemas.microsoft.com/office/drawing/2014/main" id="{899648D2-0259-CE8C-D183-1BD96BC0695B}"/>
+              </a:ext>
+            </a:extLst>
+          </p:cNvPr>
+          <p:cNvSpPr txBox="1"/>
+          <p:nvPr/>
+        </p:nvSpPr>
+        <p:spPr>
+          <a:xfrm>
+            <a:off x="1814014" y="301208"/>
+            <a:ext cx="10506456" cy="1010264"/>
+          </a:xfrm>
+          <a:prstGeom prst="rect">
+            <a:avLst/>
+          </a:prstGeom>
+        </p:spPr>
+        <p:txBody>
+          <a:bodyPr vert="horz" lIns="91440" tIns="45720" rIns="91440" bIns="45720" rtlCol="0" anchor="ctr">
+            <a:normAutofit/>
+          </a:bodyPr>
+          <a:lstStyle/>
+          <a:p>
+            <a:pPr>
+              <a:lnSpc>
+                <a:spcPct val="90000"/>
+              </a:lnSpc>
+              <a:spcBef>
+                <a:spcPct val="0"/>
+              </a:spcBef>
+              <a:spcAft>
+                <a:spcPts val="600"/>
+              </a:spcAft>
+            </a:pPr>
+            <a:r>
+              <a:rPr lang="en-US" sz="4400" kern="1200" dirty="0">
+                <a:solidFill>
+                  <a:schemeClr val="tx1"/>
+                </a:solidFill>
+                <a:latin typeface="+mj-lt"/>
+                <a:ea typeface="+mj-ea"/>
+                <a:cs typeface="+mj-cs"/>
+              </a:rPr>
+              <a:t>Implications of more ED visits Part 2</a:t>
+            </a:r>
+          </a:p>
+        </p:txBody>
+      </p:sp>
+      <p:sp>
+        <p:nvSpPr>
+          <p:cNvPr id="15" name="Rectangle 14">
+            <a:extLst>
+              <a:ext uri="{FF2B5EF4-FFF2-40B4-BE49-F238E27FC236}">
+                <a16:creationId xmlns:a16="http://schemas.microsoft.com/office/drawing/2014/main" id="{801E4ADA-0EA9-4930-846E-3C11E8BED6DD}"/>
+              </a:ext>
+              <a:ext uri="{C183D7F6-B498-43B3-948B-1728B52AA6E4}">
+                <adec:decorative xmlns:adec="http://schemas.microsoft.com/office/drawing/2017/decorative" val="1"/>
+              </a:ext>
+            </a:extLst>
+          </p:cNvPr>
+          <p:cNvSpPr>
+            <a:spLocks noGrp="1" noRot="1" noChangeAspect="1" noMove="1" noResize="1" noEditPoints="1" noAdjustHandles="1" noChangeArrowheads="1" noChangeShapeType="1" noTextEdit="1"/>
+          </p:cNvSpPr>
+          <p:nvPr>
+            <p:extLst>
+              <p:ext uri="{386F3935-93C4-4BCD-93E2-E3B085C9AB24}">
+                <p16:designElem xmlns:p16="http://schemas.microsoft.com/office/powerpoint/2015/main" val="1"/>
+              </p:ext>
+            </p:extLst>
+          </p:nvPr>
+        </p:nvSpPr>
+        <p:spPr>
+          <a:xfrm>
+            <a:off x="0" y="417618"/>
+            <a:ext cx="128016" cy="631415"/>
+          </a:xfrm>
+          <a:prstGeom prst="rect">
+            <a:avLst/>
+          </a:prstGeom>
+          <a:solidFill>
+            <a:schemeClr val="accent2"/>
+          </a:solidFill>
+          <a:ln>
+            <a:noFill/>
+          </a:ln>
+        </p:spPr>
+        <p:style>
+          <a:lnRef idx="2">
+            <a:schemeClr val="accent1">
+              <a:shade val="50000"/>
+            </a:schemeClr>
+          </a:lnRef>
+          <a:fillRef idx="1">
+            <a:schemeClr val="accent1"/>
+          </a:fillRef>
+          <a:effectRef idx="0">
+            <a:schemeClr val="accent1"/>
+          </a:effectRef>
+          <a:fontRef idx="minor">
+            <a:schemeClr val="lt1"/>
+          </a:fontRef>
+        </p:style>
+        <p:txBody>
+          <a:bodyPr rtlCol="0" anchor="ctr"/>
+          <a:lstStyle/>
+          <a:p>
+            <a:pPr marL="0" marR="0" lvl="0" indent="0" algn="ctr" defTabSz="914400" rtl="0" eaLnBrk="1" fontAlgn="auto" latinLnBrk="0" hangingPunct="1">
+              <a:lnSpc>
+                <a:spcPct val="100000"/>
+              </a:lnSpc>
+              <a:spcBef>
+                <a:spcPts val="0"/>
+              </a:spcBef>
+              <a:spcAft>
+                <a:spcPts val="0"/>
+              </a:spcAft>
+              <a:buClrTx/>
+              <a:buSzTx/>
+              <a:buFontTx/>
+              <a:buNone/>
+              <a:tabLst/>
+              <a:defRPr/>
+            </a:pPr>
+            <a:endParaRPr kumimoji="0" lang="en-US" sz="1800" b="0" i="0" u="none" strike="noStrike" kern="1200" cap="none" spc="0" normalizeH="0" baseline="0" noProof="0">
+              <a:ln>
+                <a:noFill/>
+              </a:ln>
+              <a:solidFill>
+                <a:prstClr val="white"/>
+              </a:solidFill>
+              <a:effectLst/>
+              <a:uLnTx/>
+              <a:uFillTx/>
+              <a:latin typeface="Calibri" panose="020F0502020204030204"/>
+              <a:ea typeface="+mn-ea"/>
+              <a:cs typeface="+mn-cs"/>
+            </a:endParaRPr>
+          </a:p>
+        </p:txBody>
+      </p:sp>
+      <p:sp>
+        <p:nvSpPr>
+          <p:cNvPr id="17" name="Rectangle 16">
+            <a:extLst>
+              <a:ext uri="{FF2B5EF4-FFF2-40B4-BE49-F238E27FC236}">
+                <a16:creationId xmlns:a16="http://schemas.microsoft.com/office/drawing/2014/main" id="{FB92FFCE-0C90-454E-AA25-D4EE9A6C39C5}"/>
+              </a:ext>
+              <a:ext uri="{C183D7F6-B498-43B3-948B-1728B52AA6E4}">
+                <adec:decorative xmlns:adec="http://schemas.microsoft.com/office/drawing/2017/decorative" val="1"/>
+              </a:ext>
+            </a:extLst>
+          </p:cNvPr>
+          <p:cNvSpPr>
+            <a:spLocks noGrp="1" noRot="1" noChangeAspect="1" noMove="1" noResize="1" noEditPoints="1" noAdjustHandles="1" noChangeArrowheads="1" noChangeShapeType="1" noTextEdit="1"/>
+          </p:cNvSpPr>
+          <p:nvPr>
+            <p:extLst>
+              <p:ext uri="{386F3935-93C4-4BCD-93E2-E3B085C9AB24}">
+                <p16:designElem xmlns:p16="http://schemas.microsoft.com/office/powerpoint/2015/main" val="1"/>
+              </p:ext>
+            </p:extLst>
+          </p:nvPr>
+        </p:nvSpPr>
+        <p:spPr>
+          <a:xfrm>
+            <a:off x="841248" y="1380864"/>
+            <a:ext cx="10506456" cy="18288"/>
+          </a:xfrm>
+          <a:prstGeom prst="rect">
+            <a:avLst/>
+          </a:prstGeom>
+          <a:solidFill>
+            <a:srgbClr val="D5D5D5"/>
+          </a:solidFill>
+          <a:ln w="3175">
+            <a:noFill/>
+          </a:ln>
+          <a:effectLst/>
+        </p:spPr>
+        <p:style>
+          <a:lnRef idx="2">
+            <a:schemeClr val="accent1">
+              <a:shade val="50000"/>
+            </a:schemeClr>
+          </a:lnRef>
+          <a:fillRef idx="1">
+            <a:schemeClr val="accent1"/>
+          </a:fillRef>
+          <a:effectRef idx="0">
+            <a:schemeClr val="accent1"/>
+          </a:effectRef>
+          <a:fontRef idx="minor">
+            <a:schemeClr val="lt1"/>
+          </a:fontRef>
+        </p:style>
+        <p:txBody>
+          <a:bodyPr rtlCol="0" anchor="ctr"/>
+          <a:lstStyle/>
+          <a:p>
+            <a:pPr algn="ctr"/>
+            <a:endParaRPr lang="en-US">
+              <a:solidFill>
+                <a:prstClr val="white"/>
+              </a:solidFill>
+              <a:latin typeface="Calibri" panose="020F0502020204030204"/>
+            </a:endParaRPr>
+          </a:p>
+        </p:txBody>
+      </p:sp>
+      <p:sp>
+        <p:nvSpPr>
+          <p:cNvPr id="2" name="TextBox 1">
+            <a:extLst>
+              <a:ext uri="{FF2B5EF4-FFF2-40B4-BE49-F238E27FC236}">
+                <a16:creationId xmlns:a16="http://schemas.microsoft.com/office/drawing/2014/main" id="{5C2B6D04-0D69-FD35-7761-E62DDF303925}"/>
+              </a:ext>
+            </a:extLst>
+          </p:cNvPr>
+          <p:cNvSpPr txBox="1"/>
+          <p:nvPr/>
+        </p:nvSpPr>
+        <p:spPr>
+          <a:xfrm>
+            <a:off x="536689" y="2690907"/>
+            <a:ext cx="4547635" cy="2062103"/>
+          </a:xfrm>
+          <a:prstGeom prst="rect">
+            <a:avLst/>
+          </a:prstGeom>
+          <a:noFill/>
+        </p:spPr>
+        <p:txBody>
+          <a:bodyPr wrap="square" rtlCol="0">
+            <a:spAutoFit/>
+          </a:bodyPr>
+          <a:lstStyle/>
+          <a:p>
+            <a:r>
+              <a:rPr lang="en-US" sz="3200" dirty="0"/>
+              <a:t>Less healthcare workers to keep up with increasing ED visits leads to lowers standards of care.</a:t>
+            </a:r>
+          </a:p>
+        </p:txBody>
+      </p:sp>
+      <p:pic>
+        <p:nvPicPr>
+          <p:cNvPr id="3" name="Picture 2">
+            <a:extLst>
+              <a:ext uri="{FF2B5EF4-FFF2-40B4-BE49-F238E27FC236}">
+                <a16:creationId xmlns:a16="http://schemas.microsoft.com/office/drawing/2014/main" id="{EF58344D-0FB2-6337-A141-53CDA182E2F5}"/>
+              </a:ext>
+            </a:extLst>
+          </p:cNvPr>
+          <p:cNvPicPr>
+            <a:picLocks noChangeAspect="1"/>
+          </p:cNvPicPr>
+          <p:nvPr/>
+        </p:nvPicPr>
+        <p:blipFill>
+          <a:blip r:embed="rId2"/>
+          <a:stretch>
+            <a:fillRect/>
+          </a:stretch>
+        </p:blipFill>
+        <p:spPr>
+          <a:xfrm>
+            <a:off x="5497795" y="1792974"/>
+            <a:ext cx="6451448" cy="4716960"/>
+          </a:xfrm>
+          <a:prstGeom prst="rect">
+            <a:avLst/>
+          </a:prstGeom>
+        </p:spPr>
+      </p:pic>
     </p:spTree>
     <p:extLst>
       <p:ext uri="{BB962C8B-B14F-4D97-AF65-F5344CB8AC3E}">
-        <p14:creationId xmlns:p14="http://schemas.microsoft.com/office/powerpoint/2010/main" val="3499696049"/>
+        <p14:creationId xmlns:p14="http://schemas.microsoft.com/office/powerpoint/2010/main" val="451169245"/>
       </p:ext>
     </p:extLst>
   </p:cSld>

--- a/Reports/Presentation.pptx
+++ b/Reports/Presentation.pptx
@@ -207,7 +207,7 @@
           <a:p>
             <a:fld id="{28AEDC5D-4CB2-4A60-AE7B-3B3F877059C7}" type="datetimeFigureOut">
               <a:rPr lang="en-US" smtClean="0"/>
-              <a:t>11/28/2023</a:t>
+              <a:t>11/29/2023</a:t>
             </a:fld>
             <a:endParaRPr lang="en-US"/>
           </a:p>
@@ -1161,7 +1161,7 @@
           <a:p>
             <a:fld id="{57508EDC-E3F7-49A8-9A12-DA9CCD59B667}" type="datetimeFigureOut">
               <a:rPr lang="en-US" smtClean="0"/>
-              <a:t>11/28/2023</a:t>
+              <a:t>11/29/2023</a:t>
             </a:fld>
             <a:endParaRPr lang="en-US"/>
           </a:p>
@@ -1359,7 +1359,7 @@
           <a:p>
             <a:fld id="{57508EDC-E3F7-49A8-9A12-DA9CCD59B667}" type="datetimeFigureOut">
               <a:rPr lang="en-US" smtClean="0"/>
-              <a:t>11/28/2023</a:t>
+              <a:t>11/29/2023</a:t>
             </a:fld>
             <a:endParaRPr lang="en-US"/>
           </a:p>
@@ -1567,7 +1567,7 @@
           <a:p>
             <a:fld id="{57508EDC-E3F7-49A8-9A12-DA9CCD59B667}" type="datetimeFigureOut">
               <a:rPr lang="en-US" smtClean="0"/>
-              <a:t>11/28/2023</a:t>
+              <a:t>11/29/2023</a:t>
             </a:fld>
             <a:endParaRPr lang="en-US"/>
           </a:p>
@@ -1765,7 +1765,7 @@
           <a:p>
             <a:fld id="{57508EDC-E3F7-49A8-9A12-DA9CCD59B667}" type="datetimeFigureOut">
               <a:rPr lang="en-US" smtClean="0"/>
-              <a:t>11/28/2023</a:t>
+              <a:t>11/29/2023</a:t>
             </a:fld>
             <a:endParaRPr lang="en-US"/>
           </a:p>
@@ -2040,7 +2040,7 @@
           <a:p>
             <a:fld id="{57508EDC-E3F7-49A8-9A12-DA9CCD59B667}" type="datetimeFigureOut">
               <a:rPr lang="en-US" smtClean="0"/>
-              <a:t>11/28/2023</a:t>
+              <a:t>11/29/2023</a:t>
             </a:fld>
             <a:endParaRPr lang="en-US"/>
           </a:p>
@@ -2305,7 +2305,7 @@
           <a:p>
             <a:fld id="{57508EDC-E3F7-49A8-9A12-DA9CCD59B667}" type="datetimeFigureOut">
               <a:rPr lang="en-US" smtClean="0"/>
-              <a:t>11/28/2023</a:t>
+              <a:t>11/29/2023</a:t>
             </a:fld>
             <a:endParaRPr lang="en-US"/>
           </a:p>
@@ -2717,7 +2717,7 @@
           <a:p>
             <a:fld id="{57508EDC-E3F7-49A8-9A12-DA9CCD59B667}" type="datetimeFigureOut">
               <a:rPr lang="en-US" smtClean="0"/>
-              <a:t>11/28/2023</a:t>
+              <a:t>11/29/2023</a:t>
             </a:fld>
             <a:endParaRPr lang="en-US"/>
           </a:p>
@@ -2858,7 +2858,7 @@
           <a:p>
             <a:fld id="{57508EDC-E3F7-49A8-9A12-DA9CCD59B667}" type="datetimeFigureOut">
               <a:rPr lang="en-US" smtClean="0"/>
-              <a:t>11/28/2023</a:t>
+              <a:t>11/29/2023</a:t>
             </a:fld>
             <a:endParaRPr lang="en-US"/>
           </a:p>
@@ -2971,7 +2971,7 @@
           <a:p>
             <a:fld id="{57508EDC-E3F7-49A8-9A12-DA9CCD59B667}" type="datetimeFigureOut">
               <a:rPr lang="en-US" smtClean="0"/>
-              <a:t>11/28/2023</a:t>
+              <a:t>11/29/2023</a:t>
             </a:fld>
             <a:endParaRPr lang="en-US"/>
           </a:p>
@@ -3282,7 +3282,7 @@
           <a:p>
             <a:fld id="{57508EDC-E3F7-49A8-9A12-DA9CCD59B667}" type="datetimeFigureOut">
               <a:rPr lang="en-US" smtClean="0"/>
-              <a:t>11/28/2023</a:t>
+              <a:t>11/29/2023</a:t>
             </a:fld>
             <a:endParaRPr lang="en-US"/>
           </a:p>
@@ -3570,7 +3570,7 @@
           <a:p>
             <a:fld id="{57508EDC-E3F7-49A8-9A12-DA9CCD59B667}" type="datetimeFigureOut">
               <a:rPr lang="en-US" smtClean="0"/>
-              <a:t>11/28/2023</a:t>
+              <a:t>11/29/2023</a:t>
             </a:fld>
             <a:endParaRPr lang="en-US"/>
           </a:p>
@@ -3811,7 +3811,7 @@
           <a:p>
             <a:fld id="{57508EDC-E3F7-49A8-9A12-DA9CCD59B667}" type="datetimeFigureOut">
               <a:rPr lang="en-US" smtClean="0"/>
-              <a:t>11/28/2023</a:t>
+              <a:t>11/29/2023</a:t>
             </a:fld>
             <a:endParaRPr lang="en-US"/>
           </a:p>
@@ -4328,7 +4328,7 @@
                 <a:ea typeface="+mj-ea"/>
                 <a:cs typeface="+mj-cs"/>
               </a:rPr>
-              <a:t>Analysis of wildfire smoke impact on  healthcare in Leavenworth, Kansas</a:t>
+              <a:t>Analysis of the wildfire smoke impact on the healthcare industry in Leavenworth, Kansas</a:t>
             </a:r>
           </a:p>
         </p:txBody>
@@ -4347,7 +4347,7 @@
         </p:nvSpPr>
         <p:spPr>
           <a:xfrm>
-            <a:off x="609601" y="5006673"/>
+            <a:off x="609601" y="5191339"/>
             <a:ext cx="4080779" cy="369332"/>
           </a:xfrm>
           <a:prstGeom prst="rect">
@@ -5614,7 +5614,7 @@
         </p:nvSpPr>
         <p:spPr>
           <a:xfrm>
-            <a:off x="621792" y="1161288"/>
+            <a:off x="641247" y="1165860"/>
             <a:ext cx="3602736" cy="4526280"/>
           </a:xfrm>
         </p:spPr>
@@ -5861,7 +5861,7 @@
         </p:nvSpPr>
         <p:spPr>
           <a:xfrm>
-            <a:off x="5303521" y="2353378"/>
+            <a:off x="5297036" y="2353378"/>
             <a:ext cx="5246009" cy="375616"/>
           </a:xfrm>
           <a:prstGeom prst="rect">
@@ -5881,7 +5881,7 @@
               </a:spcAft>
             </a:pPr>
             <a:r>
-              <a:rPr lang="en-US" sz="1749" kern="1200">
+              <a:rPr lang="en-US" sz="1749" kern="1200" dirty="0">
                 <a:solidFill>
                   <a:schemeClr val="tx1"/>
                 </a:solidFill>
@@ -5891,7 +5891,7 @@
               </a:rPr>
               <a:t>Health issues cost money to deal with</a:t>
             </a:r>
-            <a:endParaRPr lang="en-US"/>
+            <a:endParaRPr lang="en-US" dirty="0"/>
           </a:p>
         </p:txBody>
       </p:sp>
@@ -5909,8 +5909,8 @@
         </p:nvSpPr>
         <p:spPr>
           <a:xfrm>
-            <a:off x="5312664" y="3025944"/>
-            <a:ext cx="5667738" cy="375616"/>
+            <a:off x="5306179" y="3058369"/>
+            <a:ext cx="5997362" cy="361509"/>
           </a:xfrm>
           <a:prstGeom prst="rect">
             <a:avLst/>
@@ -5937,7 +5937,22 @@
                 <a:ea typeface="+mn-ea"/>
                 <a:cs typeface="+mn-cs"/>
               </a:rPr>
-              <a:t>Wildfire smoke increases burden on healthcare industry</a:t>
+              <a:t>Wildfire smoke increases</a:t>
+            </a:r>
+            <a:r>
+              <a:rPr lang="en-US" sz="1749" dirty="0"/>
+              <a:t> </a:t>
+            </a:r>
+            <a:r>
+              <a:rPr lang="en-US" sz="1749" kern="1200" dirty="0">
+                <a:solidFill>
+                  <a:schemeClr val="tx1"/>
+                </a:solidFill>
+                <a:latin typeface="+mn-lt"/>
+                <a:ea typeface="+mn-ea"/>
+                <a:cs typeface="+mn-cs"/>
+              </a:rPr>
+              <a:t>burden on the healthcare industry</a:t>
             </a:r>
             <a:endParaRPr lang="en-US" dirty="0"/>
           </a:p>
@@ -5957,7 +5972,7 @@
         </p:nvSpPr>
         <p:spPr>
           <a:xfrm>
-            <a:off x="5303521" y="3787398"/>
+            <a:off x="5310006" y="3787398"/>
             <a:ext cx="5667738" cy="375616"/>
           </a:xfrm>
           <a:prstGeom prst="rect">
@@ -5977,7 +5992,7 @@
               </a:spcAft>
             </a:pPr>
             <a:r>
-              <a:rPr lang="en-US" sz="1749" kern="1200">
+              <a:rPr lang="en-US" sz="1749" kern="1200" dirty="0">
                 <a:solidFill>
                   <a:schemeClr val="tx1"/>
                 </a:solidFill>
@@ -5987,7 +6002,7 @@
               </a:rPr>
               <a:t>The number of healthcare workers is declining</a:t>
             </a:r>
-            <a:endParaRPr lang="en-US"/>
+            <a:endParaRPr lang="en-US" dirty="0"/>
           </a:p>
         </p:txBody>
       </p:sp>
@@ -6005,7 +6020,7 @@
         </p:nvSpPr>
         <p:spPr>
           <a:xfrm>
-            <a:off x="5303521" y="4524247"/>
+            <a:off x="5297036" y="4524247"/>
             <a:ext cx="5667738" cy="375616"/>
           </a:xfrm>
           <a:prstGeom prst="rect">
@@ -6053,7 +6068,7 @@
         </p:nvSpPr>
         <p:spPr>
           <a:xfrm>
-            <a:off x="5303521" y="5257061"/>
+            <a:off x="5303521" y="5237261"/>
             <a:ext cx="5667738" cy="909758"/>
           </a:xfrm>
           <a:prstGeom prst="rect">
@@ -6433,7 +6448,7 @@
         </p:nvSpPr>
         <p:spPr>
           <a:xfrm>
-            <a:off x="7379534" y="1929748"/>
+            <a:off x="7449133" y="1927553"/>
             <a:ext cx="4080946" cy="637497"/>
           </a:xfrm>
           <a:prstGeom prst="rect">
@@ -6481,8 +6496,8 @@
         </p:nvSpPr>
         <p:spPr>
           <a:xfrm>
-            <a:off x="1437590" y="1929748"/>
-            <a:ext cx="4361230" cy="635302"/>
+            <a:off x="982531" y="1929748"/>
+            <a:ext cx="5349623" cy="635302"/>
           </a:xfrm>
           <a:prstGeom prst="rect">
             <a:avLst/>
@@ -6509,7 +6524,7 @@
                 <a:ea typeface="+mn-ea"/>
                 <a:cs typeface="+mn-cs"/>
               </a:rPr>
-              <a:t>Exploration of Healthcare impacts on Leavenworth, Kansas from wildfire smoke. </a:t>
+              <a:t>Exploration of how the healthcare industry of Leavenworth, Kansas was impacted by wildfire smoke. </a:t>
             </a:r>
             <a:endParaRPr lang="en-US" b="1" dirty="0"/>
           </a:p>
@@ -6982,8 +6997,8 @@
         </p:nvSpPr>
         <p:spPr>
           <a:xfrm>
-            <a:off x="6715683" y="1578487"/>
-            <a:ext cx="4970835" cy="923330"/>
+            <a:off x="6472645" y="1616339"/>
+            <a:ext cx="5528198" cy="923330"/>
           </a:xfrm>
           <a:prstGeom prst="rect">
             <a:avLst/>
@@ -6999,7 +7014,7 @@
             <a:pPr algn="ctr"/>
             <a:r>
               <a:rPr lang="en-US" b="1" dirty="0"/>
-              <a:t>This comes with associated economic and health costs. To attempt to minimize these future costs, policymakers need to be informed.</a:t>
+              <a:t>This comes with associated economic and health costs. To attempt to minimize these future costs, policymakers need information on current/future trends.</a:t>
             </a:r>
           </a:p>
         </p:txBody>
@@ -7278,7 +7293,7 @@
         </p:nvSpPr>
         <p:spPr>
           <a:xfrm>
-            <a:off x="6096000" y="-108329"/>
+            <a:off x="6549957" y="-137036"/>
             <a:ext cx="5070455" cy="1711119"/>
           </a:xfrm>
           <a:prstGeom prst="rect">
@@ -8685,8 +8700,8 @@
         </p:nvSpPr>
         <p:spPr>
           <a:xfrm>
-            <a:off x="6910546" y="2009411"/>
-            <a:ext cx="4738356" cy="646331"/>
+            <a:off x="6760261" y="2000328"/>
+            <a:ext cx="5125811" cy="646331"/>
           </a:xfrm>
           <a:prstGeom prst="rect">
             <a:avLst/>
@@ -8701,7 +8716,7 @@
           <a:p>
             <a:r>
               <a:rPr lang="en-US" dirty="0"/>
-              <a:t>Custom smoke estimates + projection model predicts a slight increase in smoke through 2050.</a:t>
+              <a:t>Custom smoke estimates + projection model predicts a slight increase in wildfire smoke through 2050.</a:t>
             </a:r>
           </a:p>
         </p:txBody>
@@ -9358,7 +9373,7 @@
         </p:nvSpPr>
         <p:spPr>
           <a:xfrm>
-            <a:off x="6830716" y="565679"/>
+            <a:off x="6876111" y="476243"/>
             <a:ext cx="4684917" cy="1200329"/>
           </a:xfrm>
           <a:prstGeom prst="rect">
@@ -9641,7 +9656,7 @@
         </p:nvSpPr>
         <p:spPr>
           <a:xfrm>
-            <a:off x="1814014" y="301208"/>
+            <a:off x="1340601" y="301207"/>
             <a:ext cx="10506456" cy="1010264"/>
           </a:xfrm>
           <a:prstGeom prst="rect">
@@ -9674,7 +9689,7 @@
                 <a:ea typeface="+mj-ea"/>
                 <a:cs typeface="+mj-cs"/>
               </a:rPr>
-              <a:t>Implications of more ED visits Part 1</a:t>
+              <a:t>Implications of increasing ED visits, Part 1</a:t>
             </a:r>
           </a:p>
         </p:txBody>
@@ -9840,12 +9855,64 @@
           </a:p>
         </p:txBody>
       </p:sp>
+      <p:sp>
+        <p:nvSpPr>
+          <p:cNvPr id="8" name="TextBox 7">
+            <a:extLst>
+              <a:ext uri="{FF2B5EF4-FFF2-40B4-BE49-F238E27FC236}">
+                <a16:creationId xmlns:a16="http://schemas.microsoft.com/office/drawing/2014/main" id="{453ED0A5-572E-FB78-6E5B-2252C9A76358}"/>
+              </a:ext>
+            </a:extLst>
+          </p:cNvPr>
+          <p:cNvSpPr txBox="1"/>
+          <p:nvPr/>
+        </p:nvSpPr>
+        <p:spPr>
+          <a:xfrm>
+            <a:off x="207380" y="1592188"/>
+            <a:ext cx="11779677" cy="523220"/>
+          </a:xfrm>
+          <a:prstGeom prst="rect">
+            <a:avLst/>
+          </a:prstGeom>
+          <a:noFill/>
+        </p:spPr>
+        <p:txBody>
+          <a:bodyPr wrap="square" rtlCol="0">
+            <a:spAutoFit/>
+          </a:bodyPr>
+          <a:lstStyle/>
+          <a:p>
+            <a:pPr algn="ctr" defTabSz="768096">
+              <a:spcAft>
+                <a:spcPts val="600"/>
+              </a:spcAft>
+            </a:pPr>
+            <a:r>
+              <a:rPr lang="en-US" sz="2800" kern="1200" dirty="0">
+                <a:solidFill>
+                  <a:schemeClr val="tx1"/>
+                </a:solidFill>
+                <a:latin typeface="+mn-lt"/>
+                <a:ea typeface="+mn-ea"/>
+                <a:cs typeface="+mn-cs"/>
+              </a:rPr>
+              <a:t>More money spent + less insurance </a:t>
+            </a:r>
+            <a:r>
+              <a:rPr lang="en-US" sz="2800" dirty="0"/>
+              <a:t>= potential economic issues</a:t>
+            </a:r>
+            <a:endParaRPr lang="en-US" sz="3200" dirty="0"/>
+          </a:p>
+        </p:txBody>
+      </p:sp>
       <p:pic>
         <p:nvPicPr>
-          <p:cNvPr id="4" name="Picture 3">
-            <a:extLst>
-              <a:ext uri="{FF2B5EF4-FFF2-40B4-BE49-F238E27FC236}">
-                <a16:creationId xmlns:a16="http://schemas.microsoft.com/office/drawing/2014/main" id="{7751AD97-787E-15DB-45BC-B08B72121943}"/>
+          <p:cNvPr id="22" name="Picture 21">
+            <a:extLst>
+              <a:ext uri="{FF2B5EF4-FFF2-40B4-BE49-F238E27FC236}">
+                <a16:creationId xmlns:a16="http://schemas.microsoft.com/office/drawing/2014/main" id="{8D8E936D-0F2D-0AA3-7B13-FBCDE3B16049}"/>
               </a:ext>
             </a:extLst>
           </p:cNvPr>
@@ -9862,68 +9929,20 @@
         </p:blipFill>
         <p:spPr>
           <a:xfrm>
-            <a:off x="6326243" y="2499356"/>
-            <a:ext cx="5567443" cy="3784120"/>
+            <a:off x="498011" y="2396125"/>
+            <a:ext cx="5828232" cy="3990582"/>
           </a:xfrm>
           <a:prstGeom prst="rect">
             <a:avLst/>
           </a:prstGeom>
         </p:spPr>
       </p:pic>
-      <p:sp>
-        <p:nvSpPr>
-          <p:cNvPr id="8" name="TextBox 7">
-            <a:extLst>
-              <a:ext uri="{FF2B5EF4-FFF2-40B4-BE49-F238E27FC236}">
-                <a16:creationId xmlns:a16="http://schemas.microsoft.com/office/drawing/2014/main" id="{453ED0A5-572E-FB78-6E5B-2252C9A76358}"/>
-              </a:ext>
-            </a:extLst>
-          </p:cNvPr>
-          <p:cNvSpPr txBox="1"/>
-          <p:nvPr/>
-        </p:nvSpPr>
-        <p:spPr>
-          <a:xfrm>
-            <a:off x="204637" y="1580305"/>
-            <a:ext cx="11779677" cy="523220"/>
-          </a:xfrm>
-          <a:prstGeom prst="rect">
-            <a:avLst/>
-          </a:prstGeom>
-          <a:noFill/>
-        </p:spPr>
-        <p:txBody>
-          <a:bodyPr wrap="square" rtlCol="0">
-            <a:spAutoFit/>
-          </a:bodyPr>
-          <a:lstStyle/>
-          <a:p>
-            <a:pPr algn="ctr" defTabSz="768096">
-              <a:spcAft>
-                <a:spcPts val="600"/>
-              </a:spcAft>
-            </a:pPr>
-            <a:r>
-              <a:rPr lang="en-US" sz="2800" kern="1200" dirty="0">
-                <a:solidFill>
-                  <a:schemeClr val="tx1"/>
-                </a:solidFill>
-                <a:latin typeface="+mn-lt"/>
-                <a:ea typeface="+mn-ea"/>
-                <a:cs typeface="+mn-cs"/>
-              </a:rPr>
-              <a:t>More money spent. Combined with less insurance in recent years</a:t>
-            </a:r>
-            <a:endParaRPr lang="en-US" sz="3200" dirty="0"/>
-          </a:p>
-        </p:txBody>
-      </p:sp>
       <p:pic>
         <p:nvPicPr>
-          <p:cNvPr id="22" name="Picture 21">
-            <a:extLst>
-              <a:ext uri="{FF2B5EF4-FFF2-40B4-BE49-F238E27FC236}">
-                <a16:creationId xmlns:a16="http://schemas.microsoft.com/office/drawing/2014/main" id="{8D8E936D-0F2D-0AA3-7B13-FBCDE3B16049}"/>
+          <p:cNvPr id="3" name="Picture 2">
+            <a:extLst>
+              <a:ext uri="{FF2B5EF4-FFF2-40B4-BE49-F238E27FC236}">
+                <a16:creationId xmlns:a16="http://schemas.microsoft.com/office/drawing/2014/main" id="{7F992FF8-60D6-D327-DBD1-D9A8B7FA216E}"/>
               </a:ext>
             </a:extLst>
           </p:cNvPr>
@@ -9940,8 +9959,8 @@
         </p:blipFill>
         <p:spPr>
           <a:xfrm>
-            <a:off x="498011" y="2396125"/>
-            <a:ext cx="5828232" cy="3990582"/>
+            <a:off x="6094475" y="2396125"/>
+            <a:ext cx="5892582" cy="3949283"/>
           </a:xfrm>
           <a:prstGeom prst="rect">
             <a:avLst/>
@@ -10048,58 +10067,6 @@
       </p:sp>
       <p:sp>
         <p:nvSpPr>
-          <p:cNvPr id="5" name="TextBox 4">
-            <a:extLst>
-              <a:ext uri="{FF2B5EF4-FFF2-40B4-BE49-F238E27FC236}">
-                <a16:creationId xmlns:a16="http://schemas.microsoft.com/office/drawing/2014/main" id="{899648D2-0259-CE8C-D183-1BD96BC0695B}"/>
-              </a:ext>
-            </a:extLst>
-          </p:cNvPr>
-          <p:cNvSpPr txBox="1"/>
-          <p:nvPr/>
-        </p:nvSpPr>
-        <p:spPr>
-          <a:xfrm>
-            <a:off x="1814014" y="301208"/>
-            <a:ext cx="10506456" cy="1010264"/>
-          </a:xfrm>
-          <a:prstGeom prst="rect">
-            <a:avLst/>
-          </a:prstGeom>
-        </p:spPr>
-        <p:txBody>
-          <a:bodyPr vert="horz" lIns="91440" tIns="45720" rIns="91440" bIns="45720" rtlCol="0" anchor="ctr">
-            <a:normAutofit/>
-          </a:bodyPr>
-          <a:lstStyle/>
-          <a:p>
-            <a:pPr>
-              <a:lnSpc>
-                <a:spcPct val="90000"/>
-              </a:lnSpc>
-              <a:spcBef>
-                <a:spcPct val="0"/>
-              </a:spcBef>
-              <a:spcAft>
-                <a:spcPts val="600"/>
-              </a:spcAft>
-            </a:pPr>
-            <a:r>
-              <a:rPr lang="en-US" sz="4400" kern="1200" dirty="0">
-                <a:solidFill>
-                  <a:schemeClr val="tx1"/>
-                </a:solidFill>
-                <a:latin typeface="+mj-lt"/>
-                <a:ea typeface="+mj-ea"/>
-                <a:cs typeface="+mj-cs"/>
-              </a:rPr>
-              <a:t>Implications of more ED visits Part 2</a:t>
-            </a:r>
-          </a:p>
-        </p:txBody>
-      </p:sp>
-      <p:sp>
-        <p:nvSpPr>
           <p:cNvPr id="15" name="Rectangle 14">
             <a:extLst>
               <a:ext uri="{FF2B5EF4-FFF2-40B4-BE49-F238E27FC236}">
@@ -10273,7 +10240,7 @@
         </p:nvSpPr>
         <p:spPr>
           <a:xfrm>
-            <a:off x="536689" y="2690907"/>
+            <a:off x="536689" y="1932149"/>
             <a:ext cx="4547635" cy="2062103"/>
           </a:xfrm>
           <a:prstGeom prst="rect">
@@ -10294,12 +10261,64 @@
           </a:p>
         </p:txBody>
       </p:sp>
+      <p:sp>
+        <p:nvSpPr>
+          <p:cNvPr id="6" name="TextBox 5">
+            <a:extLst>
+              <a:ext uri="{FF2B5EF4-FFF2-40B4-BE49-F238E27FC236}">
+                <a16:creationId xmlns:a16="http://schemas.microsoft.com/office/drawing/2014/main" id="{B85B1373-4371-0902-3FFF-5C5F586C88A2}"/>
+              </a:ext>
+            </a:extLst>
+          </p:cNvPr>
+          <p:cNvSpPr txBox="1"/>
+          <p:nvPr/>
+        </p:nvSpPr>
+        <p:spPr>
+          <a:xfrm>
+            <a:off x="1340601" y="301207"/>
+            <a:ext cx="10506456" cy="1010264"/>
+          </a:xfrm>
+          <a:prstGeom prst="rect">
+            <a:avLst/>
+          </a:prstGeom>
+        </p:spPr>
+        <p:txBody>
+          <a:bodyPr vert="horz" lIns="91440" tIns="45720" rIns="91440" bIns="45720" rtlCol="0" anchor="ctr">
+            <a:normAutofit/>
+          </a:bodyPr>
+          <a:lstStyle/>
+          <a:p>
+            <a:pPr>
+              <a:lnSpc>
+                <a:spcPct val="90000"/>
+              </a:lnSpc>
+              <a:spcBef>
+                <a:spcPct val="0"/>
+              </a:spcBef>
+              <a:spcAft>
+                <a:spcPts val="600"/>
+              </a:spcAft>
+            </a:pPr>
+            <a:r>
+              <a:rPr lang="en-US" sz="4400" kern="1200" dirty="0">
+                <a:solidFill>
+                  <a:schemeClr val="tx1"/>
+                </a:solidFill>
+                <a:latin typeface="+mj-lt"/>
+                <a:ea typeface="+mj-ea"/>
+                <a:cs typeface="+mj-cs"/>
+              </a:rPr>
+              <a:t>Implications of increasing ED visits, Part 2</a:t>
+            </a:r>
+          </a:p>
+        </p:txBody>
+      </p:sp>
       <p:pic>
         <p:nvPicPr>
-          <p:cNvPr id="3" name="Picture 2">
-            <a:extLst>
-              <a:ext uri="{FF2B5EF4-FFF2-40B4-BE49-F238E27FC236}">
-                <a16:creationId xmlns:a16="http://schemas.microsoft.com/office/drawing/2014/main" id="{EF58344D-0FB2-6337-A141-53CDA182E2F5}"/>
+          <p:cNvPr id="8" name="Picture 7">
+            <a:extLst>
+              <a:ext uri="{FF2B5EF4-FFF2-40B4-BE49-F238E27FC236}">
+                <a16:creationId xmlns:a16="http://schemas.microsoft.com/office/drawing/2014/main" id="{0D97DE72-DAF2-67CA-1209-28B6883A564F}"/>
               </a:ext>
             </a:extLst>
           </p:cNvPr>
@@ -10316,8 +10335,8 @@
         </p:blipFill>
         <p:spPr>
           <a:xfrm>
-            <a:off x="5497795" y="1792974"/>
-            <a:ext cx="6451448" cy="4716960"/>
+            <a:off x="5429267" y="1730708"/>
+            <a:ext cx="6226044" cy="4795736"/>
           </a:xfrm>
           <a:prstGeom prst="rect">
             <a:avLst/>
